--- a/evidence.pptx
+++ b/evidence.pptx
@@ -7,6 +7,7 @@
   <p:sldIdLst>
     <p:sldId id="256" r:id="rId2"/>
     <p:sldId id="257" r:id="rId3"/>
+    <p:sldId id="258" r:id="rId4"/>
   </p:sldIdLst>
   <p:sldSz cx="12192000" cy="6858000"/>
   <p:notesSz cx="6858000" cy="9144000"/>
@@ -105,6 +106,11 @@
       </a:defRPr>
     </a:lvl9pPr>
   </p:defaultTextStyle>
+  <p:extLst>
+    <p:ext uri="{EFAFB233-063F-42B5-8137-9DF3F51BA10A}">
+      <p15:sldGuideLst xmlns:p15="http://schemas.microsoft.com/office/powerpoint/2012/main"/>
+    </p:ext>
+  </p:extLst>
 </p:presentation>
 </file>
 
@@ -257,7 +263,7 @@
           <a:p>
             <a:fld id="{06A7A16A-6445-44E0-84C3-2A5BD5D79C2E}" type="datetimeFigureOut">
               <a:rPr lang="en-AU" smtClean="0"/>
-              <a:t>14/09/2023</a:t>
+              <a:t>21/09/2023</a:t>
             </a:fld>
             <a:endParaRPr lang="en-AU"/>
           </a:p>
@@ -457,7 +463,7 @@
           <a:p>
             <a:fld id="{06A7A16A-6445-44E0-84C3-2A5BD5D79C2E}" type="datetimeFigureOut">
               <a:rPr lang="en-AU" smtClean="0"/>
-              <a:t>14/09/2023</a:t>
+              <a:t>21/09/2023</a:t>
             </a:fld>
             <a:endParaRPr lang="en-AU"/>
           </a:p>
@@ -667,7 +673,7 @@
           <a:p>
             <a:fld id="{06A7A16A-6445-44E0-84C3-2A5BD5D79C2E}" type="datetimeFigureOut">
               <a:rPr lang="en-AU" smtClean="0"/>
-              <a:t>14/09/2023</a:t>
+              <a:t>21/09/2023</a:t>
             </a:fld>
             <a:endParaRPr lang="en-AU"/>
           </a:p>
@@ -867,7 +873,7 @@
           <a:p>
             <a:fld id="{06A7A16A-6445-44E0-84C3-2A5BD5D79C2E}" type="datetimeFigureOut">
               <a:rPr lang="en-AU" smtClean="0"/>
-              <a:t>14/09/2023</a:t>
+              <a:t>21/09/2023</a:t>
             </a:fld>
             <a:endParaRPr lang="en-AU"/>
           </a:p>
@@ -1143,7 +1149,7 @@
           <a:p>
             <a:fld id="{06A7A16A-6445-44E0-84C3-2A5BD5D79C2E}" type="datetimeFigureOut">
               <a:rPr lang="en-AU" smtClean="0"/>
-              <a:t>14/09/2023</a:t>
+              <a:t>21/09/2023</a:t>
             </a:fld>
             <a:endParaRPr lang="en-AU"/>
           </a:p>
@@ -1411,7 +1417,7 @@
           <a:p>
             <a:fld id="{06A7A16A-6445-44E0-84C3-2A5BD5D79C2E}" type="datetimeFigureOut">
               <a:rPr lang="en-AU" smtClean="0"/>
-              <a:t>14/09/2023</a:t>
+              <a:t>21/09/2023</a:t>
             </a:fld>
             <a:endParaRPr lang="en-AU"/>
           </a:p>
@@ -1826,7 +1832,7 @@
           <a:p>
             <a:fld id="{06A7A16A-6445-44E0-84C3-2A5BD5D79C2E}" type="datetimeFigureOut">
               <a:rPr lang="en-AU" smtClean="0"/>
-              <a:t>14/09/2023</a:t>
+              <a:t>21/09/2023</a:t>
             </a:fld>
             <a:endParaRPr lang="en-AU"/>
           </a:p>
@@ -1968,7 +1974,7 @@
           <a:p>
             <a:fld id="{06A7A16A-6445-44E0-84C3-2A5BD5D79C2E}" type="datetimeFigureOut">
               <a:rPr lang="en-AU" smtClean="0"/>
-              <a:t>14/09/2023</a:t>
+              <a:t>21/09/2023</a:t>
             </a:fld>
             <a:endParaRPr lang="en-AU"/>
           </a:p>
@@ -2081,7 +2087,7 @@
           <a:p>
             <a:fld id="{06A7A16A-6445-44E0-84C3-2A5BD5D79C2E}" type="datetimeFigureOut">
               <a:rPr lang="en-AU" smtClean="0"/>
-              <a:t>14/09/2023</a:t>
+              <a:t>21/09/2023</a:t>
             </a:fld>
             <a:endParaRPr lang="en-AU"/>
           </a:p>
@@ -2394,7 +2400,7 @@
           <a:p>
             <a:fld id="{06A7A16A-6445-44E0-84C3-2A5BD5D79C2E}" type="datetimeFigureOut">
               <a:rPr lang="en-AU" smtClean="0"/>
-              <a:t>14/09/2023</a:t>
+              <a:t>21/09/2023</a:t>
             </a:fld>
             <a:endParaRPr lang="en-AU"/>
           </a:p>
@@ -2683,7 +2689,7 @@
           <a:p>
             <a:fld id="{06A7A16A-6445-44E0-84C3-2A5BD5D79C2E}" type="datetimeFigureOut">
               <a:rPr lang="en-AU" smtClean="0"/>
-              <a:t>14/09/2023</a:t>
+              <a:t>21/09/2023</a:t>
             </a:fld>
             <a:endParaRPr lang="en-AU"/>
           </a:p>
@@ -2926,7 +2932,7 @@
           <a:p>
             <a:fld id="{06A7A16A-6445-44E0-84C3-2A5BD5D79C2E}" type="datetimeFigureOut">
               <a:rPr lang="en-AU" smtClean="0"/>
-              <a:t>14/09/2023</a:t>
+              <a:t>21/09/2023</a:t>
             </a:fld>
             <a:endParaRPr lang="en-AU"/>
           </a:p>
@@ -3487,30 +3493,101 @@
         </p:nvSpPr>
         <p:spPr/>
         <p:txBody>
-          <a:bodyPr/>
-          <a:lstStyle/>
-          <a:p>
-            <a:r>
-              <a:rPr lang="en-GB" dirty="0"/>
+          <a:bodyPr>
+            <a:normAutofit/>
+          </a:bodyPr>
+          <a:lstStyle/>
+          <a:p>
+            <a:r>
+              <a:rPr lang="en-AU" sz="1600" dirty="0">
+                <a:hlinkClick r:id="rId2"/>
+              </a:rPr>
+              <a:t>T1033</a:t>
+            </a:r>
+            <a:r>
+              <a:rPr lang="en-AU" sz="1600" dirty="0"/>
+              <a:t> </a:t>
+            </a:r>
+            <a:r>
+              <a:rPr lang="en-GB" sz="1600" dirty="0"/>
               <a:t>Net Use to connect to other computers</a:t>
             </a:r>
           </a:p>
           <a:p>
             <a:r>
-              <a:rPr lang="en-GB" dirty="0" err="1"/>
+              <a:rPr lang="en-AU" sz="1600" dirty="0">
+                <a:hlinkClick r:id="rId3"/>
+              </a:rPr>
+              <a:t>T1570</a:t>
+            </a:r>
+            <a:r>
+              <a:rPr lang="en-AU" sz="1600" dirty="0"/>
+              <a:t> </a:t>
+            </a:r>
+            <a:r>
+              <a:rPr lang="en-GB" sz="1600" dirty="0" err="1"/>
               <a:t>PsExec</a:t>
             </a:r>
             <a:r>
-              <a:rPr lang="en-GB" dirty="0"/>
-              <a:t> to deploy payloads </a:t>
-            </a:r>
-            <a:r>
-              <a:rPr lang="en-GB"/>
-              <a:t>to computer</a:t>
-            </a:r>
-          </a:p>
-          <a:p>
-            <a:endParaRPr lang="en-AU"/>
+              <a:rPr lang="en-GB" sz="1600" dirty="0"/>
+              <a:t> to deploy payloads to computer</a:t>
+            </a:r>
+          </a:p>
+          <a:p>
+            <a:r>
+              <a:rPr lang="en-AU" sz="1600" dirty="0">
+                <a:hlinkClick r:id="rId4"/>
+              </a:rPr>
+              <a:t>T1059</a:t>
+            </a:r>
+            <a:r>
+              <a:rPr lang="en-AU" sz="1600" dirty="0"/>
+              <a:t> </a:t>
+            </a:r>
+            <a:r>
+              <a:rPr lang="en-GB" sz="1600" dirty="0"/>
+              <a:t>can execute commands on a compromised network with the use of cmd.exe</a:t>
+            </a:r>
+          </a:p>
+          <a:p>
+            <a:r>
+              <a:rPr lang="en-AU" sz="1600" dirty="0">
+                <a:hlinkClick r:id="rId5"/>
+              </a:rPr>
+              <a:t>T1490</a:t>
+            </a:r>
+            <a:r>
+              <a:rPr lang="en-AU" sz="1600" dirty="0"/>
+              <a:t> can delete shadow copies using vssadmin.exe delete shadows /all /quiet and wmic.exe </a:t>
+            </a:r>
+            <a:r>
+              <a:rPr lang="en-AU" sz="1600" dirty="0" err="1"/>
+              <a:t>Shadowcopy</a:t>
+            </a:r>
+            <a:r>
+              <a:rPr lang="en-AU" sz="1600" dirty="0"/>
+              <a:t> Delete; it can also modify the boot loader using </a:t>
+            </a:r>
+            <a:r>
+              <a:rPr lang="en-AU" sz="1600" dirty="0" err="1"/>
+              <a:t>bcdedit</a:t>
+            </a:r>
+            <a:r>
+              <a:rPr lang="en-AU" sz="1600" dirty="0"/>
+              <a:t> /set {default} </a:t>
+            </a:r>
+            <a:r>
+              <a:rPr lang="en-AU" sz="1600" dirty="0" err="1"/>
+              <a:t>recoveryenabled</a:t>
+            </a:r>
+            <a:r>
+              <a:rPr lang="en-AU" sz="1600" dirty="0"/>
+              <a:t> No</a:t>
+            </a:r>
+            <a:endParaRPr lang="en-GB" sz="1600" dirty="0"/>
+          </a:p>
+          <a:p>
+            <a:endParaRPr lang="en-AU" sz="1600" dirty="0"/>
           </a:p>
         </p:txBody>
       </p:sp>
@@ -3518,6 +3595,118 @@
     <p:extLst>
       <p:ext uri="{BB962C8B-B14F-4D97-AF65-F5344CB8AC3E}">
         <p14:creationId xmlns:p14="http://schemas.microsoft.com/office/powerpoint/2010/main" val="2669931955"/>
+      </p:ext>
+    </p:extLst>
+  </p:cSld>
+  <p:clrMapOvr>
+    <a:masterClrMapping/>
+  </p:clrMapOvr>
+</p:sld>
+</file>
+
+<file path=ppt/slides/slide3.xml><?xml version="1.0" encoding="utf-8"?>
+<p:sld xmlns:a="http://schemas.openxmlformats.org/drawingml/2006/main" xmlns:r="http://schemas.openxmlformats.org/officeDocument/2006/relationships" xmlns:p="http://schemas.openxmlformats.org/presentationml/2006/main">
+  <p:cSld>
+    <p:spTree>
+      <p:nvGrpSpPr>
+        <p:cNvPr id="1" name=""/>
+        <p:cNvGrpSpPr/>
+        <p:nvPr/>
+      </p:nvGrpSpPr>
+      <p:grpSpPr>
+        <a:xfrm>
+          <a:off x="0" y="0"/>
+          <a:ext cx="0" cy="0"/>
+          <a:chOff x="0" y="0"/>
+          <a:chExt cx="0" cy="0"/>
+        </a:xfrm>
+      </p:grpSpPr>
+      <p:sp>
+        <p:nvSpPr>
+          <p:cNvPr id="2" name="Title 1">
+            <a:extLst>
+              <a:ext uri="{FF2B5EF4-FFF2-40B4-BE49-F238E27FC236}">
+                <a16:creationId xmlns:a16="http://schemas.microsoft.com/office/drawing/2014/main" id="{E8BA4E43-19C5-02C9-ED26-8AF7FED21CED}"/>
+              </a:ext>
+            </a:extLst>
+          </p:cNvPr>
+          <p:cNvSpPr>
+            <a:spLocks noGrp="1"/>
+          </p:cNvSpPr>
+          <p:nvPr>
+            <p:ph type="title"/>
+          </p:nvPr>
+        </p:nvSpPr>
+        <p:spPr/>
+        <p:txBody>
+          <a:bodyPr/>
+          <a:lstStyle/>
+          <a:p>
+            <a:r>
+              <a:rPr lang="en-AU" dirty="0"/>
+              <a:t>References</a:t>
+            </a:r>
+          </a:p>
+        </p:txBody>
+      </p:sp>
+      <p:sp>
+        <p:nvSpPr>
+          <p:cNvPr id="3" name="Content Placeholder 2">
+            <a:extLst>
+              <a:ext uri="{FF2B5EF4-FFF2-40B4-BE49-F238E27FC236}">
+                <a16:creationId xmlns:a16="http://schemas.microsoft.com/office/drawing/2014/main" id="{B6A28169-F058-5AD3-E0C5-F60F9303105A}"/>
+              </a:ext>
+            </a:extLst>
+          </p:cNvPr>
+          <p:cNvSpPr>
+            <a:spLocks noGrp="1"/>
+          </p:cNvSpPr>
+          <p:nvPr>
+            <p:ph idx="1"/>
+          </p:nvPr>
+        </p:nvSpPr>
+        <p:spPr/>
+        <p:txBody>
+          <a:bodyPr/>
+          <a:lstStyle/>
+          <a:p>
+            <a:r>
+              <a:rPr lang="en-AU" dirty="0">
+                <a:hlinkClick r:id="rId2"/>
+              </a:rPr>
+              <a:t>https://securityscorecard.com/research/deep-dive-into-alphv-blackcat-ransomware/</a:t>
+            </a:r>
+            <a:r>
+              <a:rPr lang="en-AU" dirty="0"/>
+              <a:t> detailed analysis  of how </a:t>
+            </a:r>
+            <a:r>
+              <a:rPr lang="en-AU" dirty="0" err="1"/>
+              <a:t>blackcat</a:t>
+            </a:r>
+            <a:r>
+              <a:rPr lang="en-AU" dirty="0"/>
+              <a:t> works under the hood.</a:t>
+            </a:r>
+          </a:p>
+          <a:p>
+            <a:r>
+              <a:rPr lang="en-AU" dirty="0">
+                <a:hlinkClick r:id="rId3"/>
+              </a:rPr>
+              <a:t>https://atomicredteam.io/discovery/T1083/</a:t>
+            </a:r>
+            <a:endParaRPr lang="en-AU" dirty="0"/>
+          </a:p>
+          <a:p>
+            <a:endParaRPr lang="en-AU" dirty="0"/>
+          </a:p>
+        </p:txBody>
+      </p:sp>
+    </p:spTree>
+    <p:extLst>
+      <p:ext uri="{BB962C8B-B14F-4D97-AF65-F5344CB8AC3E}">
+        <p14:creationId xmlns:p14="http://schemas.microsoft.com/office/powerpoint/2010/main" val="3066845276"/>
       </p:ext>
     </p:extLst>
   </p:cSld>

--- a/evidence.pptx
+++ b/evidence.pptx
@@ -7,7 +7,8 @@
   <p:sldIdLst>
     <p:sldId id="256" r:id="rId2"/>
     <p:sldId id="257" r:id="rId3"/>
-    <p:sldId id="258" r:id="rId4"/>
+    <p:sldId id="259" r:id="rId4"/>
+    <p:sldId id="258" r:id="rId5"/>
   </p:sldIdLst>
   <p:sldSz cx="12192000" cy="6858000"/>
   <p:notesSz cx="6858000" cy="9144000"/>
@@ -3475,119 +3476,423 @@
           </a:p>
         </p:txBody>
       </p:sp>
-      <p:sp>
-        <p:nvSpPr>
-          <p:cNvPr id="3" name="Content Placeholder 2">
-            <a:extLst>
-              <a:ext uri="{FF2B5EF4-FFF2-40B4-BE49-F238E27FC236}">
-                <a16:creationId xmlns:a16="http://schemas.microsoft.com/office/drawing/2014/main" id="{276EEB0A-3C82-9659-FDAB-F7AF31A7CEA9}"/>
-              </a:ext>
-            </a:extLst>
-          </p:cNvPr>
-          <p:cNvSpPr>
-            <a:spLocks noGrp="1"/>
-          </p:cNvSpPr>
-          <p:nvPr>
-            <p:ph idx="1"/>
-          </p:nvPr>
-        </p:nvSpPr>
-        <p:spPr/>
-        <p:txBody>
-          <a:bodyPr>
-            <a:normAutofit/>
+      <p:graphicFrame>
+        <p:nvGraphicFramePr>
+          <p:cNvPr id="4" name="Table 4">
+            <a:extLst>
+              <a:ext uri="{FF2B5EF4-FFF2-40B4-BE49-F238E27FC236}">
+                <a16:creationId xmlns:a16="http://schemas.microsoft.com/office/drawing/2014/main" id="{11ABF2B1-7C6F-3A53-CF7A-C2D178ABA4AE}"/>
+              </a:ext>
+            </a:extLst>
+          </p:cNvPr>
+          <p:cNvGraphicFramePr>
+            <a:graphicFrameLocks noGrp="1"/>
+          </p:cNvGraphicFramePr>
+          <p:nvPr>
+            <p:extLst>
+              <p:ext uri="{D42A27DB-BD31-4B8C-83A1-F6EECF244321}">
+                <p14:modId xmlns:p14="http://schemas.microsoft.com/office/powerpoint/2010/main" val="3837343450"/>
+              </p:ext>
+            </p:extLst>
+          </p:nvPr>
+        </p:nvGraphicFramePr>
+        <p:xfrm>
+          <a:off x="647700" y="1328738"/>
+          <a:ext cx="11125200" cy="4038600"/>
+        </p:xfrm>
+        <a:graphic>
+          <a:graphicData uri="http://schemas.openxmlformats.org/drawingml/2006/table">
+            <a:tbl>
+              <a:tblPr firstRow="1" bandRow="1">
+                <a:tableStyleId>{5C22544A-7EE6-4342-B048-85BDC9FD1C3A}</a:tableStyleId>
+              </a:tblPr>
+              <a:tblGrid>
+                <a:gridCol w="3708400">
+                  <a:extLst>
+                    <a:ext uri="{9D8B030D-6E8A-4147-A177-3AD203B41FA5}">
+                      <a16:colId xmlns:a16="http://schemas.microsoft.com/office/drawing/2014/main" val="3320604885"/>
+                    </a:ext>
+                  </a:extLst>
+                </a:gridCol>
+                <a:gridCol w="3543300">
+                  <a:extLst>
+                    <a:ext uri="{9D8B030D-6E8A-4147-A177-3AD203B41FA5}">
+                      <a16:colId xmlns:a16="http://schemas.microsoft.com/office/drawing/2014/main" val="2877726149"/>
+                    </a:ext>
+                  </a:extLst>
+                </a:gridCol>
+                <a:gridCol w="3873500">
+                  <a:extLst>
+                    <a:ext uri="{9D8B030D-6E8A-4147-A177-3AD203B41FA5}">
+                      <a16:colId xmlns:a16="http://schemas.microsoft.com/office/drawing/2014/main" val="3357257556"/>
+                    </a:ext>
+                  </a:extLst>
+                </a:gridCol>
+              </a:tblGrid>
+              <a:tr h="370840">
+                <a:tc>
+                  <a:txBody>
+                    <a:bodyPr/>
+                    <a:lstStyle/>
+                    <a:p>
+                      <a:r>
+                        <a:rPr lang="en-AU" dirty="0"/>
+                        <a:t>Category</a:t>
+                      </a:r>
+                    </a:p>
+                  </a:txBody>
+                  <a:tcPr/>
+                </a:tc>
+                <a:tc>
+                  <a:txBody>
+                    <a:bodyPr/>
+                    <a:lstStyle/>
+                    <a:p>
+                      <a:r>
+                        <a:rPr lang="en-AU" dirty="0"/>
+                        <a:t>Category Description</a:t>
+                      </a:r>
+                    </a:p>
+                  </a:txBody>
+                  <a:tcPr/>
+                </a:tc>
+                <a:tc>
+                  <a:txBody>
+                    <a:bodyPr/>
+                    <a:lstStyle/>
+                    <a:p>
+                      <a:r>
+                        <a:rPr lang="en-AU" dirty="0"/>
+                        <a:t>Description</a:t>
+                      </a:r>
+                    </a:p>
+                  </a:txBody>
+                  <a:tcPr/>
+                </a:tc>
+                <a:extLst>
+                  <a:ext uri="{0D108BD9-81ED-4DB2-BD59-A6C34878D82A}">
+                    <a16:rowId xmlns:a16="http://schemas.microsoft.com/office/drawing/2014/main" val="3923147600"/>
+                  </a:ext>
+                </a:extLst>
+              </a:tr>
+              <a:tr h="370840">
+                <a:tc>
+                  <a:txBody>
+                    <a:bodyPr/>
+                    <a:lstStyle/>
+                    <a:p>
+                      <a:r>
+                        <a:rPr lang="en-AU" sz="1800" dirty="0">
+                          <a:hlinkClick r:id="rId2"/>
+                        </a:rPr>
+                        <a:t>T1033</a:t>
+                      </a:r>
+                      <a:endParaRPr lang="en-AU" dirty="0"/>
+                    </a:p>
+                  </a:txBody>
+                  <a:tcPr/>
+                </a:tc>
+                <a:tc>
+                  <a:txBody>
+                    <a:bodyPr/>
+                    <a:lstStyle/>
+                    <a:p>
+                      <a:r>
+                        <a:rPr lang="en-AU" dirty="0"/>
+                        <a:t> System Owner/User Discovery </a:t>
+                      </a:r>
+                    </a:p>
+                  </a:txBody>
+                  <a:tcPr/>
+                </a:tc>
+                <a:tc>
+                  <a:txBody>
+                    <a:bodyPr/>
+                    <a:lstStyle/>
+                    <a:p>
+                      <a:r>
+                        <a:rPr lang="en-GB" sz="1800" b="1" dirty="0"/>
+                        <a:t>Net Use </a:t>
+                      </a:r>
+                      <a:r>
+                        <a:rPr lang="en-GB" sz="1800" dirty="0"/>
+                        <a:t>to connect to other computers</a:t>
+                      </a:r>
+                      <a:endParaRPr lang="en-AU" dirty="0"/>
+                    </a:p>
+                  </a:txBody>
+                  <a:tcPr/>
+                </a:tc>
+                <a:extLst>
+                  <a:ext uri="{0D108BD9-81ED-4DB2-BD59-A6C34878D82A}">
+                    <a16:rowId xmlns:a16="http://schemas.microsoft.com/office/drawing/2014/main" val="972132094"/>
+                  </a:ext>
+                </a:extLst>
+              </a:tr>
+              <a:tr h="370840">
+                <a:tc>
+                  <a:txBody>
+                    <a:bodyPr/>
+                    <a:lstStyle/>
+                    <a:p>
+                      <a:r>
+                        <a:rPr lang="en-AU" sz="1800" dirty="0">
+                          <a:hlinkClick r:id="rId3"/>
+                        </a:rPr>
+                        <a:t>T1570</a:t>
+                      </a:r>
+                      <a:endParaRPr lang="en-AU" dirty="0"/>
+                    </a:p>
+                  </a:txBody>
+                  <a:tcPr/>
+                </a:tc>
+                <a:tc>
+                  <a:txBody>
+                    <a:bodyPr/>
+                    <a:lstStyle/>
+                    <a:p>
+                      <a:r>
+                        <a:rPr lang="en-AU" dirty="0"/>
+                        <a:t> Lateral Tool Transfer </a:t>
+                      </a:r>
+                    </a:p>
+                  </a:txBody>
+                  <a:tcPr/>
+                </a:tc>
+                <a:tc>
+                  <a:txBody>
+                    <a:bodyPr/>
+                    <a:lstStyle/>
+                    <a:p>
+                      <a:r>
+                        <a:rPr lang="en-GB" sz="1800" b="1" dirty="0" err="1"/>
+                        <a:t>PsExec</a:t>
+                      </a:r>
+                      <a:r>
+                        <a:rPr lang="en-GB" sz="1800" dirty="0"/>
+                        <a:t> to deploy payloads to computer</a:t>
+                      </a:r>
+                      <a:endParaRPr lang="en-AU" dirty="0"/>
+                    </a:p>
+                  </a:txBody>
+                  <a:tcPr/>
+                </a:tc>
+                <a:extLst>
+                  <a:ext uri="{0D108BD9-81ED-4DB2-BD59-A6C34878D82A}">
+                    <a16:rowId xmlns:a16="http://schemas.microsoft.com/office/drawing/2014/main" val="2415464425"/>
+                  </a:ext>
+                </a:extLst>
+              </a:tr>
+              <a:tr h="370840">
+                <a:tc>
+                  <a:txBody>
+                    <a:bodyPr/>
+                    <a:lstStyle/>
+                    <a:p>
+                      <a:r>
+                        <a:rPr lang="en-AU" sz="1800" dirty="0">
+                          <a:hlinkClick r:id="rId4"/>
+                        </a:rPr>
+                        <a:t>T1059</a:t>
+                      </a:r>
+                      <a:endParaRPr lang="en-AU" dirty="0"/>
+                    </a:p>
+                  </a:txBody>
+                  <a:tcPr/>
+                </a:tc>
+                <a:tc>
+                  <a:txBody>
+                    <a:bodyPr/>
+                    <a:lstStyle/>
+                    <a:p>
+                      <a:r>
+                        <a:rPr lang="en-AU" dirty="0"/>
+                        <a:t> Command and Scripting Interpreter </a:t>
+                      </a:r>
+                    </a:p>
+                  </a:txBody>
+                  <a:tcPr/>
+                </a:tc>
+                <a:tc>
+                  <a:txBody>
+                    <a:bodyPr/>
+                    <a:lstStyle/>
+                    <a:p>
+                      <a:r>
+                        <a:rPr lang="en-GB" sz="1800" dirty="0"/>
+                        <a:t>can execute commands on a compromised network with the use of </a:t>
+                      </a:r>
+                      <a:r>
+                        <a:rPr lang="en-GB" sz="1800" b="1" dirty="0"/>
+                        <a:t>cmd.exe</a:t>
+                      </a:r>
+                      <a:endParaRPr lang="en-AU" b="1" dirty="0"/>
+                    </a:p>
+                  </a:txBody>
+                  <a:tcPr/>
+                </a:tc>
+                <a:extLst>
+                  <a:ext uri="{0D108BD9-81ED-4DB2-BD59-A6C34878D82A}">
+                    <a16:rowId xmlns:a16="http://schemas.microsoft.com/office/drawing/2014/main" val="3751381801"/>
+                  </a:ext>
+                </a:extLst>
+              </a:tr>
+              <a:tr h="370840">
+                <a:tc>
+                  <a:txBody>
+                    <a:bodyPr/>
+                    <a:lstStyle/>
+                    <a:p>
+                      <a:r>
+                        <a:rPr lang="en-AU" sz="1800" dirty="0">
+                          <a:hlinkClick r:id="rId5"/>
+                        </a:rPr>
+                        <a:t>T1490</a:t>
+                      </a:r>
+                      <a:endParaRPr lang="en-AU" dirty="0"/>
+                    </a:p>
+                  </a:txBody>
+                  <a:tcPr/>
+                </a:tc>
+                <a:tc>
+                  <a:txBody>
+                    <a:bodyPr/>
+                    <a:lstStyle/>
+                    <a:p>
+                      <a:r>
+                        <a:rPr lang="en-AU" dirty="0"/>
+                        <a:t> Inhibit System Recovery </a:t>
+                      </a:r>
+                    </a:p>
+                  </a:txBody>
+                  <a:tcPr/>
+                </a:tc>
+                <a:tc>
+                  <a:txBody>
+                    <a:bodyPr/>
+                    <a:lstStyle/>
+                    <a:p>
+                      <a:pPr marL="0" marR="0" lvl="0" indent="0" algn="l" defTabSz="914400" rtl="0" eaLnBrk="1" fontAlgn="auto" latinLnBrk="0" hangingPunct="1">
+                        <a:lnSpc>
+                          <a:spcPct val="100000"/>
+                        </a:lnSpc>
+                        <a:spcBef>
+                          <a:spcPts val="0"/>
+                        </a:spcBef>
+                        <a:spcAft>
+                          <a:spcPts val="0"/>
+                        </a:spcAft>
+                        <a:buClrTx/>
+                        <a:buSzTx/>
+                        <a:buFontTx/>
+                        <a:buNone/>
+                        <a:tabLst/>
+                        <a:defRPr/>
+                      </a:pPr>
+                      <a:r>
+                        <a:rPr lang="en-AU" sz="1800" dirty="0"/>
+                        <a:t>can delete shadow copies using </a:t>
+                      </a:r>
+                      <a:r>
+                        <a:rPr lang="en-AU" sz="1800" b="1" dirty="0"/>
+                        <a:t>vssadmin.exe delete shadows /all /quiet </a:t>
+                      </a:r>
+                      <a:r>
+                        <a:rPr lang="en-AU" sz="1800" dirty="0"/>
+                        <a:t>and </a:t>
+                      </a:r>
+                      <a:r>
+                        <a:rPr lang="en-AU" sz="1800" b="1" dirty="0"/>
+                        <a:t>wmic.exe </a:t>
+                      </a:r>
+                      <a:r>
+                        <a:rPr lang="en-AU" sz="1800" b="1" dirty="0" err="1"/>
+                        <a:t>Shadowcopy</a:t>
+                      </a:r>
+                      <a:r>
+                        <a:rPr lang="en-AU" sz="1800" b="1" dirty="0"/>
+                        <a:t> Delete; </a:t>
+                      </a:r>
+                      <a:r>
+                        <a:rPr lang="en-AU" sz="1800" dirty="0"/>
+                        <a:t>it can also modify the boot loader using </a:t>
+                      </a:r>
+                      <a:r>
+                        <a:rPr lang="en-AU" sz="1800" b="1" dirty="0" err="1"/>
+                        <a:t>bcdedit</a:t>
+                      </a:r>
+                      <a:r>
+                        <a:rPr lang="en-AU" sz="1800" b="1" dirty="0"/>
+                        <a:t> /set {default} </a:t>
+                      </a:r>
+                      <a:r>
+                        <a:rPr lang="en-AU" sz="1800" b="1" dirty="0" err="1"/>
+                        <a:t>recoveryenabled</a:t>
+                      </a:r>
+                      <a:r>
+                        <a:rPr lang="en-AU" sz="1800" b="1" dirty="0"/>
+                        <a:t> No</a:t>
+                      </a:r>
+                      <a:endParaRPr lang="en-GB" sz="1800" b="1" dirty="0"/>
+                    </a:p>
+                    <a:p>
+                      <a:endParaRPr lang="en-AU" dirty="0"/>
+                    </a:p>
+                  </a:txBody>
+                  <a:tcPr/>
+                </a:tc>
+                <a:extLst>
+                  <a:ext uri="{0D108BD9-81ED-4DB2-BD59-A6C34878D82A}">
+                    <a16:rowId xmlns:a16="http://schemas.microsoft.com/office/drawing/2014/main" val="3220529917"/>
+                  </a:ext>
+                </a:extLst>
+              </a:tr>
+            </a:tbl>
+          </a:graphicData>
+        </a:graphic>
+      </p:graphicFrame>
+      <p:sp>
+        <p:nvSpPr>
+          <p:cNvPr id="5" name="TextBox 4">
+            <a:extLst>
+              <a:ext uri="{FF2B5EF4-FFF2-40B4-BE49-F238E27FC236}">
+                <a16:creationId xmlns:a16="http://schemas.microsoft.com/office/drawing/2014/main" id="{73E7FCC8-F8DC-ADC9-7670-941264761717}"/>
+              </a:ext>
+            </a:extLst>
+          </p:cNvPr>
+          <p:cNvSpPr txBox="1"/>
+          <p:nvPr/>
+        </p:nvSpPr>
+        <p:spPr>
+          <a:xfrm>
+            <a:off x="3155950" y="5424488"/>
+            <a:ext cx="8128000" cy="369332"/>
+          </a:xfrm>
+          <a:prstGeom prst="rect">
+            <a:avLst/>
+          </a:prstGeom>
+          <a:noFill/>
+        </p:spPr>
+        <p:txBody>
+          <a:bodyPr wrap="square" rtlCol="0">
+            <a:spAutoFit/>
           </a:bodyPr>
           <a:lstStyle/>
           <a:p>
             <a:r>
-              <a:rPr lang="en-AU" sz="1600" dirty="0">
-                <a:hlinkClick r:id="rId2"/>
+              <a:rPr lang="en-AU" dirty="0"/>
+              <a:t>All command categories came from </a:t>
+            </a:r>
+            <a:r>
+              <a:rPr lang="en-AU" dirty="0">
+                <a:hlinkClick r:id="rId6" action="ppaction://hlinkfile"/>
               </a:rPr>
-              <a:t>T1033</a:t>
-            </a:r>
-            <a:r>
-              <a:rPr lang="en-AU" sz="1600" dirty="0"/>
-              <a:t> </a:t>
-            </a:r>
-            <a:r>
-              <a:rPr lang="en-GB" sz="1600" dirty="0"/>
-              <a:t>Net Use to connect to other computers</a:t>
-            </a:r>
-          </a:p>
-          <a:p>
-            <a:r>
-              <a:rPr lang="en-AU" sz="1600" dirty="0">
-                <a:hlinkClick r:id="rId3"/>
-              </a:rPr>
-              <a:t>T1570</a:t>
-            </a:r>
-            <a:r>
-              <a:rPr lang="en-AU" sz="1600" dirty="0"/>
-              <a:t> </a:t>
-            </a:r>
-            <a:r>
-              <a:rPr lang="en-GB" sz="1600" dirty="0" err="1"/>
-              <a:t>PsExec</a:t>
-            </a:r>
-            <a:r>
-              <a:rPr lang="en-GB" sz="1600" dirty="0"/>
-              <a:t> to deploy payloads to computer</a:t>
-            </a:r>
-          </a:p>
-          <a:p>
-            <a:r>
-              <a:rPr lang="en-AU" sz="1600" dirty="0">
-                <a:hlinkClick r:id="rId4"/>
-              </a:rPr>
-              <a:t>T1059</a:t>
-            </a:r>
-            <a:r>
-              <a:rPr lang="en-AU" sz="1600" dirty="0"/>
-              <a:t> </a:t>
-            </a:r>
-            <a:r>
-              <a:rPr lang="en-GB" sz="1600" dirty="0"/>
-              <a:t>can execute commands on a compromised network with the use of cmd.exe</a:t>
-            </a:r>
-          </a:p>
-          <a:p>
-            <a:r>
-              <a:rPr lang="en-AU" sz="1600" dirty="0">
-                <a:hlinkClick r:id="rId5"/>
-              </a:rPr>
-              <a:t>T1490</a:t>
-            </a:r>
-            <a:r>
-              <a:rPr lang="en-AU" sz="1600" dirty="0"/>
-              <a:t> can delete shadow copies using vssadmin.exe delete shadows /all /quiet and wmic.exe </a:t>
-            </a:r>
-            <a:r>
-              <a:rPr lang="en-AU" sz="1600" dirty="0" err="1"/>
-              <a:t>Shadowcopy</a:t>
-            </a:r>
-            <a:r>
-              <a:rPr lang="en-AU" sz="1600" dirty="0"/>
-              <a:t> Delete; it can also modify the boot loader using </a:t>
-            </a:r>
-            <a:r>
-              <a:rPr lang="en-AU" sz="1600" dirty="0" err="1"/>
-              <a:t>bcdedit</a:t>
-            </a:r>
-            <a:r>
-              <a:rPr lang="en-AU" sz="1600" dirty="0"/>
-              <a:t> /set {default} </a:t>
-            </a:r>
-            <a:r>
-              <a:rPr lang="en-AU" sz="1600" dirty="0" err="1"/>
-              <a:t>recoveryenabled</a:t>
-            </a:r>
-            <a:r>
-              <a:rPr lang="en-AU" sz="1600" dirty="0"/>
-              <a:t> No</a:t>
-            </a:r>
-            <a:endParaRPr lang="en-GB" sz="1600" dirty="0"/>
-          </a:p>
-          <a:p>
-            <a:endParaRPr lang="en-AU" sz="1600" dirty="0"/>
+              <a:t>attack.mitre.org </a:t>
+            </a:r>
+            <a:r>
+              <a:rPr lang="en-AU" dirty="0"/>
+              <a:t>group.</a:t>
+            </a:r>
           </a:p>
         </p:txBody>
       </p:sp>
@@ -3605,6 +3910,89 @@
 </file>
 
 <file path=ppt/slides/slide3.xml><?xml version="1.0" encoding="utf-8"?>
+<p:sld xmlns:a="http://schemas.openxmlformats.org/drawingml/2006/main" xmlns:r="http://schemas.openxmlformats.org/officeDocument/2006/relationships" xmlns:p="http://schemas.openxmlformats.org/presentationml/2006/main">
+  <p:cSld>
+    <p:spTree>
+      <p:nvGrpSpPr>
+        <p:cNvPr id="1" name=""/>
+        <p:cNvGrpSpPr/>
+        <p:nvPr/>
+      </p:nvGrpSpPr>
+      <p:grpSpPr>
+        <a:xfrm>
+          <a:off x="0" y="0"/>
+          <a:ext cx="0" cy="0"/>
+          <a:chOff x="0" y="0"/>
+          <a:chExt cx="0" cy="0"/>
+        </a:xfrm>
+      </p:grpSpPr>
+      <p:sp>
+        <p:nvSpPr>
+          <p:cNvPr id="2" name="Title 1">
+            <a:extLst>
+              <a:ext uri="{FF2B5EF4-FFF2-40B4-BE49-F238E27FC236}">
+                <a16:creationId xmlns:a16="http://schemas.microsoft.com/office/drawing/2014/main" id="{3E36DABE-3348-504E-ACEF-16D78EB496EF}"/>
+              </a:ext>
+            </a:extLst>
+          </p:cNvPr>
+          <p:cNvSpPr>
+            <a:spLocks noGrp="1"/>
+          </p:cNvSpPr>
+          <p:nvPr>
+            <p:ph type="title"/>
+          </p:nvPr>
+        </p:nvSpPr>
+        <p:spPr/>
+        <p:txBody>
+          <a:bodyPr/>
+          <a:lstStyle/>
+          <a:p>
+            <a:r>
+              <a:rPr lang="en-AU" dirty="0"/>
+              <a:t>Attack categorisation  </a:t>
+            </a:r>
+          </a:p>
+        </p:txBody>
+      </p:sp>
+      <p:sp>
+        <p:nvSpPr>
+          <p:cNvPr id="3" name="Content Placeholder 2">
+            <a:extLst>
+              <a:ext uri="{FF2B5EF4-FFF2-40B4-BE49-F238E27FC236}">
+                <a16:creationId xmlns:a16="http://schemas.microsoft.com/office/drawing/2014/main" id="{AD495B3A-CEAE-E2C0-D4ED-11CC207B8DCE}"/>
+              </a:ext>
+            </a:extLst>
+          </p:cNvPr>
+          <p:cNvSpPr>
+            <a:spLocks noGrp="1"/>
+          </p:cNvSpPr>
+          <p:nvPr>
+            <p:ph idx="1"/>
+          </p:nvPr>
+        </p:nvSpPr>
+        <p:spPr/>
+        <p:txBody>
+          <a:bodyPr/>
+          <a:lstStyle/>
+          <a:p>
+            <a:endParaRPr lang="en-AU" dirty="0"/>
+          </a:p>
+        </p:txBody>
+      </p:sp>
+    </p:spTree>
+    <p:extLst>
+      <p:ext uri="{BB962C8B-B14F-4D97-AF65-F5344CB8AC3E}">
+        <p14:creationId xmlns:p14="http://schemas.microsoft.com/office/powerpoint/2010/main" val="3898587437"/>
+      </p:ext>
+    </p:extLst>
+  </p:cSld>
+  <p:clrMapOvr>
+    <a:masterClrMapping/>
+  </p:clrMapOvr>
+</p:sld>
+</file>
+
+<file path=ppt/slides/slide4.xml><?xml version="1.0" encoding="utf-8"?>
 <p:sld xmlns:a="http://schemas.openxmlformats.org/drawingml/2006/main" xmlns:r="http://schemas.openxmlformats.org/officeDocument/2006/relationships" xmlns:p="http://schemas.openxmlformats.org/presentationml/2006/main">
   <p:cSld>
     <p:spTree>

--- a/evidence.pptx
+++ b/evidence.pptx
@@ -264,7 +264,7 @@
           <a:p>
             <a:fld id="{06A7A16A-6445-44E0-84C3-2A5BD5D79C2E}" type="datetimeFigureOut">
               <a:rPr lang="en-AU" smtClean="0"/>
-              <a:t>21/09/2023</a:t>
+              <a:t>22/09/2023</a:t>
             </a:fld>
             <a:endParaRPr lang="en-AU"/>
           </a:p>
@@ -464,7 +464,7 @@
           <a:p>
             <a:fld id="{06A7A16A-6445-44E0-84C3-2A5BD5D79C2E}" type="datetimeFigureOut">
               <a:rPr lang="en-AU" smtClean="0"/>
-              <a:t>21/09/2023</a:t>
+              <a:t>22/09/2023</a:t>
             </a:fld>
             <a:endParaRPr lang="en-AU"/>
           </a:p>
@@ -674,7 +674,7 @@
           <a:p>
             <a:fld id="{06A7A16A-6445-44E0-84C3-2A5BD5D79C2E}" type="datetimeFigureOut">
               <a:rPr lang="en-AU" smtClean="0"/>
-              <a:t>21/09/2023</a:t>
+              <a:t>22/09/2023</a:t>
             </a:fld>
             <a:endParaRPr lang="en-AU"/>
           </a:p>
@@ -874,7 +874,7 @@
           <a:p>
             <a:fld id="{06A7A16A-6445-44E0-84C3-2A5BD5D79C2E}" type="datetimeFigureOut">
               <a:rPr lang="en-AU" smtClean="0"/>
-              <a:t>21/09/2023</a:t>
+              <a:t>22/09/2023</a:t>
             </a:fld>
             <a:endParaRPr lang="en-AU"/>
           </a:p>
@@ -1150,7 +1150,7 @@
           <a:p>
             <a:fld id="{06A7A16A-6445-44E0-84C3-2A5BD5D79C2E}" type="datetimeFigureOut">
               <a:rPr lang="en-AU" smtClean="0"/>
-              <a:t>21/09/2023</a:t>
+              <a:t>22/09/2023</a:t>
             </a:fld>
             <a:endParaRPr lang="en-AU"/>
           </a:p>
@@ -1418,7 +1418,7 @@
           <a:p>
             <a:fld id="{06A7A16A-6445-44E0-84C3-2A5BD5D79C2E}" type="datetimeFigureOut">
               <a:rPr lang="en-AU" smtClean="0"/>
-              <a:t>21/09/2023</a:t>
+              <a:t>22/09/2023</a:t>
             </a:fld>
             <a:endParaRPr lang="en-AU"/>
           </a:p>
@@ -1833,7 +1833,7 @@
           <a:p>
             <a:fld id="{06A7A16A-6445-44E0-84C3-2A5BD5D79C2E}" type="datetimeFigureOut">
               <a:rPr lang="en-AU" smtClean="0"/>
-              <a:t>21/09/2023</a:t>
+              <a:t>22/09/2023</a:t>
             </a:fld>
             <a:endParaRPr lang="en-AU"/>
           </a:p>
@@ -1975,7 +1975,7 @@
           <a:p>
             <a:fld id="{06A7A16A-6445-44E0-84C3-2A5BD5D79C2E}" type="datetimeFigureOut">
               <a:rPr lang="en-AU" smtClean="0"/>
-              <a:t>21/09/2023</a:t>
+              <a:t>22/09/2023</a:t>
             </a:fld>
             <a:endParaRPr lang="en-AU"/>
           </a:p>
@@ -2088,7 +2088,7 @@
           <a:p>
             <a:fld id="{06A7A16A-6445-44E0-84C3-2A5BD5D79C2E}" type="datetimeFigureOut">
               <a:rPr lang="en-AU" smtClean="0"/>
-              <a:t>21/09/2023</a:t>
+              <a:t>22/09/2023</a:t>
             </a:fld>
             <a:endParaRPr lang="en-AU"/>
           </a:p>
@@ -2401,7 +2401,7 @@
           <a:p>
             <a:fld id="{06A7A16A-6445-44E0-84C3-2A5BD5D79C2E}" type="datetimeFigureOut">
               <a:rPr lang="en-AU" smtClean="0"/>
-              <a:t>21/09/2023</a:t>
+              <a:t>22/09/2023</a:t>
             </a:fld>
             <a:endParaRPr lang="en-AU"/>
           </a:p>
@@ -2690,7 +2690,7 @@
           <a:p>
             <a:fld id="{06A7A16A-6445-44E0-84C3-2A5BD5D79C2E}" type="datetimeFigureOut">
               <a:rPr lang="en-AU" smtClean="0"/>
-              <a:t>21/09/2023</a:t>
+              <a:t>22/09/2023</a:t>
             </a:fld>
             <a:endParaRPr lang="en-AU"/>
           </a:p>
@@ -2933,7 +2933,7 @@
           <a:p>
             <a:fld id="{06A7A16A-6445-44E0-84C3-2A5BD5D79C2E}" type="datetimeFigureOut">
               <a:rPr lang="en-AU" smtClean="0"/>
-              <a:t>21/09/2023</a:t>
+              <a:t>22/09/2023</a:t>
             </a:fld>
             <a:endParaRPr lang="en-AU"/>
           </a:p>
@@ -3491,14 +3491,14 @@
           <p:nvPr>
             <p:extLst>
               <p:ext uri="{D42A27DB-BD31-4B8C-83A1-F6EECF244321}">
-                <p14:modId xmlns:p14="http://schemas.microsoft.com/office/powerpoint/2010/main" val="3837343450"/>
+                <p14:modId xmlns:p14="http://schemas.microsoft.com/office/powerpoint/2010/main" val="226605778"/>
               </p:ext>
             </p:extLst>
           </p:nvPr>
         </p:nvGraphicFramePr>
         <p:xfrm>
           <a:off x="647700" y="1328738"/>
-          <a:ext cx="11125200" cy="4038600"/>
+          <a:ext cx="11125200" cy="3489960"/>
         </p:xfrm>
         <a:graphic>
           <a:graphicData uri="http://schemas.openxmlformats.org/drawingml/2006/table">
@@ -3795,24 +3795,27 @@
                       </a:r>
                       <a:r>
                         <a:rPr lang="en-AU" sz="1800" b="1" dirty="0"/>
-                        <a:t>vssadmin.exe delete shadows /all /quiet </a:t>
-                      </a:r>
-                      <a:r>
-                        <a:rPr lang="en-AU" sz="1800" dirty="0"/>
-                        <a:t>and </a:t>
-                      </a:r>
-                      <a:r>
-                        <a:rPr lang="en-AU" sz="1800" b="1" dirty="0"/>
-                        <a:t>wmic.exe </a:t>
-                      </a:r>
-                      <a:r>
-                        <a:rPr lang="en-AU" sz="1800" b="1" dirty="0" err="1"/>
-                        <a:t>Shadowcopy</a:t>
-                      </a:r>
-                      <a:r>
-                        <a:rPr lang="en-AU" sz="1800" b="1" dirty="0"/>
-                        <a:t> Delete; </a:t>
-                      </a:r>
+                        <a:t>vssadmin.exe and wmic.exe </a:t>
+                      </a:r>
+                    </a:p>
+                    <a:p>
+                      <a:pPr marL="0" marR="0" lvl="0" indent="0" algn="l" defTabSz="914400" rtl="0" eaLnBrk="1" fontAlgn="auto" latinLnBrk="0" hangingPunct="1">
+                        <a:lnSpc>
+                          <a:spcPct val="100000"/>
+                        </a:lnSpc>
+                        <a:spcBef>
+                          <a:spcPts val="0"/>
+                        </a:spcBef>
+                        <a:spcAft>
+                          <a:spcPts val="0"/>
+                        </a:spcAft>
+                        <a:buClrTx/>
+                        <a:buSzTx/>
+                        <a:buFontTx/>
+                        <a:buNone/>
+                        <a:tabLst/>
+                        <a:defRPr/>
+                      </a:pPr>
                       <a:r>
                         <a:rPr lang="en-AU" sz="1800" dirty="0"/>
                         <a:t>it can also modify the boot loader using </a:t>
@@ -3823,20 +3826,31 @@
                       </a:r>
                       <a:r>
                         <a:rPr lang="en-AU" sz="1800" b="1" dirty="0"/>
-                        <a:t> /set {default} </a:t>
-                      </a:r>
-                      <a:r>
-                        <a:rPr lang="en-AU" sz="1800" b="1" dirty="0" err="1"/>
-                        <a:t>recoveryenabled</a:t>
-                      </a:r>
-                      <a:r>
-                        <a:rPr lang="en-AU" sz="1800" b="1" dirty="0"/>
-                        <a:t> No</a:t>
-                      </a:r>
-                      <a:endParaRPr lang="en-GB" sz="1800" b="1" dirty="0"/>
+                        <a:t> </a:t>
+                      </a:r>
                     </a:p>
                     <a:p>
-                      <a:endParaRPr lang="en-AU" dirty="0"/>
+                      <a:pPr marL="0" marR="0" lvl="0" indent="0" algn="l" defTabSz="914400" rtl="0" eaLnBrk="1" fontAlgn="auto" latinLnBrk="0" hangingPunct="1">
+                        <a:lnSpc>
+                          <a:spcPct val="100000"/>
+                        </a:lnSpc>
+                        <a:spcBef>
+                          <a:spcPts val="0"/>
+                        </a:spcBef>
+                        <a:spcAft>
+                          <a:spcPts val="0"/>
+                        </a:spcAft>
+                        <a:buClrTx/>
+                        <a:buSzTx/>
+                        <a:buFontTx/>
+                        <a:buNone/>
+                        <a:tabLst/>
+                        <a:defRPr/>
+                      </a:pPr>
+                      <a:r>
+                        <a:rPr lang="en-AU" dirty="0"/>
+                        <a:t>(Clark et al., 2019)</a:t>
+                      </a:r>
                     </a:p>
                   </a:txBody>
                   <a:tcPr/>
@@ -3949,36 +3963,415 @@
           <a:p>
             <a:r>
               <a:rPr lang="en-AU" dirty="0"/>
-              <a:t>Attack categorisation  </a:t>
-            </a:r>
-          </a:p>
-        </p:txBody>
-      </p:sp>
-      <p:sp>
-        <p:nvSpPr>
-          <p:cNvPr id="3" name="Content Placeholder 2">
-            <a:extLst>
-              <a:ext uri="{FF2B5EF4-FFF2-40B4-BE49-F238E27FC236}">
-                <a16:creationId xmlns:a16="http://schemas.microsoft.com/office/drawing/2014/main" id="{AD495B3A-CEAE-E2C0-D4ED-11CC207B8DCE}"/>
-              </a:ext>
-            </a:extLst>
-          </p:cNvPr>
-          <p:cNvSpPr>
-            <a:spLocks noGrp="1"/>
-          </p:cNvSpPr>
+              <a:t>Detailed commands</a:t>
+            </a:r>
+          </a:p>
+        </p:txBody>
+      </p:sp>
+      <p:graphicFrame>
+        <p:nvGraphicFramePr>
+          <p:cNvPr id="4" name="Table 4">
+            <a:extLst>
+              <a:ext uri="{FF2B5EF4-FFF2-40B4-BE49-F238E27FC236}">
+                <a16:creationId xmlns:a16="http://schemas.microsoft.com/office/drawing/2014/main" id="{9B48E109-1677-AD53-CBAD-A2E43739327D}"/>
+              </a:ext>
+            </a:extLst>
+          </p:cNvPr>
+          <p:cNvGraphicFramePr>
+            <a:graphicFrameLocks noGrp="1"/>
+          </p:cNvGraphicFramePr>
           <p:nvPr>
             <p:ph idx="1"/>
-          </p:nvPr>
-        </p:nvSpPr>
-        <p:spPr/>
-        <p:txBody>
-          <a:bodyPr/>
-          <a:lstStyle/>
-          <a:p>
-            <a:endParaRPr lang="en-AU" dirty="0"/>
-          </a:p>
-        </p:txBody>
-      </p:sp>
+            <p:extLst>
+              <p:ext uri="{D42A27DB-BD31-4B8C-83A1-F6EECF244321}">
+                <p14:modId xmlns:p14="http://schemas.microsoft.com/office/powerpoint/2010/main" val="2334195082"/>
+              </p:ext>
+            </p:extLst>
+          </p:nvPr>
+        </p:nvGraphicFramePr>
+        <p:xfrm>
+          <a:off x="838200" y="1825625"/>
+          <a:ext cx="10725150" cy="3002280"/>
+        </p:xfrm>
+        <a:graphic>
+          <a:graphicData uri="http://schemas.openxmlformats.org/drawingml/2006/table">
+            <a:tbl>
+              <a:tblPr firstRow="1" bandRow="1">
+                <a:tableStyleId>{5C22544A-7EE6-4342-B048-85BDC9FD1C3A}</a:tableStyleId>
+              </a:tblPr>
+              <a:tblGrid>
+                <a:gridCol w="5362575">
+                  <a:extLst>
+                    <a:ext uri="{9D8B030D-6E8A-4147-A177-3AD203B41FA5}">
+                      <a16:colId xmlns:a16="http://schemas.microsoft.com/office/drawing/2014/main" val="62658098"/>
+                    </a:ext>
+                  </a:extLst>
+                </a:gridCol>
+                <a:gridCol w="5362575">
+                  <a:extLst>
+                    <a:ext uri="{9D8B030D-6E8A-4147-A177-3AD203B41FA5}">
+                      <a16:colId xmlns:a16="http://schemas.microsoft.com/office/drawing/2014/main" val="3171455961"/>
+                    </a:ext>
+                  </a:extLst>
+                </a:gridCol>
+              </a:tblGrid>
+              <a:tr h="370840">
+                <a:tc>
+                  <a:txBody>
+                    <a:bodyPr/>
+                    <a:lstStyle/>
+                    <a:p>
+                      <a:r>
+                        <a:rPr lang="en-AU" dirty="0"/>
+                        <a:t>Name</a:t>
+                      </a:r>
+                    </a:p>
+                  </a:txBody>
+                  <a:tcPr/>
+                </a:tc>
+                <a:tc>
+                  <a:txBody>
+                    <a:bodyPr/>
+                    <a:lstStyle/>
+                    <a:p>
+                      <a:r>
+                        <a:rPr lang="en-AU" dirty="0"/>
+                        <a:t>Detailed command</a:t>
+                      </a:r>
+                    </a:p>
+                  </a:txBody>
+                  <a:tcPr/>
+                </a:tc>
+                <a:extLst>
+                  <a:ext uri="{0D108BD9-81ED-4DB2-BD59-A6C34878D82A}">
+                    <a16:rowId xmlns:a16="http://schemas.microsoft.com/office/drawing/2014/main" val="301619688"/>
+                  </a:ext>
+                </a:extLst>
+              </a:tr>
+              <a:tr h="370840">
+                <a:tc>
+                  <a:txBody>
+                    <a:bodyPr/>
+                    <a:lstStyle/>
+                    <a:p>
+                      <a:pPr marL="0" marR="0" lvl="0" indent="0" algn="l" defTabSz="914400" rtl="0" eaLnBrk="1" fontAlgn="auto" latinLnBrk="0" hangingPunct="1">
+                        <a:lnSpc>
+                          <a:spcPct val="100000"/>
+                        </a:lnSpc>
+                        <a:spcBef>
+                          <a:spcPts val="0"/>
+                        </a:spcBef>
+                        <a:spcAft>
+                          <a:spcPts val="0"/>
+                        </a:spcAft>
+                        <a:buClrTx/>
+                        <a:buSzTx/>
+                        <a:buFontTx/>
+                        <a:buNone/>
+                        <a:tabLst/>
+                        <a:defRPr/>
+                      </a:pPr>
+                      <a:r>
+                        <a:rPr lang="en-AU" sz="1400" b="0" dirty="0">
+                          <a:hlinkClick r:id="rId2"/>
+                        </a:rPr>
+                        <a:t>T1033</a:t>
+                      </a:r>
+                      <a:r>
+                        <a:rPr lang="en-AU" sz="1400" b="0" dirty="0"/>
+                        <a:t> </a:t>
+                      </a:r>
+                      <a:r>
+                        <a:rPr lang="en-GB" sz="1400" b="0" dirty="0"/>
+                        <a:t>Net Use </a:t>
+                      </a:r>
+                      <a:endParaRPr lang="en-AU" sz="1400" b="0" dirty="0"/>
+                    </a:p>
+                  </a:txBody>
+                  <a:tcPr/>
+                </a:tc>
+                <a:tc>
+                  <a:txBody>
+                    <a:bodyPr/>
+                    <a:lstStyle/>
+                    <a:p>
+                      <a:endParaRPr lang="en-AU" sz="1400" b="0" dirty="0"/>
+                    </a:p>
+                  </a:txBody>
+                  <a:tcPr/>
+                </a:tc>
+                <a:extLst>
+                  <a:ext uri="{0D108BD9-81ED-4DB2-BD59-A6C34878D82A}">
+                    <a16:rowId xmlns:a16="http://schemas.microsoft.com/office/drawing/2014/main" val="1517858066"/>
+                  </a:ext>
+                </a:extLst>
+              </a:tr>
+              <a:tr h="370840">
+                <a:tc>
+                  <a:txBody>
+                    <a:bodyPr/>
+                    <a:lstStyle/>
+                    <a:p>
+                      <a:pPr marL="0" marR="0" lvl="0" indent="0" algn="l" defTabSz="914400" rtl="0" eaLnBrk="1" fontAlgn="auto" latinLnBrk="0" hangingPunct="1">
+                        <a:lnSpc>
+                          <a:spcPct val="100000"/>
+                        </a:lnSpc>
+                        <a:spcBef>
+                          <a:spcPts val="0"/>
+                        </a:spcBef>
+                        <a:spcAft>
+                          <a:spcPts val="0"/>
+                        </a:spcAft>
+                        <a:buClrTx/>
+                        <a:buSzTx/>
+                        <a:buFontTx/>
+                        <a:buNone/>
+                        <a:tabLst/>
+                        <a:defRPr/>
+                      </a:pPr>
+                      <a:r>
+                        <a:rPr lang="en-AU" sz="1400" b="0" dirty="0">
+                          <a:hlinkClick r:id="rId3"/>
+                        </a:rPr>
+                        <a:t>T1570</a:t>
+                      </a:r>
+                      <a:r>
+                        <a:rPr lang="en-AU" sz="1400" b="0" dirty="0"/>
+                        <a:t> </a:t>
+                      </a:r>
+                      <a:r>
+                        <a:rPr lang="en-AU" sz="1400" b="0" dirty="0" err="1"/>
+                        <a:t>PsExec</a:t>
+                      </a:r>
+                      <a:r>
+                        <a:rPr lang="en-AU" sz="1400" b="0" dirty="0"/>
+                        <a:t> </a:t>
+                      </a:r>
+                    </a:p>
+                    <a:p>
+                      <a:endParaRPr lang="en-AU" sz="1400" b="0" dirty="0"/>
+                    </a:p>
+                  </a:txBody>
+                  <a:tcPr/>
+                </a:tc>
+                <a:tc>
+                  <a:txBody>
+                    <a:bodyPr/>
+                    <a:lstStyle/>
+                    <a:p>
+                      <a:pPr marL="0" marR="0" lvl="0" indent="0" algn="l" defTabSz="914400" rtl="0" eaLnBrk="1" fontAlgn="auto" latinLnBrk="0" hangingPunct="1">
+                        <a:lnSpc>
+                          <a:spcPct val="100000"/>
+                        </a:lnSpc>
+                        <a:spcBef>
+                          <a:spcPts val="0"/>
+                        </a:spcBef>
+                        <a:spcAft>
+                          <a:spcPts val="0"/>
+                        </a:spcAft>
+                        <a:buClrTx/>
+                        <a:buSzTx/>
+                        <a:buFontTx/>
+                        <a:buNone/>
+                        <a:tabLst/>
+                        <a:defRPr/>
+                      </a:pPr>
+                      <a:r>
+                        <a:rPr lang="en-AU" sz="1400" b="0" dirty="0"/>
+                        <a:t>psexec.exe -</a:t>
+                      </a:r>
+                      <a:r>
+                        <a:rPr lang="en-AU" sz="1400" b="0" dirty="0" err="1"/>
+                        <a:t>accepteula</a:t>
+                      </a:r>
+                      <a:r>
+                        <a:rPr lang="en-AU" sz="1400" b="0" dirty="0"/>
+                        <a:t> \\&lt;TARGET_HOST&gt; -u &lt;USERNAME&gt; -p &lt;PASSWORD&gt; -s -d -f -c &lt;ALPHV_EXECUTABLE&gt; [FLAGS] [OPTIONS] --access-token &lt;ACCESS_TOKEN&gt; [SUBCOMMAND] </a:t>
+                      </a:r>
+                    </a:p>
+                    <a:p>
+                      <a:r>
+                        <a:rPr lang="en-AU" sz="1400" dirty="0"/>
+                        <a:t>(</a:t>
+                      </a:r>
+                      <a:r>
+                        <a:rPr lang="en-AU" sz="1400" dirty="0" err="1"/>
+                        <a:t>Bouchrika</a:t>
+                      </a:r>
+                      <a:r>
+                        <a:rPr lang="en-AU" sz="1400" dirty="0"/>
+                        <a:t>, 2023)</a:t>
+                      </a:r>
+                      <a:endParaRPr lang="en-AU" sz="1400" b="0" dirty="0"/>
+                    </a:p>
+                  </a:txBody>
+                  <a:tcPr/>
+                </a:tc>
+                <a:extLst>
+                  <a:ext uri="{0D108BD9-81ED-4DB2-BD59-A6C34878D82A}">
+                    <a16:rowId xmlns:a16="http://schemas.microsoft.com/office/drawing/2014/main" val="1992186981"/>
+                  </a:ext>
+                </a:extLst>
+              </a:tr>
+              <a:tr h="370840">
+                <a:tc>
+                  <a:txBody>
+                    <a:bodyPr/>
+                    <a:lstStyle/>
+                    <a:p>
+                      <a:pPr marL="0" marR="0" lvl="0" indent="0" algn="l" defTabSz="914400" rtl="0" eaLnBrk="1" fontAlgn="auto" latinLnBrk="0" hangingPunct="1">
+                        <a:lnSpc>
+                          <a:spcPct val="100000"/>
+                        </a:lnSpc>
+                        <a:spcBef>
+                          <a:spcPts val="0"/>
+                        </a:spcBef>
+                        <a:spcAft>
+                          <a:spcPts val="0"/>
+                        </a:spcAft>
+                        <a:buClrTx/>
+                        <a:buSzTx/>
+                        <a:buFontTx/>
+                        <a:buNone/>
+                        <a:tabLst/>
+                        <a:defRPr/>
+                      </a:pPr>
+                      <a:r>
+                        <a:rPr lang="en-AU" sz="1400" b="0" dirty="0">
+                          <a:hlinkClick r:id="rId4"/>
+                        </a:rPr>
+                        <a:t>T1059</a:t>
+                      </a:r>
+                      <a:r>
+                        <a:rPr lang="en-AU" sz="1400" b="0" dirty="0"/>
+                        <a:t> </a:t>
+                      </a:r>
+                      <a:r>
+                        <a:rPr lang="en-GB" sz="1400" b="0" dirty="0"/>
+                        <a:t>cmd.exe</a:t>
+                      </a:r>
+                      <a:endParaRPr lang="en-AU" sz="1400" b="0" dirty="0"/>
+                    </a:p>
+                  </a:txBody>
+                  <a:tcPr/>
+                </a:tc>
+                <a:tc>
+                  <a:txBody>
+                    <a:bodyPr/>
+                    <a:lstStyle/>
+                    <a:p>
+                      <a:endParaRPr lang="en-AU" sz="1400" b="0" dirty="0"/>
+                    </a:p>
+                  </a:txBody>
+                  <a:tcPr/>
+                </a:tc>
+                <a:extLst>
+                  <a:ext uri="{0D108BD9-81ED-4DB2-BD59-A6C34878D82A}">
+                    <a16:rowId xmlns:a16="http://schemas.microsoft.com/office/drawing/2014/main" val="3828133086"/>
+                  </a:ext>
+                </a:extLst>
+              </a:tr>
+              <a:tr h="370840">
+                <a:tc>
+                  <a:txBody>
+                    <a:bodyPr/>
+                    <a:lstStyle/>
+                    <a:p>
+                      <a:pPr marL="0" marR="0" lvl="0" indent="0" algn="l" defTabSz="914400" rtl="0" eaLnBrk="1" fontAlgn="auto" latinLnBrk="0" hangingPunct="1">
+                        <a:lnSpc>
+                          <a:spcPct val="100000"/>
+                        </a:lnSpc>
+                        <a:spcBef>
+                          <a:spcPts val="0"/>
+                        </a:spcBef>
+                        <a:spcAft>
+                          <a:spcPts val="0"/>
+                        </a:spcAft>
+                        <a:buClrTx/>
+                        <a:buSzTx/>
+                        <a:buFontTx/>
+                        <a:buNone/>
+                        <a:tabLst/>
+                        <a:defRPr/>
+                      </a:pPr>
+                      <a:r>
+                        <a:rPr lang="en-AU" sz="1400" b="0" dirty="0">
+                          <a:hlinkClick r:id="rId5"/>
+                        </a:rPr>
+                        <a:t>T1490</a:t>
+                      </a:r>
+                      <a:r>
+                        <a:rPr lang="en-AU" sz="1400" b="0" dirty="0"/>
+                        <a:t> vssadmin.exe </a:t>
+                      </a:r>
+                    </a:p>
+                  </a:txBody>
+                  <a:tcPr/>
+                </a:tc>
+                <a:tc>
+                  <a:txBody>
+                    <a:bodyPr/>
+                    <a:lstStyle/>
+                    <a:p>
+                      <a:r>
+                        <a:rPr lang="en-AU" sz="1400" b="0" dirty="0"/>
+                        <a:t>vssadmin.exe delete shadows /all /quiet</a:t>
+                      </a:r>
+                      <a:br>
+                        <a:rPr lang="en-AU" sz="1400" b="0" dirty="0"/>
+                      </a:br>
+                      <a:r>
+                        <a:rPr lang="en-AU" sz="1400" b="0" dirty="0"/>
+                        <a:t>wmic.exe </a:t>
+                      </a:r>
+                      <a:r>
+                        <a:rPr lang="en-AU" sz="1400" b="0" dirty="0" err="1"/>
+                        <a:t>Shadowcopy</a:t>
+                      </a:r>
+                      <a:r>
+                        <a:rPr lang="en-AU" sz="1400" b="0" dirty="0"/>
+                        <a:t> Delete</a:t>
+                      </a:r>
+                    </a:p>
+                    <a:p>
+                      <a:r>
+                        <a:rPr lang="en-AU" sz="1400" b="0" dirty="0" err="1"/>
+                        <a:t>bcdedit</a:t>
+                      </a:r>
+                      <a:r>
+                        <a:rPr lang="en-AU" sz="1400" b="0" dirty="0"/>
+                        <a:t> /set {default} </a:t>
+                      </a:r>
+                      <a:r>
+                        <a:rPr lang="en-AU" sz="1400" b="0" dirty="0" err="1"/>
+                        <a:t>recoveryenabled</a:t>
+                      </a:r>
+                      <a:r>
+                        <a:rPr lang="en-AU" sz="1400" b="0" dirty="0"/>
+                        <a:t> No</a:t>
+                      </a:r>
+                      <a:br>
+                        <a:rPr lang="en-AU" sz="1400" b="0" dirty="0"/>
+                      </a:br>
+                      <a:r>
+                        <a:rPr lang="en-AU" sz="1400" dirty="0"/>
+                        <a:t>(Clark et al., 2019)</a:t>
+                      </a:r>
+                      <a:endParaRPr lang="en-AU" sz="1400" b="0" dirty="0"/>
+                    </a:p>
+                  </a:txBody>
+                  <a:tcPr/>
+                </a:tc>
+                <a:extLst>
+                  <a:ext uri="{0D108BD9-81ED-4DB2-BD59-A6C34878D82A}">
+                    <a16:rowId xmlns:a16="http://schemas.microsoft.com/office/drawing/2014/main" val="1798786680"/>
+                  </a:ext>
+                </a:extLst>
+              </a:tr>
+            </a:tbl>
+          </a:graphicData>
+        </a:graphic>
+      </p:graphicFrame>
     </p:spTree>
     <p:extLst>
       <p:ext uri="{BB962C8B-B14F-4D97-AF65-F5344CB8AC3E}">
@@ -4055,39 +4448,241 @@
         </p:nvSpPr>
         <p:spPr/>
         <p:txBody>
-          <a:bodyPr/>
-          <a:lstStyle/>
-          <a:p>
-            <a:r>
-              <a:rPr lang="en-AU" dirty="0">
-                <a:hlinkClick r:id="rId2"/>
+          <a:bodyPr>
+            <a:normAutofit/>
+          </a:bodyPr>
+          <a:lstStyle/>
+          <a:p>
+            <a:r>
+              <a:rPr lang="en-AU" sz="1200" dirty="0">
+                <a:effectLst/>
               </a:rPr>
-              <a:t>https://securityscorecard.com/research/deep-dive-into-alphv-blackcat-ransomware/</a:t>
-            </a:r>
-            <a:r>
-              <a:rPr lang="en-AU" dirty="0"/>
-              <a:t> detailed analysis  of how </a:t>
-            </a:r>
-            <a:r>
-              <a:rPr lang="en-AU" dirty="0" err="1"/>
-              <a:t>blackcat</a:t>
-            </a:r>
-            <a:r>
-              <a:rPr lang="en-AU" dirty="0"/>
-              <a:t> works under the hood.</a:t>
-            </a:r>
-          </a:p>
-          <a:p>
-            <a:r>
-              <a:rPr lang="en-AU" dirty="0">
-                <a:hlinkClick r:id="rId3"/>
+              <a:t>ALPHV/</a:t>
+            </a:r>
+            <a:r>
+              <a:rPr lang="en-AU" sz="1200" dirty="0" err="1">
+                <a:effectLst/>
               </a:rPr>
-              <a:t>https://atomicredteam.io/discovery/T1083/</a:t>
-            </a:r>
-            <a:endParaRPr lang="en-AU" dirty="0"/>
-          </a:p>
-          <a:p>
-            <a:endParaRPr lang="en-AU" dirty="0"/>
+              <a:t>BlackCat</a:t>
+            </a:r>
+            <a:r>
+              <a:rPr lang="en-AU" sz="1200" dirty="0">
+                <a:effectLst/>
+              </a:rPr>
+              <a:t> Ransomware, A.D.D.I. (2023) </a:t>
+            </a:r>
+            <a:r>
+              <a:rPr lang="en-AU" sz="1200" i="1" dirty="0">
+                <a:effectLst/>
+              </a:rPr>
+              <a:t>A deep dive into ALPHV/</a:t>
+            </a:r>
+            <a:r>
+              <a:rPr lang="en-AU" sz="1200" i="1" dirty="0" err="1">
+                <a:effectLst/>
+              </a:rPr>
+              <a:t>BlackCat</a:t>
+            </a:r>
+            <a:r>
+              <a:rPr lang="en-AU" sz="1200" i="1" dirty="0">
+                <a:effectLst/>
+              </a:rPr>
+              <a:t> ransomware</a:t>
+            </a:r>
+            <a:r>
+              <a:rPr lang="en-AU" sz="1200" dirty="0">
+                <a:effectLst/>
+              </a:rPr>
+              <a:t>, </a:t>
+            </a:r>
+            <a:r>
+              <a:rPr lang="en-AU" sz="1200" i="1" dirty="0" err="1">
+                <a:effectLst/>
+              </a:rPr>
+              <a:t>SecurityScorecard</a:t>
+            </a:r>
+            <a:r>
+              <a:rPr lang="en-AU" sz="1200" dirty="0">
+                <a:effectLst/>
+              </a:rPr>
+              <a:t>. Available at: https://securityscorecard.com/research/deep-dive-into-alphv-blackcat-ransomware/ (Accessed: 22 September 2023). </a:t>
+            </a:r>
+          </a:p>
+          <a:p>
+            <a:r>
+              <a:rPr lang="en-AU" sz="1200" dirty="0" err="1">
+                <a:effectLst/>
+              </a:rPr>
+              <a:t>Bouchrika</a:t>
+            </a:r>
+            <a:r>
+              <a:rPr lang="en-AU" sz="1200" dirty="0">
+                <a:effectLst/>
+              </a:rPr>
+              <a:t>, I. (2023) </a:t>
+            </a:r>
+            <a:r>
+              <a:rPr lang="en-AU" sz="1200" i="1" dirty="0" err="1">
+                <a:effectLst/>
+              </a:rPr>
+              <a:t>BlackCat</a:t>
+            </a:r>
+            <a:r>
+              <a:rPr lang="en-AU" sz="1200" i="1" dirty="0">
+                <a:effectLst/>
+              </a:rPr>
+              <a:t> ransomware (ALPHV)</a:t>
+            </a:r>
+            <a:r>
+              <a:rPr lang="en-AU" sz="1200" dirty="0">
+                <a:effectLst/>
+              </a:rPr>
+              <a:t>, </a:t>
+            </a:r>
+            <a:r>
+              <a:rPr lang="en-AU" sz="1200" i="1" dirty="0">
+                <a:effectLst/>
+              </a:rPr>
+              <a:t>Varonis</a:t>
+            </a:r>
+            <a:r>
+              <a:rPr lang="en-AU" sz="1200" dirty="0">
+                <a:effectLst/>
+              </a:rPr>
+              <a:t>. Available at: https://www.varonis.com/blog/blackcat-ransomware (Accessed: 22 September 2023). </a:t>
+            </a:r>
+          </a:p>
+          <a:p>
+            <a:r>
+              <a:rPr lang="en-AU" sz="1200" dirty="0">
+                <a:effectLst/>
+              </a:rPr>
+              <a:t>Clark, A., Sivakumaran, P. and </a:t>
+            </a:r>
+            <a:r>
+              <a:rPr lang="en-AU" sz="1200" dirty="0" err="1">
+                <a:effectLst/>
+              </a:rPr>
+              <a:t>Gotlib</a:t>
+            </a:r>
+            <a:r>
+              <a:rPr lang="en-AU" sz="1200" dirty="0">
+                <a:effectLst/>
+              </a:rPr>
+              <a:t>, Y. (2019) </a:t>
+            </a:r>
+            <a:r>
+              <a:rPr lang="en-AU" sz="1200" i="1" dirty="0">
+                <a:effectLst/>
+              </a:rPr>
+              <a:t>Inhibit system recovery</a:t>
+            </a:r>
+            <a:r>
+              <a:rPr lang="en-AU" sz="1200" dirty="0">
+                <a:effectLst/>
+              </a:rPr>
+              <a:t>, </a:t>
+            </a:r>
+            <a:r>
+              <a:rPr lang="en-AU" sz="1200" i="1" dirty="0">
+                <a:effectLst/>
+              </a:rPr>
+              <a:t>Inhibit System Recovery, Technique T1490 - Enterprise | MITRE ATT&amp;CK®</a:t>
+            </a:r>
+            <a:r>
+              <a:rPr lang="en-AU" sz="1200" dirty="0">
+                <a:effectLst/>
+              </a:rPr>
+              <a:t>. Available at: https://attack.mitre.org/techniques/T1490/ (Accessed: 22 September 2023). </a:t>
+            </a:r>
+          </a:p>
+          <a:p>
+            <a:r>
+              <a:rPr lang="en-AU" sz="1200" dirty="0" err="1">
+                <a:effectLst/>
+              </a:rPr>
+              <a:t>Nagahama</a:t>
+            </a:r>
+            <a:r>
+              <a:rPr lang="en-AU" sz="1200" dirty="0">
+                <a:effectLst/>
+              </a:rPr>
+              <a:t>, H. </a:t>
+            </a:r>
+            <a:r>
+              <a:rPr lang="en-AU" sz="1200" i="1" dirty="0">
+                <a:effectLst/>
+              </a:rPr>
+              <a:t>et al.</a:t>
+            </a:r>
+            <a:r>
+              <a:rPr lang="en-AU" sz="1200" dirty="0">
+                <a:effectLst/>
+              </a:rPr>
+              <a:t> (2023) </a:t>
+            </a:r>
+            <a:r>
+              <a:rPr lang="en-AU" sz="1200" i="1" dirty="0">
+                <a:effectLst/>
+              </a:rPr>
+              <a:t>Blackcat</a:t>
+            </a:r>
+            <a:r>
+              <a:rPr lang="en-AU" sz="1200" dirty="0">
+                <a:effectLst/>
+              </a:rPr>
+              <a:t>, </a:t>
+            </a:r>
+            <a:r>
+              <a:rPr lang="en-AU" sz="1200" i="1" dirty="0" err="1">
+                <a:effectLst/>
+              </a:rPr>
+              <a:t>BlackCat</a:t>
+            </a:r>
+            <a:r>
+              <a:rPr lang="en-AU" sz="1200" i="1" dirty="0">
+                <a:effectLst/>
+              </a:rPr>
+              <a:t>, Software S1068 | MITRE ATT&amp;CK®</a:t>
+            </a:r>
+            <a:r>
+              <a:rPr lang="en-AU" sz="1200" dirty="0">
+                <a:effectLst/>
+              </a:rPr>
+              <a:t>. Available at: https://attack.mitre.org/software/S1068/ (Accessed: 22 September 2023). </a:t>
+            </a:r>
+          </a:p>
+          <a:p>
+            <a:r>
+              <a:rPr lang="en-AU" sz="1200" dirty="0">
+                <a:effectLst/>
+              </a:rPr>
+              <a:t>T1083, A. (2023) </a:t>
+            </a:r>
+            <a:r>
+              <a:rPr lang="en-AU" sz="1200" i="1" dirty="0">
+                <a:effectLst/>
+              </a:rPr>
+              <a:t>T1083</a:t>
+            </a:r>
+            <a:r>
+              <a:rPr lang="en-AU" sz="1200" dirty="0">
+                <a:effectLst/>
+              </a:rPr>
+              <a:t>, </a:t>
+            </a:r>
+            <a:r>
+              <a:rPr lang="en-AU" sz="1200" i="1" dirty="0">
+                <a:effectLst/>
+              </a:rPr>
+              <a:t>Explore Atomic Red Team</a:t>
+            </a:r>
+            <a:r>
+              <a:rPr lang="en-AU" sz="1200" dirty="0">
+                <a:effectLst/>
+              </a:rPr>
+              <a:t>. Available at: https://atomicredteam.io/discovery/T1083/ (Accessed: 22 September 2023). </a:t>
+            </a:r>
           </a:p>
         </p:txBody>
       </p:sp>

--- a/evidence.pptx
+++ b/evidence.pptx
@@ -4454,55 +4454,55 @@
           <a:lstStyle/>
           <a:p>
             <a:r>
-              <a:rPr lang="en-AU" sz="1200" dirty="0">
+              <a:rPr lang="en-AU" sz="1400" dirty="0">
                 <a:effectLst/>
               </a:rPr>
               <a:t>ALPHV/</a:t>
             </a:r>
             <a:r>
-              <a:rPr lang="en-AU" sz="1200" dirty="0" err="1">
+              <a:rPr lang="en-AU" sz="1400" dirty="0" err="1">
                 <a:effectLst/>
               </a:rPr>
               <a:t>BlackCat</a:t>
             </a:r>
             <a:r>
-              <a:rPr lang="en-AU" sz="1200" dirty="0">
+              <a:rPr lang="en-AU" sz="1400" dirty="0">
                 <a:effectLst/>
               </a:rPr>
               <a:t> Ransomware, A.D.D.I. (2023) </a:t>
             </a:r>
             <a:r>
-              <a:rPr lang="en-AU" sz="1200" i="1" dirty="0">
+              <a:rPr lang="en-AU" sz="1400" i="1" dirty="0">
                 <a:effectLst/>
               </a:rPr>
               <a:t>A deep dive into ALPHV/</a:t>
             </a:r>
             <a:r>
-              <a:rPr lang="en-AU" sz="1200" i="1" dirty="0" err="1">
+              <a:rPr lang="en-AU" sz="1400" i="1" dirty="0" err="1">
                 <a:effectLst/>
               </a:rPr>
               <a:t>BlackCat</a:t>
             </a:r>
             <a:r>
-              <a:rPr lang="en-AU" sz="1200" i="1" dirty="0">
+              <a:rPr lang="en-AU" sz="1400" i="1" dirty="0">
                 <a:effectLst/>
               </a:rPr>
               <a:t> ransomware</a:t>
             </a:r>
             <a:r>
-              <a:rPr lang="en-AU" sz="1200" dirty="0">
+              <a:rPr lang="en-AU" sz="1400" dirty="0">
                 <a:effectLst/>
               </a:rPr>
               <a:t>, </a:t>
             </a:r>
             <a:r>
-              <a:rPr lang="en-AU" sz="1200" i="1" dirty="0" err="1">
+              <a:rPr lang="en-AU" sz="1400" i="1" dirty="0" err="1">
                 <a:effectLst/>
               </a:rPr>
               <a:t>SecurityScorecard</a:t>
             </a:r>
             <a:r>
-              <a:rPr lang="en-AU" sz="1200" dirty="0">
+              <a:rPr lang="en-AU" sz="1400" dirty="0">
                 <a:effectLst/>
               </a:rPr>
               <a:t>. Available at: https://securityscorecard.com/research/deep-dive-into-alphv-blackcat-ransomware/ (Accessed: 22 September 2023). </a:t>
@@ -4510,43 +4510,43 @@
           </a:p>
           <a:p>
             <a:r>
-              <a:rPr lang="en-AU" sz="1200" dirty="0" err="1">
+              <a:rPr lang="en-AU" sz="1400" dirty="0" err="1">
                 <a:effectLst/>
               </a:rPr>
               <a:t>Bouchrika</a:t>
             </a:r>
             <a:r>
-              <a:rPr lang="en-AU" sz="1200" dirty="0">
+              <a:rPr lang="en-AU" sz="1400" dirty="0">
                 <a:effectLst/>
               </a:rPr>
               <a:t>, I. (2023) </a:t>
             </a:r>
             <a:r>
-              <a:rPr lang="en-AU" sz="1200" i="1" dirty="0" err="1">
+              <a:rPr lang="en-AU" sz="1400" i="1" dirty="0" err="1">
                 <a:effectLst/>
               </a:rPr>
               <a:t>BlackCat</a:t>
             </a:r>
             <a:r>
-              <a:rPr lang="en-AU" sz="1200" i="1" dirty="0">
+              <a:rPr lang="en-AU" sz="1400" i="1" dirty="0">
                 <a:effectLst/>
               </a:rPr>
               <a:t> ransomware (ALPHV)</a:t>
             </a:r>
             <a:r>
-              <a:rPr lang="en-AU" sz="1200" dirty="0">
+              <a:rPr lang="en-AU" sz="1400" dirty="0">
                 <a:effectLst/>
               </a:rPr>
               <a:t>, </a:t>
             </a:r>
             <a:r>
-              <a:rPr lang="en-AU" sz="1200" i="1" dirty="0">
+              <a:rPr lang="en-AU" sz="1400" i="1" dirty="0">
                 <a:effectLst/>
               </a:rPr>
               <a:t>Varonis</a:t>
             </a:r>
             <a:r>
-              <a:rPr lang="en-AU" sz="1200" dirty="0">
+              <a:rPr lang="en-AU" sz="1400" dirty="0">
                 <a:effectLst/>
               </a:rPr>
               <a:t>. Available at: https://www.varonis.com/blog/blackcat-ransomware (Accessed: 22 September 2023). </a:t>
@@ -4554,43 +4554,43 @@
           </a:p>
           <a:p>
             <a:r>
-              <a:rPr lang="en-AU" sz="1200" dirty="0">
+              <a:rPr lang="en-AU" sz="1400" dirty="0">
                 <a:effectLst/>
               </a:rPr>
               <a:t>Clark, A., Sivakumaran, P. and </a:t>
             </a:r>
             <a:r>
-              <a:rPr lang="en-AU" sz="1200" dirty="0" err="1">
+              <a:rPr lang="en-AU" sz="1400" dirty="0" err="1">
                 <a:effectLst/>
               </a:rPr>
               <a:t>Gotlib</a:t>
             </a:r>
             <a:r>
-              <a:rPr lang="en-AU" sz="1200" dirty="0">
+              <a:rPr lang="en-AU" sz="1400" dirty="0">
                 <a:effectLst/>
               </a:rPr>
               <a:t>, Y. (2019) </a:t>
             </a:r>
             <a:r>
-              <a:rPr lang="en-AU" sz="1200" i="1" dirty="0">
+              <a:rPr lang="en-AU" sz="1400" i="1" dirty="0">
                 <a:effectLst/>
               </a:rPr>
               <a:t>Inhibit system recovery</a:t>
             </a:r>
             <a:r>
-              <a:rPr lang="en-AU" sz="1200" dirty="0">
+              <a:rPr lang="en-AU" sz="1400" dirty="0">
                 <a:effectLst/>
               </a:rPr>
               <a:t>, </a:t>
             </a:r>
             <a:r>
-              <a:rPr lang="en-AU" sz="1200" i="1" dirty="0">
+              <a:rPr lang="en-AU" sz="1400" i="1" dirty="0">
                 <a:effectLst/>
               </a:rPr>
               <a:t>Inhibit System Recovery, Technique T1490 - Enterprise | MITRE ATT&amp;CK®</a:t>
             </a:r>
             <a:r>
-              <a:rPr lang="en-AU" sz="1200" dirty="0">
+              <a:rPr lang="en-AU" sz="1400" dirty="0">
                 <a:effectLst/>
               </a:rPr>
               <a:t>. Available at: https://attack.mitre.org/techniques/T1490/ (Accessed: 22 September 2023). </a:t>
@@ -4598,55 +4598,55 @@
           </a:p>
           <a:p>
             <a:r>
-              <a:rPr lang="en-AU" sz="1200" dirty="0" err="1">
+              <a:rPr lang="en-AU" sz="1400" dirty="0" err="1">
                 <a:effectLst/>
               </a:rPr>
               <a:t>Nagahama</a:t>
             </a:r>
             <a:r>
-              <a:rPr lang="en-AU" sz="1200" dirty="0">
+              <a:rPr lang="en-AU" sz="1400" dirty="0">
                 <a:effectLst/>
               </a:rPr>
               <a:t>, H. </a:t>
             </a:r>
             <a:r>
-              <a:rPr lang="en-AU" sz="1200" i="1" dirty="0">
+              <a:rPr lang="en-AU" sz="1400" i="1" dirty="0">
                 <a:effectLst/>
               </a:rPr>
               <a:t>et al.</a:t>
             </a:r>
             <a:r>
-              <a:rPr lang="en-AU" sz="1200" dirty="0">
+              <a:rPr lang="en-AU" sz="1400" dirty="0">
                 <a:effectLst/>
               </a:rPr>
               <a:t> (2023) </a:t>
             </a:r>
             <a:r>
-              <a:rPr lang="en-AU" sz="1200" i="1" dirty="0">
+              <a:rPr lang="en-AU" sz="1400" i="1" dirty="0">
                 <a:effectLst/>
               </a:rPr>
               <a:t>Blackcat</a:t>
             </a:r>
             <a:r>
-              <a:rPr lang="en-AU" sz="1200" dirty="0">
+              <a:rPr lang="en-AU" sz="1400" dirty="0">
                 <a:effectLst/>
               </a:rPr>
               <a:t>, </a:t>
             </a:r>
             <a:r>
-              <a:rPr lang="en-AU" sz="1200" i="1" dirty="0" err="1">
+              <a:rPr lang="en-AU" sz="1400" i="1" dirty="0" err="1">
                 <a:effectLst/>
               </a:rPr>
               <a:t>BlackCat</a:t>
             </a:r>
             <a:r>
-              <a:rPr lang="en-AU" sz="1200" i="1" dirty="0">
+              <a:rPr lang="en-AU" sz="1400" i="1" dirty="0">
                 <a:effectLst/>
               </a:rPr>
               <a:t>, Software S1068 | MITRE ATT&amp;CK®</a:t>
             </a:r>
             <a:r>
-              <a:rPr lang="en-AU" sz="1200" dirty="0">
+              <a:rPr lang="en-AU" sz="1400" dirty="0">
                 <a:effectLst/>
               </a:rPr>
               <a:t>. Available at: https://attack.mitre.org/software/S1068/ (Accessed: 22 September 2023). </a:t>
@@ -4654,31 +4654,63 @@
           </a:p>
           <a:p>
             <a:r>
-              <a:rPr lang="en-AU" sz="1200" dirty="0">
+              <a:rPr lang="en-AU" sz="1400" dirty="0">
+                <a:effectLst/>
+              </a:rPr>
+              <a:t>T1033, A.R. (2023) </a:t>
+            </a:r>
+            <a:r>
+              <a:rPr lang="en-AU" sz="1400" i="1" dirty="0">
+                <a:effectLst/>
+              </a:rPr>
+              <a:t>T1033</a:t>
+            </a:r>
+            <a:r>
+              <a:rPr lang="en-AU" sz="1400" dirty="0">
+                <a:effectLst/>
+              </a:rPr>
+              <a:t>, </a:t>
+            </a:r>
+            <a:r>
+              <a:rPr lang="en-AU" sz="1400" i="1" dirty="0">
+                <a:effectLst/>
+              </a:rPr>
+              <a:t>Explore Atomic Red Team</a:t>
+            </a:r>
+            <a:r>
+              <a:rPr lang="en-AU" sz="1400" dirty="0">
+                <a:effectLst/>
+              </a:rPr>
+              <a:t>. Available at: https://atomicredteam.io/discovery/T1033/ (Accessed: 22 September 2023). </a:t>
+            </a:r>
+          </a:p>
+          <a:p>
+            <a:r>
+              <a:rPr lang="en-AU" sz="1400" dirty="0">
                 <a:effectLst/>
               </a:rPr>
               <a:t>T1083, A. (2023) </a:t>
             </a:r>
             <a:r>
-              <a:rPr lang="en-AU" sz="1200" i="1" dirty="0">
+              <a:rPr lang="en-AU" sz="1400" i="1" dirty="0">
                 <a:effectLst/>
               </a:rPr>
               <a:t>T1083</a:t>
             </a:r>
             <a:r>
-              <a:rPr lang="en-AU" sz="1200" dirty="0">
+              <a:rPr lang="en-AU" sz="1400" dirty="0">
                 <a:effectLst/>
               </a:rPr>
               <a:t>, </a:t>
             </a:r>
             <a:r>
-              <a:rPr lang="en-AU" sz="1200" i="1" dirty="0">
+              <a:rPr lang="en-AU" sz="1400" i="1" dirty="0">
                 <a:effectLst/>
               </a:rPr>
               <a:t>Explore Atomic Red Team</a:t>
             </a:r>
             <a:r>
-              <a:rPr lang="en-AU" sz="1200" dirty="0">
+              <a:rPr lang="en-AU" sz="1400" dirty="0">
                 <a:effectLst/>
               </a:rPr>
               <a:t>. Available at: https://atomicredteam.io/discovery/T1083/ (Accessed: 22 September 2023). </a:t>

--- a/evidence.pptx
+++ b/evidence.pptx
@@ -3984,14 +3984,14 @@
             <p:ph idx="1"/>
             <p:extLst>
               <p:ext uri="{D42A27DB-BD31-4B8C-83A1-F6EECF244321}">
-                <p14:modId xmlns:p14="http://schemas.microsoft.com/office/powerpoint/2010/main" val="2334195082"/>
+                <p14:modId xmlns:p14="http://schemas.microsoft.com/office/powerpoint/2010/main" val="299730999"/>
               </p:ext>
             </p:extLst>
           </p:nvPr>
         </p:nvGraphicFramePr>
         <p:xfrm>
           <a:off x="838200" y="1825625"/>
-          <a:ext cx="10725150" cy="3002280"/>
+          <a:ext cx="10725150" cy="3362960"/>
         </p:xfrm>
         <a:graphic>
           <a:graphicData uri="http://schemas.openxmlformats.org/drawingml/2006/table">
@@ -4095,6 +4095,32 @@
                     <a:bodyPr/>
                     <a:lstStyle/>
                     <a:p>
+                      <a:r>
+                        <a:rPr lang="en-GB" sz="1400" dirty="0"/>
+                        <a:t>net use \\[computer name]  /user:[domain]\[user] [password] /</a:t>
+                      </a:r>
+                      <a:r>
+                        <a:rPr lang="en-GB" sz="1400" dirty="0" err="1"/>
+                        <a:t>persistent:no</a:t>
+                      </a:r>
+                      <a:r>
+                        <a:rPr lang="en-GB" sz="1400" dirty="0"/>
+                        <a:t> </a:t>
+                      </a:r>
+                    </a:p>
+                    <a:p>
+                      <a:r>
+                        <a:rPr lang="en-AU" sz="1400" dirty="0"/>
+                        <a:t>(Microsoft </a:t>
+                      </a:r>
+                      <a:r>
+                        <a:rPr lang="en-AU" sz="1400"/>
+                        <a:t>Threat Intelligence, </a:t>
+                      </a:r>
+                      <a:r>
+                        <a:rPr lang="en-AU" sz="1400" dirty="0"/>
+                        <a:t>2022)</a:t>
+                      </a:r>
                       <a:endParaRPr lang="en-AU" sz="1400" b="0" dirty="0"/>
                     </a:p>
                   </a:txBody>

--- a/evidence.pptx
+++ b/evidence.pptx
@@ -4111,15 +4111,7 @@
                     <a:p>
                       <a:r>
                         <a:rPr lang="en-AU" sz="1400" dirty="0"/>
-                        <a:t>(Microsoft </a:t>
-                      </a:r>
-                      <a:r>
-                        <a:rPr lang="en-AU" sz="1400"/>
-                        <a:t>Threat Intelligence, </a:t>
-                      </a:r>
-                      <a:r>
-                        <a:rPr lang="en-AU" sz="1400" dirty="0"/>
-                        <a:t>2022)</a:t>
+                        <a:t>(Microsoft Threat Intelligence, 2022)</a:t>
                       </a:r>
                       <a:endParaRPr lang="en-AU" sz="1400" b="0" dirty="0"/>
                     </a:p>
@@ -4480,55 +4472,55 @@
           <a:lstStyle/>
           <a:p>
             <a:r>
-              <a:rPr lang="en-AU" sz="1400" dirty="0">
+              <a:rPr lang="en-AU" sz="1200" dirty="0">
                 <a:effectLst/>
               </a:rPr>
               <a:t>ALPHV/</a:t>
             </a:r>
             <a:r>
-              <a:rPr lang="en-AU" sz="1400" dirty="0" err="1">
+              <a:rPr lang="en-AU" sz="1200" dirty="0" err="1">
                 <a:effectLst/>
               </a:rPr>
               <a:t>BlackCat</a:t>
             </a:r>
             <a:r>
-              <a:rPr lang="en-AU" sz="1400" dirty="0">
+              <a:rPr lang="en-AU" sz="1200" dirty="0">
                 <a:effectLst/>
               </a:rPr>
               <a:t> Ransomware, A.D.D.I. (2023) </a:t>
             </a:r>
             <a:r>
-              <a:rPr lang="en-AU" sz="1400" i="1" dirty="0">
+              <a:rPr lang="en-AU" sz="1200" i="1" dirty="0">
                 <a:effectLst/>
               </a:rPr>
               <a:t>A deep dive into ALPHV/</a:t>
             </a:r>
             <a:r>
-              <a:rPr lang="en-AU" sz="1400" i="1" dirty="0" err="1">
+              <a:rPr lang="en-AU" sz="1200" i="1" dirty="0" err="1">
                 <a:effectLst/>
               </a:rPr>
               <a:t>BlackCat</a:t>
             </a:r>
             <a:r>
-              <a:rPr lang="en-AU" sz="1400" i="1" dirty="0">
+              <a:rPr lang="en-AU" sz="1200" i="1" dirty="0">
                 <a:effectLst/>
               </a:rPr>
               <a:t> ransomware</a:t>
             </a:r>
             <a:r>
-              <a:rPr lang="en-AU" sz="1400" dirty="0">
+              <a:rPr lang="en-AU" sz="1200" dirty="0">
                 <a:effectLst/>
               </a:rPr>
               <a:t>, </a:t>
             </a:r>
             <a:r>
-              <a:rPr lang="en-AU" sz="1400" i="1" dirty="0" err="1">
+              <a:rPr lang="en-AU" sz="1200" i="1" dirty="0" err="1">
                 <a:effectLst/>
               </a:rPr>
               <a:t>SecurityScorecard</a:t>
             </a:r>
             <a:r>
-              <a:rPr lang="en-AU" sz="1400" dirty="0">
+              <a:rPr lang="en-AU" sz="1200" dirty="0">
                 <a:effectLst/>
               </a:rPr>
               <a:t>. Available at: https://securityscorecard.com/research/deep-dive-into-alphv-blackcat-ransomware/ (Accessed: 22 September 2023). </a:t>
@@ -4536,43 +4528,43 @@
           </a:p>
           <a:p>
             <a:r>
-              <a:rPr lang="en-AU" sz="1400" dirty="0" err="1">
+              <a:rPr lang="en-AU" sz="1200" dirty="0" err="1">
                 <a:effectLst/>
               </a:rPr>
               <a:t>Bouchrika</a:t>
             </a:r>
             <a:r>
-              <a:rPr lang="en-AU" sz="1400" dirty="0">
+              <a:rPr lang="en-AU" sz="1200" dirty="0">
                 <a:effectLst/>
               </a:rPr>
               <a:t>, I. (2023) </a:t>
             </a:r>
             <a:r>
-              <a:rPr lang="en-AU" sz="1400" i="1" dirty="0" err="1">
+              <a:rPr lang="en-AU" sz="1200" i="1" dirty="0" err="1">
                 <a:effectLst/>
               </a:rPr>
               <a:t>BlackCat</a:t>
             </a:r>
             <a:r>
-              <a:rPr lang="en-AU" sz="1400" i="1" dirty="0">
+              <a:rPr lang="en-AU" sz="1200" i="1" dirty="0">
                 <a:effectLst/>
               </a:rPr>
               <a:t> ransomware (ALPHV)</a:t>
             </a:r>
             <a:r>
-              <a:rPr lang="en-AU" sz="1400" dirty="0">
+              <a:rPr lang="en-AU" sz="1200" dirty="0">
                 <a:effectLst/>
               </a:rPr>
               <a:t>, </a:t>
             </a:r>
             <a:r>
-              <a:rPr lang="en-AU" sz="1400" i="1" dirty="0">
+              <a:rPr lang="en-AU" sz="1200" i="1" dirty="0">
                 <a:effectLst/>
               </a:rPr>
               <a:t>Varonis</a:t>
             </a:r>
             <a:r>
-              <a:rPr lang="en-AU" sz="1400" dirty="0">
+              <a:rPr lang="en-AU" sz="1200" dirty="0">
                 <a:effectLst/>
               </a:rPr>
               <a:t>. Available at: https://www.varonis.com/blog/blackcat-ransomware (Accessed: 22 September 2023). </a:t>
@@ -4580,43 +4572,43 @@
           </a:p>
           <a:p>
             <a:r>
-              <a:rPr lang="en-AU" sz="1400" dirty="0">
+              <a:rPr lang="en-AU" sz="1200" dirty="0">
                 <a:effectLst/>
               </a:rPr>
               <a:t>Clark, A., Sivakumaran, P. and </a:t>
             </a:r>
             <a:r>
-              <a:rPr lang="en-AU" sz="1400" dirty="0" err="1">
+              <a:rPr lang="en-AU" sz="1200" dirty="0" err="1">
                 <a:effectLst/>
               </a:rPr>
               <a:t>Gotlib</a:t>
             </a:r>
             <a:r>
-              <a:rPr lang="en-AU" sz="1400" dirty="0">
+              <a:rPr lang="en-AU" sz="1200" dirty="0">
                 <a:effectLst/>
               </a:rPr>
               <a:t>, Y. (2019) </a:t>
             </a:r>
             <a:r>
-              <a:rPr lang="en-AU" sz="1400" i="1" dirty="0">
+              <a:rPr lang="en-AU" sz="1200" i="1" dirty="0">
                 <a:effectLst/>
               </a:rPr>
               <a:t>Inhibit system recovery</a:t>
             </a:r>
             <a:r>
-              <a:rPr lang="en-AU" sz="1400" dirty="0">
+              <a:rPr lang="en-AU" sz="1200" dirty="0">
                 <a:effectLst/>
               </a:rPr>
               <a:t>, </a:t>
             </a:r>
             <a:r>
-              <a:rPr lang="en-AU" sz="1400" i="1" dirty="0">
+              <a:rPr lang="en-AU" sz="1200" i="1" dirty="0">
                 <a:effectLst/>
               </a:rPr>
               <a:t>Inhibit System Recovery, Technique T1490 - Enterprise | MITRE ATT&amp;CK®</a:t>
             </a:r>
             <a:r>
-              <a:rPr lang="en-AU" sz="1400" dirty="0">
+              <a:rPr lang="en-AU" sz="1200" dirty="0">
                 <a:effectLst/>
               </a:rPr>
               <a:t>. Available at: https://attack.mitre.org/techniques/T1490/ (Accessed: 22 September 2023). </a:t>
@@ -4624,55 +4616,99 @@
           </a:p>
           <a:p>
             <a:r>
-              <a:rPr lang="en-AU" sz="1400" dirty="0" err="1">
+              <a:rPr lang="en-AU" sz="1200" dirty="0">
+                <a:effectLst/>
+              </a:rPr>
+              <a:t>Intelligence, M.T. (2022) </a:t>
+            </a:r>
+            <a:r>
+              <a:rPr lang="en-AU" sz="1200" i="1" dirty="0">
+                <a:effectLst/>
+              </a:rPr>
+              <a:t>The many lives of </a:t>
+            </a:r>
+            <a:r>
+              <a:rPr lang="en-AU" sz="1200" i="1" dirty="0" err="1">
+                <a:effectLst/>
+              </a:rPr>
+              <a:t>BlackCat</a:t>
+            </a:r>
+            <a:r>
+              <a:rPr lang="en-AU" sz="1200" i="1" dirty="0">
+                <a:effectLst/>
+              </a:rPr>
+              <a:t> ransomware</a:t>
+            </a:r>
+            <a:r>
+              <a:rPr lang="en-AU" sz="1200" dirty="0">
+                <a:effectLst/>
+              </a:rPr>
+              <a:t>, </a:t>
+            </a:r>
+            <a:r>
+              <a:rPr lang="en-AU" sz="1200" i="1" dirty="0">
+                <a:effectLst/>
+              </a:rPr>
+              <a:t>Microsoft Security Blog</a:t>
+            </a:r>
+            <a:r>
+              <a:rPr lang="en-AU" sz="1200" dirty="0">
+                <a:effectLst/>
+              </a:rPr>
+              <a:t>. Available at: https://www.microsoft.com/en-us/security/blog/2022/06/13/the-many-lives-of-blackcat-ransomware/ (Accessed: 22 September 2023). </a:t>
+            </a:r>
+          </a:p>
+          <a:p>
+            <a:r>
+              <a:rPr lang="en-AU" sz="1200" dirty="0" err="1">
                 <a:effectLst/>
               </a:rPr>
               <a:t>Nagahama</a:t>
             </a:r>
             <a:r>
-              <a:rPr lang="en-AU" sz="1400" dirty="0">
+              <a:rPr lang="en-AU" sz="1200" dirty="0">
                 <a:effectLst/>
               </a:rPr>
               <a:t>, H. </a:t>
             </a:r>
             <a:r>
-              <a:rPr lang="en-AU" sz="1400" i="1" dirty="0">
+              <a:rPr lang="en-AU" sz="1200" i="1" dirty="0">
                 <a:effectLst/>
               </a:rPr>
               <a:t>et al.</a:t>
             </a:r>
             <a:r>
-              <a:rPr lang="en-AU" sz="1400" dirty="0">
+              <a:rPr lang="en-AU" sz="1200" dirty="0">
                 <a:effectLst/>
               </a:rPr>
               <a:t> (2023) </a:t>
             </a:r>
             <a:r>
-              <a:rPr lang="en-AU" sz="1400" i="1" dirty="0">
+              <a:rPr lang="en-AU" sz="1200" i="1" dirty="0">
                 <a:effectLst/>
               </a:rPr>
               <a:t>Blackcat</a:t>
             </a:r>
             <a:r>
-              <a:rPr lang="en-AU" sz="1400" dirty="0">
+              <a:rPr lang="en-AU" sz="1200" dirty="0">
                 <a:effectLst/>
               </a:rPr>
               <a:t>, </a:t>
             </a:r>
             <a:r>
-              <a:rPr lang="en-AU" sz="1400" i="1" dirty="0" err="1">
+              <a:rPr lang="en-AU" sz="1200" i="1" dirty="0" err="1">
                 <a:effectLst/>
               </a:rPr>
               <a:t>BlackCat</a:t>
             </a:r>
             <a:r>
-              <a:rPr lang="en-AU" sz="1400" i="1" dirty="0">
+              <a:rPr lang="en-AU" sz="1200" i="1" dirty="0">
                 <a:effectLst/>
               </a:rPr>
               <a:t>, Software S1068 | MITRE ATT&amp;CK®</a:t>
             </a:r>
             <a:r>
-              <a:rPr lang="en-AU" sz="1400" dirty="0">
+              <a:rPr lang="en-AU" sz="1200" dirty="0">
                 <a:effectLst/>
               </a:rPr>
               <a:t>. Available at: https://attack.mitre.org/software/S1068/ (Accessed: 22 September 2023). </a:t>
@@ -4680,31 +4716,31 @@
           </a:p>
           <a:p>
             <a:r>
-              <a:rPr lang="en-AU" sz="1400" dirty="0">
+              <a:rPr lang="en-AU" sz="1200" dirty="0">
                 <a:effectLst/>
               </a:rPr>
               <a:t>T1033, A.R. (2023) </a:t>
             </a:r>
             <a:r>
-              <a:rPr lang="en-AU" sz="1400" i="1" dirty="0">
+              <a:rPr lang="en-AU" sz="1200" i="1" dirty="0">
                 <a:effectLst/>
               </a:rPr>
               <a:t>T1033</a:t>
             </a:r>
             <a:r>
-              <a:rPr lang="en-AU" sz="1400" dirty="0">
+              <a:rPr lang="en-AU" sz="1200" dirty="0">
                 <a:effectLst/>
               </a:rPr>
               <a:t>, </a:t>
             </a:r>
             <a:r>
-              <a:rPr lang="en-AU" sz="1400" i="1" dirty="0">
+              <a:rPr lang="en-AU" sz="1200" i="1" dirty="0">
                 <a:effectLst/>
               </a:rPr>
               <a:t>Explore Atomic Red Team</a:t>
             </a:r>
             <a:r>
-              <a:rPr lang="en-AU" sz="1400" dirty="0">
+              <a:rPr lang="en-AU" sz="1200" dirty="0">
                 <a:effectLst/>
               </a:rPr>
               <a:t>. Available at: https://atomicredteam.io/discovery/T1033/ (Accessed: 22 September 2023). </a:t>
@@ -4712,31 +4748,31 @@
           </a:p>
           <a:p>
             <a:r>
-              <a:rPr lang="en-AU" sz="1400" dirty="0">
+              <a:rPr lang="en-AU" sz="1200" dirty="0">
                 <a:effectLst/>
               </a:rPr>
               <a:t>T1083, A. (2023) </a:t>
             </a:r>
             <a:r>
-              <a:rPr lang="en-AU" sz="1400" i="1" dirty="0">
+              <a:rPr lang="en-AU" sz="1200" i="1" dirty="0">
                 <a:effectLst/>
               </a:rPr>
               <a:t>T1083</a:t>
             </a:r>
             <a:r>
-              <a:rPr lang="en-AU" sz="1400" dirty="0">
+              <a:rPr lang="en-AU" sz="1200" dirty="0">
                 <a:effectLst/>
               </a:rPr>
               <a:t>, </a:t>
             </a:r>
             <a:r>
-              <a:rPr lang="en-AU" sz="1400" i="1" dirty="0">
+              <a:rPr lang="en-AU" sz="1200" i="1" dirty="0">
                 <a:effectLst/>
               </a:rPr>
               <a:t>Explore Atomic Red Team</a:t>
             </a:r>
             <a:r>
-              <a:rPr lang="en-AU" sz="1400" dirty="0">
+              <a:rPr lang="en-AU" sz="1200" dirty="0">
                 <a:effectLst/>
               </a:rPr>
               <a:t>. Available at: https://atomicredteam.io/discovery/T1083/ (Accessed: 22 September 2023). </a:t>

--- a/evidence.pptx
+++ b/evidence.pptx
@@ -3491,14 +3491,14 @@
           <p:nvPr>
             <p:extLst>
               <p:ext uri="{D42A27DB-BD31-4B8C-83A1-F6EECF244321}">
-                <p14:modId xmlns:p14="http://schemas.microsoft.com/office/powerpoint/2010/main" val="226605778"/>
+                <p14:modId xmlns:p14="http://schemas.microsoft.com/office/powerpoint/2010/main" val="753010104"/>
               </p:ext>
             </p:extLst>
           </p:nvPr>
         </p:nvGraphicFramePr>
         <p:xfrm>
           <a:off x="647700" y="1328738"/>
-          <a:ext cx="11125200" cy="3489960"/>
+          <a:ext cx="11125200" cy="4028440"/>
         </p:xfrm>
         <a:graphic>
           <a:graphicData uri="http://schemas.openxmlformats.org/drawingml/2006/table">
@@ -3610,6 +3610,23 @@
                     <a:bodyPr/>
                     <a:lstStyle/>
                     <a:p>
+                      <a:pPr marL="0" marR="0" lvl="0" indent="0" algn="l" defTabSz="914400" rtl="0" eaLnBrk="1" fontAlgn="auto" latinLnBrk="0" hangingPunct="1">
+                        <a:lnSpc>
+                          <a:spcPct val="100000"/>
+                        </a:lnSpc>
+                        <a:spcBef>
+                          <a:spcPts val="0"/>
+                        </a:spcBef>
+                        <a:spcAft>
+                          <a:spcPts val="0"/>
+                        </a:spcAft>
+                        <a:buClrTx/>
+                        <a:buSzTx/>
+                        <a:buFontTx/>
+                        <a:buNone/>
+                        <a:tabLst/>
+                        <a:defRPr/>
+                      </a:pPr>
                       <a:r>
                         <a:rPr lang="en-GB" sz="1800" b="1" dirty="0"/>
                         <a:t>Net Use </a:t>
@@ -3618,7 +3635,14 @@
                         <a:rPr lang="en-GB" sz="1800" dirty="0"/>
                         <a:t>to connect to other computers</a:t>
                       </a:r>
-                      <a:endParaRPr lang="en-AU" dirty="0"/>
+                      <a:br>
+                        <a:rPr lang="en-GB" sz="1800" dirty="0"/>
+                      </a:br>
+                      <a:r>
+                        <a:rPr lang="en-AU" sz="1800" dirty="0"/>
+                        <a:t>(Microsoft Threat Intelligence, 2022)</a:t>
+                      </a:r>
+                      <a:endParaRPr lang="en-AU" sz="1800" b="0" dirty="0"/>
                     </a:p>
                   </a:txBody>
                   <a:tcPr/>
@@ -3654,114 +3678,6 @@
                       <a:r>
                         <a:rPr lang="en-AU" dirty="0"/>
                         <a:t> Lateral Tool Transfer </a:t>
-                      </a:r>
-                    </a:p>
-                  </a:txBody>
-                  <a:tcPr/>
-                </a:tc>
-                <a:tc>
-                  <a:txBody>
-                    <a:bodyPr/>
-                    <a:lstStyle/>
-                    <a:p>
-                      <a:r>
-                        <a:rPr lang="en-GB" sz="1800" b="1" dirty="0" err="1"/>
-                        <a:t>PsExec</a:t>
-                      </a:r>
-                      <a:r>
-                        <a:rPr lang="en-GB" sz="1800" dirty="0"/>
-                        <a:t> to deploy payloads to computer</a:t>
-                      </a:r>
-                      <a:endParaRPr lang="en-AU" dirty="0"/>
-                    </a:p>
-                  </a:txBody>
-                  <a:tcPr/>
-                </a:tc>
-                <a:extLst>
-                  <a:ext uri="{0D108BD9-81ED-4DB2-BD59-A6C34878D82A}">
-                    <a16:rowId xmlns:a16="http://schemas.microsoft.com/office/drawing/2014/main" val="2415464425"/>
-                  </a:ext>
-                </a:extLst>
-              </a:tr>
-              <a:tr h="370840">
-                <a:tc>
-                  <a:txBody>
-                    <a:bodyPr/>
-                    <a:lstStyle/>
-                    <a:p>
-                      <a:r>
-                        <a:rPr lang="en-AU" sz="1800" dirty="0">
-                          <a:hlinkClick r:id="rId4"/>
-                        </a:rPr>
-                        <a:t>T1059</a:t>
-                      </a:r>
-                      <a:endParaRPr lang="en-AU" dirty="0"/>
-                    </a:p>
-                  </a:txBody>
-                  <a:tcPr/>
-                </a:tc>
-                <a:tc>
-                  <a:txBody>
-                    <a:bodyPr/>
-                    <a:lstStyle/>
-                    <a:p>
-                      <a:r>
-                        <a:rPr lang="en-AU" dirty="0"/>
-                        <a:t> Command and Scripting Interpreter </a:t>
-                      </a:r>
-                    </a:p>
-                  </a:txBody>
-                  <a:tcPr/>
-                </a:tc>
-                <a:tc>
-                  <a:txBody>
-                    <a:bodyPr/>
-                    <a:lstStyle/>
-                    <a:p>
-                      <a:r>
-                        <a:rPr lang="en-GB" sz="1800" dirty="0"/>
-                        <a:t>can execute commands on a compromised network with the use of </a:t>
-                      </a:r>
-                      <a:r>
-                        <a:rPr lang="en-GB" sz="1800" b="1" dirty="0"/>
-                        <a:t>cmd.exe</a:t>
-                      </a:r>
-                      <a:endParaRPr lang="en-AU" b="1" dirty="0"/>
-                    </a:p>
-                  </a:txBody>
-                  <a:tcPr/>
-                </a:tc>
-                <a:extLst>
-                  <a:ext uri="{0D108BD9-81ED-4DB2-BD59-A6C34878D82A}">
-                    <a16:rowId xmlns:a16="http://schemas.microsoft.com/office/drawing/2014/main" val="3751381801"/>
-                  </a:ext>
-                </a:extLst>
-              </a:tr>
-              <a:tr h="370840">
-                <a:tc>
-                  <a:txBody>
-                    <a:bodyPr/>
-                    <a:lstStyle/>
-                    <a:p>
-                      <a:r>
-                        <a:rPr lang="en-AU" sz="1800" dirty="0">
-                          <a:hlinkClick r:id="rId5"/>
-                        </a:rPr>
-                        <a:t>T1490</a:t>
-                      </a:r>
-                      <a:endParaRPr lang="en-AU" dirty="0"/>
-                    </a:p>
-                  </a:txBody>
-                  <a:tcPr/>
-                </a:tc>
-                <a:tc>
-                  <a:txBody>
-                    <a:bodyPr/>
-                    <a:lstStyle/>
-                    <a:p>
-                      <a:r>
-                        <a:rPr lang="en-AU" dirty="0"/>
-                        <a:t> Inhibit System Recovery </a:t>
                       </a:r>
                     </a:p>
                   </a:txBody>
@@ -3790,6 +3706,176 @@
                         <a:defRPr/>
                       </a:pPr>
                       <a:r>
+                        <a:rPr lang="en-GB" sz="1800" b="1" dirty="0" err="1"/>
+                        <a:t>PsExec</a:t>
+                      </a:r>
+                      <a:r>
+                        <a:rPr lang="en-GB" sz="1800" dirty="0"/>
+                        <a:t> to deploy payloads to computer</a:t>
+                      </a:r>
+                      <a:br>
+                        <a:rPr lang="en-GB" sz="1800" dirty="0"/>
+                      </a:br>
+                      <a:r>
+                        <a:rPr lang="en-AU" sz="1800" dirty="0"/>
+                        <a:t>(</a:t>
+                      </a:r>
+                      <a:r>
+                        <a:rPr lang="en-AU" sz="1800" dirty="0" err="1"/>
+                        <a:t>Bouchrika</a:t>
+                      </a:r>
+                      <a:r>
+                        <a:rPr lang="en-AU" sz="1800" dirty="0"/>
+                        <a:t>, 2023)</a:t>
+                      </a:r>
+                      <a:endParaRPr lang="en-AU" sz="1800" b="0" dirty="0"/>
+                    </a:p>
+                  </a:txBody>
+                  <a:tcPr/>
+                </a:tc>
+                <a:extLst>
+                  <a:ext uri="{0D108BD9-81ED-4DB2-BD59-A6C34878D82A}">
+                    <a16:rowId xmlns:a16="http://schemas.microsoft.com/office/drawing/2014/main" val="2415464425"/>
+                  </a:ext>
+                </a:extLst>
+              </a:tr>
+              <a:tr h="370840">
+                <a:tc>
+                  <a:txBody>
+                    <a:bodyPr/>
+                    <a:lstStyle/>
+                    <a:p>
+                      <a:pPr marL="0" marR="0" lvl="0" indent="0" algn="l" defTabSz="914400" rtl="0" eaLnBrk="1" fontAlgn="auto" latinLnBrk="0" hangingPunct="1">
+                        <a:lnSpc>
+                          <a:spcPct val="100000"/>
+                        </a:lnSpc>
+                        <a:spcBef>
+                          <a:spcPts val="0"/>
+                        </a:spcBef>
+                        <a:spcAft>
+                          <a:spcPts val="0"/>
+                        </a:spcAft>
+                        <a:buClrTx/>
+                        <a:buSzTx/>
+                        <a:buFontTx/>
+                        <a:buNone/>
+                        <a:tabLst/>
+                        <a:defRPr/>
+                      </a:pPr>
+                      <a:r>
+                        <a:rPr lang="en-AU" sz="1800" b="0" dirty="0">
+                          <a:hlinkClick r:id="rId4"/>
+                        </a:rPr>
+                        <a:t>T1070.001</a:t>
+                      </a:r>
+                      <a:endParaRPr lang="en-AU" sz="1800" b="0" dirty="0"/>
+                    </a:p>
+                  </a:txBody>
+                  <a:tcPr/>
+                </a:tc>
+                <a:tc>
+                  <a:txBody>
+                    <a:bodyPr/>
+                    <a:lstStyle/>
+                    <a:p>
+                      <a:r>
+                        <a:rPr lang="en-GB" dirty="0"/>
+                        <a:t>Indicator Removal: Clear Windows Event Logs</a:t>
+                      </a:r>
+                      <a:endParaRPr lang="en-AU" dirty="0"/>
+                    </a:p>
+                  </a:txBody>
+                  <a:tcPr/>
+                </a:tc>
+                <a:tc>
+                  <a:txBody>
+                    <a:bodyPr/>
+                    <a:lstStyle/>
+                    <a:p>
+                      <a:r>
+                        <a:rPr lang="en-AU" sz="1800" dirty="0"/>
+                        <a:t>Can use wevtutil.exe to remove event logs to hide </a:t>
+                      </a:r>
+                      <a:r>
+                        <a:rPr lang="en-AU" sz="1800" dirty="0" err="1"/>
+                        <a:t>blackcats</a:t>
+                      </a:r>
+                      <a:r>
+                        <a:rPr lang="en-AU" sz="1800" dirty="0"/>
+                        <a:t> </a:t>
+                      </a:r>
+                      <a:r>
+                        <a:rPr lang="en-AU" sz="1800" dirty="0" err="1"/>
+                        <a:t>presenc</a:t>
+                      </a:r>
+                      <a:r>
+                        <a:rPr lang="en-AU" sz="1800" dirty="0"/>
+                        <a:t>. (Microsoft Threat Intelligence, 2022)</a:t>
+                      </a:r>
+                      <a:endParaRPr lang="en-AU" b="1" dirty="0"/>
+                    </a:p>
+                  </a:txBody>
+                  <a:tcPr/>
+                </a:tc>
+                <a:extLst>
+                  <a:ext uri="{0D108BD9-81ED-4DB2-BD59-A6C34878D82A}">
+                    <a16:rowId xmlns:a16="http://schemas.microsoft.com/office/drawing/2014/main" val="3751381801"/>
+                  </a:ext>
+                </a:extLst>
+              </a:tr>
+              <a:tr h="370840">
+                <a:tc>
+                  <a:txBody>
+                    <a:bodyPr/>
+                    <a:lstStyle/>
+                    <a:p>
+                      <a:r>
+                        <a:rPr lang="en-AU" sz="1800" dirty="0">
+                          <a:hlinkClick r:id="rId5"/>
+                        </a:rPr>
+                        <a:t>T1490</a:t>
+                      </a:r>
+                      <a:endParaRPr lang="en-AU" dirty="0"/>
+                    </a:p>
+                  </a:txBody>
+                  <a:tcPr/>
+                </a:tc>
+                <a:tc>
+                  <a:txBody>
+                    <a:bodyPr/>
+                    <a:lstStyle/>
+                    <a:p>
+                      <a:r>
+                        <a:rPr lang="en-AU" dirty="0"/>
+                        <a:t> Inhibit System Recovery </a:t>
+                      </a:r>
+                    </a:p>
+                  </a:txBody>
+                  <a:tcPr/>
+                </a:tc>
+                <a:tc>
+                  <a:txBody>
+                    <a:bodyPr/>
+                    <a:lstStyle/>
+                    <a:p>
+                      <a:pPr marL="0" marR="0" lvl="0" indent="0" algn="l" defTabSz="914400" rtl="0" eaLnBrk="1" fontAlgn="auto" latinLnBrk="0" hangingPunct="1">
+                        <a:lnSpc>
+                          <a:spcPct val="100000"/>
+                        </a:lnSpc>
+                        <a:spcBef>
+                          <a:spcPts val="0"/>
+                        </a:spcBef>
+                        <a:spcAft>
+                          <a:spcPts val="0"/>
+                        </a:spcAft>
+                        <a:buClrTx/>
+                        <a:buSzTx/>
+                        <a:buFontTx/>
+                        <a:buNone/>
+                        <a:tabLst/>
+                        <a:defRPr/>
+                      </a:pPr>
+                      <a:r>
                         <a:rPr lang="en-AU" sz="1800" dirty="0"/>
                         <a:t>can delete shadow copies using </a:t>
                       </a:r>
@@ -3879,8 +3965,8 @@
         </p:nvSpPr>
         <p:spPr>
           <a:xfrm>
-            <a:off x="3155950" y="5424488"/>
-            <a:ext cx="8128000" cy="369332"/>
+            <a:off x="3162300" y="5631498"/>
+            <a:ext cx="8128000" cy="646331"/>
           </a:xfrm>
           <a:prstGeom prst="rect">
             <a:avLst/>
@@ -3907,6 +3993,40 @@
               <a:rPr lang="en-AU" dirty="0"/>
               <a:t>group.</a:t>
             </a:r>
+            <a:br>
+              <a:rPr lang="en-AU" dirty="0"/>
+            </a:br>
+            <a:r>
+              <a:rPr lang="en-AU" dirty="0"/>
+              <a:t>Specifically </a:t>
+            </a:r>
+            <a:r>
+              <a:rPr lang="en-AU" dirty="0" err="1"/>
+              <a:t>BlackCats</a:t>
+            </a:r>
+            <a:r>
+              <a:rPr lang="en-AU" dirty="0"/>
+              <a:t> </a:t>
+            </a:r>
+            <a:r>
+              <a:rPr lang="en-AU" dirty="0" err="1"/>
+              <a:t>att&amp;ck</a:t>
+            </a:r>
+            <a:r>
+              <a:rPr lang="en-AU"/>
+              <a:t> page </a:t>
+            </a:r>
+            <a:r>
+              <a:rPr lang="en-AU">
+                <a:hlinkClick r:id="rId7"/>
+              </a:rPr>
+              <a:t>https://attack.mitre.org/software/S1068/</a:t>
+            </a:r>
+            <a:r>
+              <a:rPr lang="en-AU" dirty="0"/>
+              <a:t> </a:t>
+            </a:r>
+            <a:endParaRPr lang="en-AU"/>
           </a:p>
         </p:txBody>
       </p:sp>
@@ -3984,14 +4104,14 @@
             <p:ph idx="1"/>
             <p:extLst>
               <p:ext uri="{D42A27DB-BD31-4B8C-83A1-F6EECF244321}">
-                <p14:modId xmlns:p14="http://schemas.microsoft.com/office/powerpoint/2010/main" val="299730999"/>
+                <p14:modId xmlns:p14="http://schemas.microsoft.com/office/powerpoint/2010/main" val="920436702"/>
               </p:ext>
             </p:extLst>
           </p:nvPr>
         </p:nvGraphicFramePr>
         <p:xfrm>
           <a:off x="838200" y="1825625"/>
-          <a:ext cx="10725150" cy="3362960"/>
+          <a:ext cx="10725150" cy="3881120"/>
         </p:xfrm>
         <a:graphic>
           <a:graphicData uri="http://schemas.openxmlformats.org/drawingml/2006/table">
@@ -4383,6 +4503,82 @@
                 <a:extLst>
                   <a:ext uri="{0D108BD9-81ED-4DB2-BD59-A6C34878D82A}">
                     <a16:rowId xmlns:a16="http://schemas.microsoft.com/office/drawing/2014/main" val="1798786680"/>
+                  </a:ext>
+                </a:extLst>
+              </a:tr>
+              <a:tr h="370840">
+                <a:tc>
+                  <a:txBody>
+                    <a:bodyPr/>
+                    <a:lstStyle/>
+                    <a:p>
+                      <a:pPr marL="0" marR="0" lvl="0" indent="0" algn="l" defTabSz="914400" rtl="0" eaLnBrk="1" fontAlgn="auto" latinLnBrk="0" hangingPunct="1">
+                        <a:lnSpc>
+                          <a:spcPct val="100000"/>
+                        </a:lnSpc>
+                        <a:spcBef>
+                          <a:spcPts val="0"/>
+                        </a:spcBef>
+                        <a:spcAft>
+                          <a:spcPts val="0"/>
+                        </a:spcAft>
+                        <a:buClrTx/>
+                        <a:buSzTx/>
+                        <a:buFontTx/>
+                        <a:buNone/>
+                        <a:tabLst/>
+                        <a:defRPr/>
+                      </a:pPr>
+                      <a:r>
+                        <a:rPr lang="en-AU" sz="1400" b="0" dirty="0">
+                          <a:hlinkClick r:id="rId6"/>
+                        </a:rPr>
+                        <a:t>T1070.001</a:t>
+                      </a:r>
+                      <a:r>
+                        <a:rPr lang="en-AU" sz="1400" b="0" dirty="0"/>
+                        <a:t> </a:t>
+                      </a:r>
+                      <a:r>
+                        <a:rPr lang="en-AU" sz="1400" dirty="0"/>
+                        <a:t>wevtutil.exe</a:t>
+                      </a:r>
+                      <a:endParaRPr lang="en-AU" sz="1400" b="0" dirty="0"/>
+                    </a:p>
+                  </a:txBody>
+                  <a:tcPr/>
+                </a:tc>
+                <a:tc>
+                  <a:txBody>
+                    <a:bodyPr/>
+                    <a:lstStyle/>
+                    <a:p>
+                      <a:r>
+                        <a:rPr lang="en-AU" sz="1400" dirty="0"/>
+                        <a:t>for /F \”tokens=*\” %1 in (‘wevtutil.exe </a:t>
+                      </a:r>
+                      <a:r>
+                        <a:rPr lang="en-AU" sz="1400" dirty="0" err="1"/>
+                        <a:t>el</a:t>
+                      </a:r>
+                      <a:r>
+                        <a:rPr lang="en-AU" sz="1400" dirty="0"/>
+                        <a:t>’) DO wevtutil.exe cl \”%1\”</a:t>
+                      </a:r>
+                    </a:p>
+                    <a:p>
+                      <a:r>
+                        <a:rPr lang="en-AU" sz="1400" dirty="0"/>
+                        <a:t>(Microsoft Threat Intelligence, 2022)</a:t>
+                      </a:r>
+                      <a:endParaRPr lang="en-AU" sz="1400" b="0" dirty="0"/>
+                    </a:p>
+                  </a:txBody>
+                  <a:tcPr/>
+                </a:tc>
+                <a:extLst>
+                  <a:ext uri="{0D108BD9-81ED-4DB2-BD59-A6C34878D82A}">
+                    <a16:rowId xmlns:a16="http://schemas.microsoft.com/office/drawing/2014/main" val="3017645894"/>
                   </a:ext>
                 </a:extLst>
               </a:tr>

--- a/evidence.pptx
+++ b/evidence.pptx
@@ -8,7 +8,8 @@
     <p:sldId id="256" r:id="rId2"/>
     <p:sldId id="257" r:id="rId3"/>
     <p:sldId id="259" r:id="rId4"/>
-    <p:sldId id="258" r:id="rId5"/>
+    <p:sldId id="260" r:id="rId5"/>
+    <p:sldId id="258" r:id="rId6"/>
   </p:sldIdLst>
   <p:sldSz cx="12192000" cy="6858000"/>
   <p:notesSz cx="6858000" cy="9144000"/>
@@ -4013,11 +4014,11 @@
               <a:t>att&amp;ck</a:t>
             </a:r>
             <a:r>
-              <a:rPr lang="en-AU"/>
+              <a:rPr lang="en-AU" dirty="0"/>
               <a:t> page </a:t>
             </a:r>
             <a:r>
-              <a:rPr lang="en-AU">
+              <a:rPr lang="en-AU" dirty="0">
                 <a:hlinkClick r:id="rId7"/>
               </a:rPr>
               <a:t>https://attack.mitre.org/software/S1068/</a:t>
@@ -4026,7 +4027,6 @@
               <a:rPr lang="en-AU" dirty="0"/>
               <a:t> </a:t>
             </a:r>
-            <a:endParaRPr lang="en-AU"/>
           </a:p>
         </p:txBody>
       </p:sp>
@@ -4104,14 +4104,14 @@
             <p:ph idx="1"/>
             <p:extLst>
               <p:ext uri="{D42A27DB-BD31-4B8C-83A1-F6EECF244321}">
-                <p14:modId xmlns:p14="http://schemas.microsoft.com/office/powerpoint/2010/main" val="920436702"/>
+                <p14:modId xmlns:p14="http://schemas.microsoft.com/office/powerpoint/2010/main" val="3960146532"/>
               </p:ext>
             </p:extLst>
           </p:nvPr>
         </p:nvGraphicFramePr>
         <p:xfrm>
           <a:off x="838200" y="1825625"/>
-          <a:ext cx="10725150" cy="3881120"/>
+          <a:ext cx="10725150" cy="3510280"/>
         </p:xfrm>
         <a:graphic>
           <a:graphicData uri="http://schemas.openxmlformats.org/drawingml/2006/table">
@@ -4378,15 +4378,15 @@
                         <a:rPr lang="en-AU" sz="1400" b="0" dirty="0">
                           <a:hlinkClick r:id="rId4"/>
                         </a:rPr>
-                        <a:t>T1059</a:t>
+                        <a:t>T1070.001</a:t>
                       </a:r>
                       <a:r>
                         <a:rPr lang="en-AU" sz="1400" b="0" dirty="0"/>
                         <a:t> </a:t>
                       </a:r>
                       <a:r>
-                        <a:rPr lang="en-GB" sz="1400" b="0" dirty="0"/>
-                        <a:t>cmd.exe</a:t>
+                        <a:rPr lang="en-AU" sz="1400" dirty="0"/>
+                        <a:t>wevtutil.exe</a:t>
                       </a:r>
                       <a:endParaRPr lang="en-AU" sz="1400" b="0" dirty="0"/>
                     </a:p>
@@ -4398,6 +4398,24 @@
                     <a:bodyPr/>
                     <a:lstStyle/>
                     <a:p>
+                      <a:r>
+                        <a:rPr lang="en-AU" sz="1400" dirty="0"/>
+                        <a:t>for /F \”tokens=*\” %1 in (‘wevtutil.exe </a:t>
+                      </a:r>
+                      <a:r>
+                        <a:rPr lang="en-AU" sz="1400" dirty="0" err="1"/>
+                        <a:t>el</a:t>
+                      </a:r>
+                      <a:r>
+                        <a:rPr lang="en-AU" sz="1400" dirty="0"/>
+                        <a:t>’) DO wevtutil.exe cl \”%1\”</a:t>
+                      </a:r>
+                    </a:p>
+                    <a:p>
+                      <a:r>
+                        <a:rPr lang="en-AU" sz="1400" dirty="0"/>
+                        <a:t>(Microsoft Threat Intelligence, 2022)</a:t>
+                      </a:r>
                       <a:endParaRPr lang="en-AU" sz="1400" b="0" dirty="0"/>
                     </a:p>
                   </a:txBody>
@@ -4506,82 +4524,6 @@
                   </a:ext>
                 </a:extLst>
               </a:tr>
-              <a:tr h="370840">
-                <a:tc>
-                  <a:txBody>
-                    <a:bodyPr/>
-                    <a:lstStyle/>
-                    <a:p>
-                      <a:pPr marL="0" marR="0" lvl="0" indent="0" algn="l" defTabSz="914400" rtl="0" eaLnBrk="1" fontAlgn="auto" latinLnBrk="0" hangingPunct="1">
-                        <a:lnSpc>
-                          <a:spcPct val="100000"/>
-                        </a:lnSpc>
-                        <a:spcBef>
-                          <a:spcPts val="0"/>
-                        </a:spcBef>
-                        <a:spcAft>
-                          <a:spcPts val="0"/>
-                        </a:spcAft>
-                        <a:buClrTx/>
-                        <a:buSzTx/>
-                        <a:buFontTx/>
-                        <a:buNone/>
-                        <a:tabLst/>
-                        <a:defRPr/>
-                      </a:pPr>
-                      <a:r>
-                        <a:rPr lang="en-AU" sz="1400" b="0" dirty="0">
-                          <a:hlinkClick r:id="rId6"/>
-                        </a:rPr>
-                        <a:t>T1070.001</a:t>
-                      </a:r>
-                      <a:r>
-                        <a:rPr lang="en-AU" sz="1400" b="0" dirty="0"/>
-                        <a:t> </a:t>
-                      </a:r>
-                      <a:r>
-                        <a:rPr lang="en-AU" sz="1400" dirty="0"/>
-                        <a:t>wevtutil.exe</a:t>
-                      </a:r>
-                      <a:endParaRPr lang="en-AU" sz="1400" b="0" dirty="0"/>
-                    </a:p>
-                  </a:txBody>
-                  <a:tcPr/>
-                </a:tc>
-                <a:tc>
-                  <a:txBody>
-                    <a:bodyPr/>
-                    <a:lstStyle/>
-                    <a:p>
-                      <a:r>
-                        <a:rPr lang="en-AU" sz="1400" dirty="0"/>
-                        <a:t>for /F \”tokens=*\” %1 in (‘wevtutil.exe </a:t>
-                      </a:r>
-                      <a:r>
-                        <a:rPr lang="en-AU" sz="1400" dirty="0" err="1"/>
-                        <a:t>el</a:t>
-                      </a:r>
-                      <a:r>
-                        <a:rPr lang="en-AU" sz="1400" dirty="0"/>
-                        <a:t>’) DO wevtutil.exe cl \”%1\”</a:t>
-                      </a:r>
-                    </a:p>
-                    <a:p>
-                      <a:r>
-                        <a:rPr lang="en-AU" sz="1400" dirty="0"/>
-                        <a:t>(Microsoft Threat Intelligence, 2022)</a:t>
-                      </a:r>
-                      <a:endParaRPr lang="en-AU" sz="1400" b="0" dirty="0"/>
-                    </a:p>
-                  </a:txBody>
-                  <a:tcPr/>
-                </a:tc>
-                <a:extLst>
-                  <a:ext uri="{0D108BD9-81ED-4DB2-BD59-A6C34878D82A}">
-                    <a16:rowId xmlns:a16="http://schemas.microsoft.com/office/drawing/2014/main" val="3017645894"/>
-                  </a:ext>
-                </a:extLst>
-              </a:tr>
             </a:tbl>
           </a:graphicData>
         </a:graphic>
@@ -4600,6 +4542,143 @@
 </file>
 
 <file path=ppt/slides/slide4.xml><?xml version="1.0" encoding="utf-8"?>
+<p:sld xmlns:a="http://schemas.openxmlformats.org/drawingml/2006/main" xmlns:r="http://schemas.openxmlformats.org/officeDocument/2006/relationships" xmlns:p="http://schemas.openxmlformats.org/presentationml/2006/main">
+  <p:cSld>
+    <p:spTree>
+      <p:nvGrpSpPr>
+        <p:cNvPr id="1" name=""/>
+        <p:cNvGrpSpPr/>
+        <p:nvPr/>
+      </p:nvGrpSpPr>
+      <p:grpSpPr>
+        <a:xfrm>
+          <a:off x="0" y="0"/>
+          <a:ext cx="0" cy="0"/>
+          <a:chOff x="0" y="0"/>
+          <a:chExt cx="0" cy="0"/>
+        </a:xfrm>
+      </p:grpSpPr>
+      <p:sp>
+        <p:nvSpPr>
+          <p:cNvPr id="2" name="Title 1">
+            <a:extLst>
+              <a:ext uri="{FF2B5EF4-FFF2-40B4-BE49-F238E27FC236}">
+                <a16:creationId xmlns:a16="http://schemas.microsoft.com/office/drawing/2014/main" id="{90A4C70D-8AB6-3412-A9E3-594A7DAD279D}"/>
+              </a:ext>
+            </a:extLst>
+          </p:cNvPr>
+          <p:cNvSpPr>
+            <a:spLocks noGrp="1"/>
+          </p:cNvSpPr>
+          <p:nvPr>
+            <p:ph type="title"/>
+          </p:nvPr>
+        </p:nvSpPr>
+        <p:spPr/>
+        <p:txBody>
+          <a:bodyPr/>
+          <a:lstStyle/>
+          <a:p>
+            <a:r>
+              <a:rPr lang="en-AU" sz="4400" dirty="0">
+                <a:hlinkClick r:id="rId2"/>
+              </a:rPr>
+              <a:t>T1490</a:t>
+            </a:r>
+            <a:r>
+              <a:rPr lang="en-AU" sz="4400" dirty="0"/>
+              <a:t> </a:t>
+            </a:r>
+            <a:r>
+              <a:rPr lang="en-AU" dirty="0"/>
+              <a:t>Inhibit System Recovery </a:t>
+            </a:r>
+            <a:br>
+              <a:rPr lang="en-AU" dirty="0"/>
+            </a:br>
+            <a:endParaRPr lang="en-AU" dirty="0"/>
+          </a:p>
+        </p:txBody>
+      </p:sp>
+      <p:pic>
+        <p:nvPicPr>
+          <p:cNvPr id="7" name="Picture 6">
+            <a:extLst>
+              <a:ext uri="{FF2B5EF4-FFF2-40B4-BE49-F238E27FC236}">
+                <a16:creationId xmlns:a16="http://schemas.microsoft.com/office/drawing/2014/main" id="{C5CAD526-2F0C-9002-D56D-89F78705607C}"/>
+              </a:ext>
+            </a:extLst>
+          </p:cNvPr>
+          <p:cNvPicPr>
+            <a:picLocks noChangeAspect="1"/>
+          </p:cNvPicPr>
+          <p:nvPr/>
+        </p:nvPicPr>
+        <p:blipFill>
+          <a:blip r:embed="rId3"/>
+          <a:stretch>
+            <a:fillRect/>
+          </a:stretch>
+        </p:blipFill>
+        <p:spPr>
+          <a:xfrm>
+            <a:off x="0" y="2936200"/>
+            <a:ext cx="3902330" cy="3915209"/>
+          </a:xfrm>
+          <a:prstGeom prst="rect">
+            <a:avLst/>
+          </a:prstGeom>
+        </p:spPr>
+      </p:pic>
+      <p:sp>
+        <p:nvSpPr>
+          <p:cNvPr id="8" name="TextBox 7">
+            <a:extLst>
+              <a:ext uri="{FF2B5EF4-FFF2-40B4-BE49-F238E27FC236}">
+                <a16:creationId xmlns:a16="http://schemas.microsoft.com/office/drawing/2014/main" id="{4EB107DB-0E5E-BC67-894E-ECA2C1DA86E0}"/>
+              </a:ext>
+            </a:extLst>
+          </p:cNvPr>
+          <p:cNvSpPr txBox="1"/>
+          <p:nvPr/>
+        </p:nvSpPr>
+        <p:spPr>
+          <a:xfrm>
+            <a:off x="0" y="1987550"/>
+            <a:ext cx="3902330" cy="646331"/>
+          </a:xfrm>
+          <a:prstGeom prst="rect">
+            <a:avLst/>
+          </a:prstGeom>
+          <a:noFill/>
+        </p:spPr>
+        <p:txBody>
+          <a:bodyPr wrap="square" rtlCol="0">
+            <a:spAutoFit/>
+          </a:bodyPr>
+          <a:lstStyle/>
+          <a:p>
+            <a:r>
+              <a:rPr lang="en-AU" dirty="0"/>
+              <a:t>Had to enable shadow copies first for the attack to be successful</a:t>
+            </a:r>
+          </a:p>
+        </p:txBody>
+      </p:sp>
+    </p:spTree>
+    <p:extLst>
+      <p:ext uri="{BB962C8B-B14F-4D97-AF65-F5344CB8AC3E}">
+        <p14:creationId xmlns:p14="http://schemas.microsoft.com/office/powerpoint/2010/main" val="3794003486"/>
+      </p:ext>
+    </p:extLst>
+  </p:cSld>
+  <p:clrMapOvr>
+    <a:masterClrMapping/>
+  </p:clrMapOvr>
+</p:sld>
+</file>
+
+<file path=ppt/slides/slide5.xml><?xml version="1.0" encoding="utf-8"?>
 <p:sld xmlns:a="http://schemas.openxmlformats.org/drawingml/2006/main" xmlns:r="http://schemas.openxmlformats.org/officeDocument/2006/relationships" xmlns:p="http://schemas.openxmlformats.org/presentationml/2006/main">
   <p:cSld>
     <p:spTree>

--- a/evidence.pptx
+++ b/evidence.pptx
@@ -3492,7 +3492,7 @@
           <p:nvPr>
             <p:extLst>
               <p:ext uri="{D42A27DB-BD31-4B8C-83A1-F6EECF244321}">
-                <p14:modId xmlns:p14="http://schemas.microsoft.com/office/powerpoint/2010/main" val="753010104"/>
+                <p14:modId xmlns:p14="http://schemas.microsoft.com/office/powerpoint/2010/main" val="4236861146"/>
               </p:ext>
             </p:extLst>
           </p:nvPr>
@@ -3803,15 +3803,7 @@
                       </a:r>
                       <a:r>
                         <a:rPr lang="en-AU" sz="1800" dirty="0"/>
-                        <a:t> </a:t>
-                      </a:r>
-                      <a:r>
-                        <a:rPr lang="en-AU" sz="1800" dirty="0" err="1"/>
-                        <a:t>presenc</a:t>
-                      </a:r>
-                      <a:r>
-                        <a:rPr lang="en-AU" sz="1800" dirty="0"/>
-                        <a:t>. (Microsoft Threat Intelligence, 2022)</a:t>
+                        <a:t> presence. (Microsoft Threat Intelligence, 2022)</a:t>
                       </a:r>
                       <a:endParaRPr lang="en-AU" b="1" dirty="0"/>
                     </a:p>
@@ -4622,8 +4614,8 @@
         </p:blipFill>
         <p:spPr>
           <a:xfrm>
-            <a:off x="0" y="2936200"/>
-            <a:ext cx="3902330" cy="3915209"/>
+            <a:off x="0" y="1690688"/>
+            <a:ext cx="2876498" cy="2885991"/>
           </a:xfrm>
           <a:prstGeom prst="rect">
             <a:avLst/>
@@ -4644,7 +4636,7 @@
         </p:nvSpPr>
         <p:spPr>
           <a:xfrm>
-            <a:off x="0" y="1987550"/>
+            <a:off x="0" y="1044357"/>
             <a:ext cx="3902330" cy="646331"/>
           </a:xfrm>
           <a:prstGeom prst="rect">
@@ -4665,6 +4657,167 @@
           </a:p>
         </p:txBody>
       </p:sp>
+      <p:sp>
+        <p:nvSpPr>
+          <p:cNvPr id="10" name="TextBox 9">
+            <a:extLst>
+              <a:ext uri="{FF2B5EF4-FFF2-40B4-BE49-F238E27FC236}">
+                <a16:creationId xmlns:a16="http://schemas.microsoft.com/office/drawing/2014/main" id="{5265D93B-6C0D-C8AF-DE91-12FFFF79CDCC}"/>
+              </a:ext>
+            </a:extLst>
+          </p:cNvPr>
+          <p:cNvSpPr txBox="1"/>
+          <p:nvPr/>
+        </p:nvSpPr>
+        <p:spPr>
+          <a:xfrm>
+            <a:off x="5097102" y="1216041"/>
+            <a:ext cx="4309449" cy="3693319"/>
+          </a:xfrm>
+          <a:prstGeom prst="rect">
+            <a:avLst/>
+          </a:prstGeom>
+          <a:noFill/>
+        </p:spPr>
+        <p:txBody>
+          <a:bodyPr wrap="square">
+            <a:spAutoFit/>
+          </a:bodyPr>
+          <a:lstStyle/>
+          <a:p>
+            <a:r>
+              <a:rPr lang="en-AU" sz="1800" b="0" dirty="0"/>
+              <a:t>vssadmin.exe delete shadows /all /quiet</a:t>
+            </a:r>
+            <a:br>
+              <a:rPr lang="en-AU" sz="1800" b="0" dirty="0"/>
+            </a:br>
+            <a:r>
+              <a:rPr lang="en-AU" sz="1800" b="0" dirty="0"/>
+              <a:t>wmic.exe </a:t>
+            </a:r>
+            <a:r>
+              <a:rPr lang="en-AU" sz="1800" b="0" dirty="0" err="1"/>
+              <a:t>Shadowcopy</a:t>
+            </a:r>
+            <a:r>
+              <a:rPr lang="en-AU" sz="1800" b="0" dirty="0"/>
+              <a:t> Delete</a:t>
+            </a:r>
+          </a:p>
+          <a:p>
+            <a:r>
+              <a:rPr lang="en-AU" sz="1800" b="0" dirty="0" err="1"/>
+              <a:t>bcdedit</a:t>
+            </a:r>
+            <a:r>
+              <a:rPr lang="en-AU" sz="1800" b="0" dirty="0"/>
+              <a:t> /set {default} </a:t>
+            </a:r>
+            <a:r>
+              <a:rPr lang="en-AU" sz="1800" b="0" dirty="0" err="1"/>
+              <a:t>recoveryenabled</a:t>
+            </a:r>
+            <a:r>
+              <a:rPr lang="en-AU" sz="1800" b="0" dirty="0"/>
+              <a:t> No</a:t>
+            </a:r>
+            <a:br>
+              <a:rPr lang="en-AU" sz="1800" b="0" dirty="0"/>
+            </a:br>
+            <a:endParaRPr lang="en-AU" sz="1800" b="0" dirty="0"/>
+          </a:p>
+          <a:p>
+            <a:r>
+              <a:rPr lang="en-AU" dirty="0"/>
+              <a:t>Each command will trigger a event in </a:t>
+            </a:r>
+            <a:r>
+              <a:rPr lang="en-AU" dirty="0" err="1"/>
+              <a:t>wazuh</a:t>
+            </a:r>
+            <a:r>
+              <a:rPr lang="en-AU" dirty="0"/>
+              <a:t> under these conditions</a:t>
+            </a:r>
+          </a:p>
+          <a:p>
+            <a:r>
+              <a:rPr lang="en-AU" dirty="0"/>
+              <a:t>1. if vssadmin.exe and delete are called in the same command.</a:t>
+            </a:r>
+          </a:p>
+          <a:p>
+            <a:r>
+              <a:rPr lang="en-AU" dirty="0"/>
+              <a:t>2. If wmic.exe, </a:t>
+            </a:r>
+            <a:r>
+              <a:rPr lang="en-AU" dirty="0" err="1"/>
+              <a:t>shadowcopy</a:t>
+            </a:r>
+            <a:r>
+              <a:rPr lang="en-AU" dirty="0"/>
+              <a:t> and delete are called in the same command.</a:t>
+            </a:r>
+          </a:p>
+          <a:p>
+            <a:r>
+              <a:rPr lang="en-AU" dirty="0"/>
+              <a:t>3. If </a:t>
+            </a:r>
+            <a:r>
+              <a:rPr lang="en-AU" dirty="0" err="1"/>
+              <a:t>bcdedit</a:t>
+            </a:r>
+            <a:r>
+              <a:rPr lang="en-AU" dirty="0"/>
+              <a:t>, </a:t>
+            </a:r>
+            <a:r>
+              <a:rPr lang="en-AU" dirty="0" err="1"/>
+              <a:t>recoveryenabled</a:t>
+            </a:r>
+            <a:r>
+              <a:rPr lang="en-AU" dirty="0"/>
+              <a:t> and no are called in same command.</a:t>
+            </a:r>
+          </a:p>
+          <a:p>
+            <a:endParaRPr lang="en-AU" dirty="0"/>
+          </a:p>
+        </p:txBody>
+      </p:sp>
+      <p:pic>
+        <p:nvPicPr>
+          <p:cNvPr id="14" name="Picture 13">
+            <a:extLst>
+              <a:ext uri="{FF2B5EF4-FFF2-40B4-BE49-F238E27FC236}">
+                <a16:creationId xmlns:a16="http://schemas.microsoft.com/office/drawing/2014/main" id="{1DE5E57F-91BB-EE7E-2517-AC16D6BD261C}"/>
+              </a:ext>
+            </a:extLst>
+          </p:cNvPr>
+          <p:cNvPicPr>
+            <a:picLocks noChangeAspect="1"/>
+          </p:cNvPicPr>
+          <p:nvPr/>
+        </p:nvPicPr>
+        <p:blipFill>
+          <a:blip r:embed="rId4"/>
+          <a:stretch>
+            <a:fillRect/>
+          </a:stretch>
+        </p:blipFill>
+        <p:spPr>
+          <a:xfrm>
+            <a:off x="625544" y="5015620"/>
+            <a:ext cx="11566456" cy="1842380"/>
+          </a:xfrm>
+          <a:prstGeom prst="rect">
+            <a:avLst/>
+          </a:prstGeom>
+        </p:spPr>
+      </p:pic>
     </p:spTree>
     <p:extLst>
       <p:ext uri="{BB962C8B-B14F-4D97-AF65-F5344CB8AC3E}">

--- a/evidence.pptx
+++ b/evidence.pptx
@@ -9,7 +9,8 @@
     <p:sldId id="257" r:id="rId3"/>
     <p:sldId id="259" r:id="rId4"/>
     <p:sldId id="260" r:id="rId5"/>
-    <p:sldId id="258" r:id="rId6"/>
+    <p:sldId id="261" r:id="rId6"/>
+    <p:sldId id="258" r:id="rId7"/>
   </p:sldIdLst>
   <p:sldSz cx="12192000" cy="6858000"/>
   <p:notesSz cx="6858000" cy="9144000"/>
@@ -4853,6 +4854,123 @@
           <p:cNvPr id="2" name="Title 1">
             <a:extLst>
               <a:ext uri="{FF2B5EF4-FFF2-40B4-BE49-F238E27FC236}">
+                <a16:creationId xmlns:a16="http://schemas.microsoft.com/office/drawing/2014/main" id="{8A593D04-D302-066F-3889-7BAA00DF47A4}"/>
+              </a:ext>
+            </a:extLst>
+          </p:cNvPr>
+          <p:cNvSpPr>
+            <a:spLocks noGrp="1"/>
+          </p:cNvSpPr>
+          <p:nvPr>
+            <p:ph type="title"/>
+          </p:nvPr>
+        </p:nvSpPr>
+        <p:spPr/>
+        <p:txBody>
+          <a:bodyPr/>
+          <a:lstStyle/>
+          <a:p>
+            <a:r>
+              <a:rPr lang="en-AU" dirty="0" err="1"/>
+              <a:t>PsExec</a:t>
+            </a:r>
+            <a:endParaRPr lang="en-AU" dirty="0"/>
+          </a:p>
+        </p:txBody>
+      </p:sp>
+      <p:sp>
+        <p:nvSpPr>
+          <p:cNvPr id="3" name="Content Placeholder 2">
+            <a:extLst>
+              <a:ext uri="{FF2B5EF4-FFF2-40B4-BE49-F238E27FC236}">
+                <a16:creationId xmlns:a16="http://schemas.microsoft.com/office/drawing/2014/main" id="{B9629E02-08BB-E64B-7466-C09D07ED138E}"/>
+              </a:ext>
+            </a:extLst>
+          </p:cNvPr>
+          <p:cNvSpPr>
+            <a:spLocks noGrp="1"/>
+          </p:cNvSpPr>
+          <p:nvPr>
+            <p:ph idx="1"/>
+          </p:nvPr>
+        </p:nvSpPr>
+        <p:spPr/>
+        <p:txBody>
+          <a:bodyPr/>
+          <a:lstStyle/>
+          <a:p>
+            <a:r>
+              <a:rPr lang="en-AU" dirty="0" err="1"/>
+              <a:t>BlackCat</a:t>
+            </a:r>
+            <a:r>
+              <a:rPr lang="en-AU" dirty="0"/>
+              <a:t> will have </a:t>
+            </a:r>
+            <a:r>
+              <a:rPr lang="en-AU" dirty="0" err="1"/>
+              <a:t>PsExec</a:t>
+            </a:r>
+            <a:r>
+              <a:rPr lang="en-AU" dirty="0"/>
+              <a:t> bundled into the executable however </a:t>
+            </a:r>
+            <a:r>
+              <a:rPr lang="en-AU" dirty="0" err="1"/>
+              <a:t>PsExec</a:t>
+            </a:r>
+            <a:r>
+              <a:rPr lang="en-AU" dirty="0"/>
+              <a:t> can be download from </a:t>
+            </a:r>
+            <a:r>
+              <a:rPr lang="en-AU" dirty="0">
+                <a:hlinkClick r:id="rId2"/>
+              </a:rPr>
+              <a:t>here</a:t>
+            </a:r>
+            <a:r>
+              <a:rPr lang="en-AU" dirty="0"/>
+              <a:t> .</a:t>
+            </a:r>
+          </a:p>
+        </p:txBody>
+      </p:sp>
+    </p:spTree>
+    <p:extLst>
+      <p:ext uri="{BB962C8B-B14F-4D97-AF65-F5344CB8AC3E}">
+        <p14:creationId xmlns:p14="http://schemas.microsoft.com/office/powerpoint/2010/main" val="362416721"/>
+      </p:ext>
+    </p:extLst>
+  </p:cSld>
+  <p:clrMapOvr>
+    <a:masterClrMapping/>
+  </p:clrMapOvr>
+</p:sld>
+</file>
+
+<file path=ppt/slides/slide6.xml><?xml version="1.0" encoding="utf-8"?>
+<p:sld xmlns:a="http://schemas.openxmlformats.org/drawingml/2006/main" xmlns:r="http://schemas.openxmlformats.org/officeDocument/2006/relationships" xmlns:p="http://schemas.openxmlformats.org/presentationml/2006/main">
+  <p:cSld>
+    <p:spTree>
+      <p:nvGrpSpPr>
+        <p:cNvPr id="1" name=""/>
+        <p:cNvGrpSpPr/>
+        <p:nvPr/>
+      </p:nvGrpSpPr>
+      <p:grpSpPr>
+        <a:xfrm>
+          <a:off x="0" y="0"/>
+          <a:ext cx="0" cy="0"/>
+          <a:chOff x="0" y="0"/>
+          <a:chExt cx="0" cy="0"/>
+        </a:xfrm>
+      </p:grpSpPr>
+      <p:sp>
+        <p:nvSpPr>
+          <p:cNvPr id="2" name="Title 1">
+            <a:extLst>
+              <a:ext uri="{FF2B5EF4-FFF2-40B4-BE49-F238E27FC236}">
                 <a16:creationId xmlns:a16="http://schemas.microsoft.com/office/drawing/2014/main" id="{E8BA4E43-19C5-02C9-ED26-8AF7FED21CED}"/>
               </a:ext>
             </a:extLst>

--- a/evidence.pptx
+++ b/evidence.pptx
@@ -266,7 +266,7 @@
           <a:p>
             <a:fld id="{06A7A16A-6445-44E0-84C3-2A5BD5D79C2E}" type="datetimeFigureOut">
               <a:rPr lang="en-AU" smtClean="0"/>
-              <a:t>22/09/2023</a:t>
+              <a:t>23/09/2023</a:t>
             </a:fld>
             <a:endParaRPr lang="en-AU"/>
           </a:p>
@@ -466,7 +466,7 @@
           <a:p>
             <a:fld id="{06A7A16A-6445-44E0-84C3-2A5BD5D79C2E}" type="datetimeFigureOut">
               <a:rPr lang="en-AU" smtClean="0"/>
-              <a:t>22/09/2023</a:t>
+              <a:t>23/09/2023</a:t>
             </a:fld>
             <a:endParaRPr lang="en-AU"/>
           </a:p>
@@ -676,7 +676,7 @@
           <a:p>
             <a:fld id="{06A7A16A-6445-44E0-84C3-2A5BD5D79C2E}" type="datetimeFigureOut">
               <a:rPr lang="en-AU" smtClean="0"/>
-              <a:t>22/09/2023</a:t>
+              <a:t>23/09/2023</a:t>
             </a:fld>
             <a:endParaRPr lang="en-AU"/>
           </a:p>
@@ -876,7 +876,7 @@
           <a:p>
             <a:fld id="{06A7A16A-6445-44E0-84C3-2A5BD5D79C2E}" type="datetimeFigureOut">
               <a:rPr lang="en-AU" smtClean="0"/>
-              <a:t>22/09/2023</a:t>
+              <a:t>23/09/2023</a:t>
             </a:fld>
             <a:endParaRPr lang="en-AU"/>
           </a:p>
@@ -1152,7 +1152,7 @@
           <a:p>
             <a:fld id="{06A7A16A-6445-44E0-84C3-2A5BD5D79C2E}" type="datetimeFigureOut">
               <a:rPr lang="en-AU" smtClean="0"/>
-              <a:t>22/09/2023</a:t>
+              <a:t>23/09/2023</a:t>
             </a:fld>
             <a:endParaRPr lang="en-AU"/>
           </a:p>
@@ -1420,7 +1420,7 @@
           <a:p>
             <a:fld id="{06A7A16A-6445-44E0-84C3-2A5BD5D79C2E}" type="datetimeFigureOut">
               <a:rPr lang="en-AU" smtClean="0"/>
-              <a:t>22/09/2023</a:t>
+              <a:t>23/09/2023</a:t>
             </a:fld>
             <a:endParaRPr lang="en-AU"/>
           </a:p>
@@ -1835,7 +1835,7 @@
           <a:p>
             <a:fld id="{06A7A16A-6445-44E0-84C3-2A5BD5D79C2E}" type="datetimeFigureOut">
               <a:rPr lang="en-AU" smtClean="0"/>
-              <a:t>22/09/2023</a:t>
+              <a:t>23/09/2023</a:t>
             </a:fld>
             <a:endParaRPr lang="en-AU"/>
           </a:p>
@@ -1977,7 +1977,7 @@
           <a:p>
             <a:fld id="{06A7A16A-6445-44E0-84C3-2A5BD5D79C2E}" type="datetimeFigureOut">
               <a:rPr lang="en-AU" smtClean="0"/>
-              <a:t>22/09/2023</a:t>
+              <a:t>23/09/2023</a:t>
             </a:fld>
             <a:endParaRPr lang="en-AU"/>
           </a:p>
@@ -2090,7 +2090,7 @@
           <a:p>
             <a:fld id="{06A7A16A-6445-44E0-84C3-2A5BD5D79C2E}" type="datetimeFigureOut">
               <a:rPr lang="en-AU" smtClean="0"/>
-              <a:t>22/09/2023</a:t>
+              <a:t>23/09/2023</a:t>
             </a:fld>
             <a:endParaRPr lang="en-AU"/>
           </a:p>
@@ -2403,7 +2403,7 @@
           <a:p>
             <a:fld id="{06A7A16A-6445-44E0-84C3-2A5BD5D79C2E}" type="datetimeFigureOut">
               <a:rPr lang="en-AU" smtClean="0"/>
-              <a:t>22/09/2023</a:t>
+              <a:t>23/09/2023</a:t>
             </a:fld>
             <a:endParaRPr lang="en-AU"/>
           </a:p>
@@ -2692,7 +2692,7 @@
           <a:p>
             <a:fld id="{06A7A16A-6445-44E0-84C3-2A5BD5D79C2E}" type="datetimeFigureOut">
               <a:rPr lang="en-AU" smtClean="0"/>
-              <a:t>22/09/2023</a:t>
+              <a:t>23/09/2023</a:t>
             </a:fld>
             <a:endParaRPr lang="en-AU"/>
           </a:p>
@@ -2935,7 +2935,7 @@
           <a:p>
             <a:fld id="{06A7A16A-6445-44E0-84C3-2A5BD5D79C2E}" type="datetimeFigureOut">
               <a:rPr lang="en-AU" smtClean="0"/>
-              <a:t>22/09/2023</a:t>
+              <a:t>23/09/2023</a:t>
             </a:fld>
             <a:endParaRPr lang="en-AU"/>
           </a:p>
@@ -4934,8 +4934,128 @@
               <a:t> .</a:t>
             </a:r>
           </a:p>
-        </p:txBody>
-      </p:sp>
+          <a:p>
+            <a:r>
+              <a:rPr lang="en-AU" sz="2800" b="0" dirty="0">
+                <a:hlinkClick r:id="rId3"/>
+              </a:rPr>
+              <a:t>T1570</a:t>
+            </a:r>
+            <a:r>
+              <a:rPr lang="en-AU" sz="2800" b="0" dirty="0"/>
+              <a:t> – </a:t>
+            </a:r>
+            <a:r>
+              <a:rPr lang="en-AU" sz="2800" b="0" dirty="0" err="1"/>
+              <a:t>PsExec</a:t>
+            </a:r>
+            <a:r>
+              <a:rPr lang="en-AU" sz="2800" b="0" dirty="0"/>
+              <a:t> is </a:t>
+            </a:r>
+            <a:r>
+              <a:rPr lang="en-AU" dirty="0"/>
+              <a:t>unlikely to be run via the command line on normal machines especially with the –</a:t>
+            </a:r>
+            <a:r>
+              <a:rPr lang="en-AU" dirty="0" err="1"/>
+              <a:t>accepteula</a:t>
+            </a:r>
+            <a:r>
+              <a:rPr lang="en-AU" dirty="0"/>
+              <a:t> argument therefore all events of </a:t>
+            </a:r>
+            <a:r>
+              <a:rPr lang="en-AU" dirty="0" err="1"/>
+              <a:t>PsExec</a:t>
+            </a:r>
+            <a:r>
+              <a:rPr lang="en-AU" dirty="0"/>
+              <a:t> being run from the command line with –</a:t>
+            </a:r>
+            <a:r>
+              <a:rPr lang="en-AU" dirty="0" err="1"/>
+              <a:t>accepteula</a:t>
+            </a:r>
+            <a:r>
+              <a:rPr lang="en-AU" dirty="0"/>
+              <a:t> argument are suspicious.</a:t>
+            </a:r>
+          </a:p>
+          <a:p>
+            <a:r>
+              <a:rPr lang="en-AU" dirty="0" err="1"/>
+              <a:t>Wazuh</a:t>
+            </a:r>
+            <a:r>
+              <a:rPr lang="en-AU" dirty="0"/>
+              <a:t> can catch </a:t>
+            </a:r>
+            <a:r>
+              <a:rPr lang="en-AU" dirty="0" err="1"/>
+              <a:t>PsExec</a:t>
+            </a:r>
+            <a:r>
+              <a:rPr lang="en-AU" dirty="0"/>
+              <a:t> events by looking at the </a:t>
+            </a:r>
+            <a:r>
+              <a:rPr lang="en-AU" dirty="0" err="1"/>
+              <a:t>commandLine</a:t>
+            </a:r>
+            <a:r>
+              <a:rPr lang="en-AU" dirty="0"/>
+              <a:t> section of event logs for </a:t>
+            </a:r>
+            <a:r>
+              <a:rPr lang="en-AU" dirty="0" err="1"/>
+              <a:t>PsExec</a:t>
+            </a:r>
+            <a:r>
+              <a:rPr lang="en-AU" dirty="0"/>
+              <a:t> and </a:t>
+            </a:r>
+            <a:r>
+              <a:rPr lang="en-AU" dirty="0" err="1"/>
+              <a:t>accepteula</a:t>
+            </a:r>
+            <a:endParaRPr lang="en-AU" dirty="0"/>
+          </a:p>
+          <a:p>
+            <a:endParaRPr lang="en-AU" dirty="0"/>
+          </a:p>
+        </p:txBody>
+      </p:sp>
+      <p:pic>
+        <p:nvPicPr>
+          <p:cNvPr id="5" name="Picture 4">
+            <a:extLst>
+              <a:ext uri="{FF2B5EF4-FFF2-40B4-BE49-F238E27FC236}">
+                <a16:creationId xmlns:a16="http://schemas.microsoft.com/office/drawing/2014/main" id="{6B079AB9-CC2C-68E0-E460-F28CBED81C22}"/>
+              </a:ext>
+            </a:extLst>
+          </p:cNvPr>
+          <p:cNvPicPr>
+            <a:picLocks noChangeAspect="1"/>
+          </p:cNvPicPr>
+          <p:nvPr/>
+        </p:nvPicPr>
+        <p:blipFill>
+          <a:blip r:embed="rId4"/>
+          <a:stretch>
+            <a:fillRect/>
+          </a:stretch>
+        </p:blipFill>
+        <p:spPr>
+          <a:xfrm>
+            <a:off x="99588" y="5253131"/>
+            <a:ext cx="12011547" cy="1058769"/>
+          </a:xfrm>
+          <a:prstGeom prst="rect">
+            <a:avLst/>
+          </a:prstGeom>
+        </p:spPr>
+      </p:pic>
     </p:spTree>
     <p:extLst>
       <p:ext uri="{BB962C8B-B14F-4D97-AF65-F5344CB8AC3E}">

--- a/evidence.pptx
+++ b/evidence.pptx
@@ -10,7 +10,8 @@
     <p:sldId id="259" r:id="rId4"/>
     <p:sldId id="260" r:id="rId5"/>
     <p:sldId id="261" r:id="rId6"/>
-    <p:sldId id="258" r:id="rId7"/>
+    <p:sldId id="262" r:id="rId7"/>
+    <p:sldId id="258" r:id="rId8"/>
   </p:sldIdLst>
   <p:sldSz cx="12192000" cy="6858000"/>
   <p:notesSz cx="6858000" cy="9144000"/>
@@ -4097,7 +4098,7 @@
             <p:ph idx="1"/>
             <p:extLst>
               <p:ext uri="{D42A27DB-BD31-4B8C-83A1-F6EECF244321}">
-                <p14:modId xmlns:p14="http://schemas.microsoft.com/office/powerpoint/2010/main" val="3960146532"/>
+                <p14:modId xmlns:p14="http://schemas.microsoft.com/office/powerpoint/2010/main" val="2965059544"/>
               </p:ext>
             </p:extLst>
           </p:nvPr>
@@ -4871,6 +4872,12 @@
           <a:lstStyle/>
           <a:p>
             <a:r>
+              <a:rPr lang="en-AU" sz="4400" b="0" dirty="0">
+                <a:hlinkClick r:id="rId2"/>
+              </a:rPr>
+              <a:t>T1570 </a:t>
+            </a:r>
+            <a:r>
               <a:rPr lang="en-AU" dirty="0" err="1"/>
               <a:t>PsExec</a:t>
             </a:r>
@@ -4925,7 +4932,7 @@
             </a:r>
             <a:r>
               <a:rPr lang="en-AU" dirty="0">
-                <a:hlinkClick r:id="rId2"/>
+                <a:hlinkClick r:id="rId3"/>
               </a:rPr>
               <a:t>here</a:t>
             </a:r>
@@ -4937,7 +4944,7 @@
           <a:p>
             <a:r>
               <a:rPr lang="en-AU" sz="2800" b="0" dirty="0">
-                <a:hlinkClick r:id="rId3"/>
+                <a:hlinkClick r:id="rId2"/>
               </a:rPr>
               <a:t>T1570</a:t>
             </a:r>
@@ -5070,6 +5077,152 @@
 </file>
 
 <file path=ppt/slides/slide6.xml><?xml version="1.0" encoding="utf-8"?>
+<p:sld xmlns:a="http://schemas.openxmlformats.org/drawingml/2006/main" xmlns:r="http://schemas.openxmlformats.org/officeDocument/2006/relationships" xmlns:p="http://schemas.openxmlformats.org/presentationml/2006/main">
+  <p:cSld>
+    <p:spTree>
+      <p:nvGrpSpPr>
+        <p:cNvPr id="1" name=""/>
+        <p:cNvGrpSpPr/>
+        <p:nvPr/>
+      </p:nvGrpSpPr>
+      <p:grpSpPr>
+        <a:xfrm>
+          <a:off x="0" y="0"/>
+          <a:ext cx="0" cy="0"/>
+          <a:chOff x="0" y="0"/>
+          <a:chExt cx="0" cy="0"/>
+        </a:xfrm>
+      </p:grpSpPr>
+      <p:sp>
+        <p:nvSpPr>
+          <p:cNvPr id="2" name="Title 1">
+            <a:extLst>
+              <a:ext uri="{FF2B5EF4-FFF2-40B4-BE49-F238E27FC236}">
+                <a16:creationId xmlns:a16="http://schemas.microsoft.com/office/drawing/2014/main" id="{C79178F3-F4BA-D0D3-3A46-E78A7247D7C8}"/>
+              </a:ext>
+            </a:extLst>
+          </p:cNvPr>
+          <p:cNvSpPr>
+            <a:spLocks noGrp="1"/>
+          </p:cNvSpPr>
+          <p:nvPr>
+            <p:ph type="title"/>
+          </p:nvPr>
+        </p:nvSpPr>
+        <p:spPr/>
+        <p:txBody>
+          <a:bodyPr/>
+          <a:lstStyle/>
+          <a:p>
+            <a:r>
+              <a:rPr lang="en-AU" sz="4400" b="0" dirty="0">
+                <a:hlinkClick r:id="rId2"/>
+              </a:rPr>
+              <a:t>T1033 </a:t>
+            </a:r>
+            <a:r>
+              <a:rPr lang="en-AU" sz="4400" b="0" dirty="0"/>
+              <a:t> </a:t>
+            </a:r>
+            <a:r>
+              <a:rPr lang="en-AU" dirty="0"/>
+              <a:t>Net Use</a:t>
+            </a:r>
+          </a:p>
+        </p:txBody>
+      </p:sp>
+      <p:sp>
+        <p:nvSpPr>
+          <p:cNvPr id="3" name="Content Placeholder 2">
+            <a:extLst>
+              <a:ext uri="{FF2B5EF4-FFF2-40B4-BE49-F238E27FC236}">
+                <a16:creationId xmlns:a16="http://schemas.microsoft.com/office/drawing/2014/main" id="{028EF4B6-CB90-54BF-23B5-0ED9C0E7D91E}"/>
+              </a:ext>
+            </a:extLst>
+          </p:cNvPr>
+          <p:cNvSpPr>
+            <a:spLocks noGrp="1"/>
+          </p:cNvSpPr>
+          <p:nvPr>
+            <p:ph idx="1"/>
+          </p:nvPr>
+        </p:nvSpPr>
+        <p:spPr/>
+        <p:txBody>
+          <a:bodyPr>
+            <a:normAutofit/>
+          </a:bodyPr>
+          <a:lstStyle/>
+          <a:p>
+            <a:r>
+              <a:rPr lang="en-GB" sz="1600" dirty="0"/>
+              <a:t>net use \\[computer name]  /user:[domain]\[user] [password] /</a:t>
+            </a:r>
+            <a:r>
+              <a:rPr lang="en-GB" sz="1600" dirty="0" err="1"/>
+              <a:t>persistent:no</a:t>
+            </a:r>
+            <a:r>
+              <a:rPr lang="en-GB" sz="1600" dirty="0"/>
+              <a:t> </a:t>
+            </a:r>
+          </a:p>
+          <a:p>
+            <a:r>
+              <a:rPr lang="en-AU" sz="1600" dirty="0" err="1"/>
+              <a:t>BlackCat</a:t>
+            </a:r>
+            <a:r>
+              <a:rPr lang="en-AU" sz="1600" dirty="0"/>
+              <a:t> uses the net use command to connect to remote drives, this command is slightly more likely to be used by legitimate process or users so there may be some false positives. To reduce false positives the </a:t>
+            </a:r>
+            <a:r>
+              <a:rPr lang="en-AU" sz="1600" dirty="0" err="1"/>
+              <a:t>wazuh</a:t>
+            </a:r>
+            <a:r>
+              <a:rPr lang="en-AU" sz="1600" dirty="0"/>
+              <a:t> rule will look for net use and /</a:t>
+            </a:r>
+            <a:r>
+              <a:rPr lang="en-AU" sz="1600" dirty="0" err="1"/>
+              <a:t>persistent:no</a:t>
+            </a:r>
+            <a:r>
+              <a:rPr lang="en-AU" sz="1600" dirty="0"/>
+              <a:t> it is unlikely for a user adding a network drive to specifically turn persistence off. If that’s the case its still worth raising an alert.</a:t>
+            </a:r>
+          </a:p>
+          <a:p>
+            <a:r>
+              <a:rPr lang="en-AU" sz="1600" dirty="0"/>
+              <a:t>In order to reduce the possibility of command being formatted in a way that prevents detection our </a:t>
+            </a:r>
+            <a:r>
+              <a:rPr lang="en-AU" sz="1600" dirty="0" err="1"/>
+              <a:t>wazuh</a:t>
+            </a:r>
+            <a:r>
+              <a:rPr lang="en-AU" sz="1600" dirty="0"/>
+              <a:t> rule will look for a command that has “net use”, “persistent” and “no” in the command. </a:t>
+            </a:r>
+          </a:p>
+        </p:txBody>
+      </p:sp>
+    </p:spTree>
+    <p:extLst>
+      <p:ext uri="{BB962C8B-B14F-4D97-AF65-F5344CB8AC3E}">
+        <p14:creationId xmlns:p14="http://schemas.microsoft.com/office/powerpoint/2010/main" val="2786465426"/>
+      </p:ext>
+    </p:extLst>
+  </p:cSld>
+  <p:clrMapOvr>
+    <a:masterClrMapping/>
+  </p:clrMapOvr>
+</p:sld>
+</file>
+
+<file path=ppt/slides/slide7.xml><?xml version="1.0" encoding="utf-8"?>
 <p:sld xmlns:a="http://schemas.openxmlformats.org/drawingml/2006/main" xmlns:r="http://schemas.openxmlformats.org/officeDocument/2006/relationships" xmlns:p="http://schemas.openxmlformats.org/presentationml/2006/main">
   <p:cSld>
     <p:spTree>

--- a/evidence.pptx
+++ b/evidence.pptx
@@ -5209,6 +5209,36 @@
           </a:p>
         </p:txBody>
       </p:sp>
+      <p:pic>
+        <p:nvPicPr>
+          <p:cNvPr id="5" name="Picture 4">
+            <a:extLst>
+              <a:ext uri="{FF2B5EF4-FFF2-40B4-BE49-F238E27FC236}">
+                <a16:creationId xmlns:a16="http://schemas.microsoft.com/office/drawing/2014/main" id="{74B76C74-CA74-D752-BBAD-244E56D80AC1}"/>
+              </a:ext>
+            </a:extLst>
+          </p:cNvPr>
+          <p:cNvPicPr>
+            <a:picLocks noChangeAspect="1"/>
+          </p:cNvPicPr>
+          <p:nvPr/>
+        </p:nvPicPr>
+        <p:blipFill>
+          <a:blip r:embed="rId3"/>
+          <a:stretch>
+            <a:fillRect/>
+          </a:stretch>
+        </p:blipFill>
+        <p:spPr>
+          <a:xfrm>
+            <a:off x="0" y="3814912"/>
+            <a:ext cx="12192000" cy="912120"/>
+          </a:xfrm>
+          <a:prstGeom prst="rect">
+            <a:avLst/>
+          </a:prstGeom>
+        </p:spPr>
+      </p:pic>
     </p:spTree>
     <p:extLst>
       <p:ext uri="{BB962C8B-B14F-4D97-AF65-F5344CB8AC3E}">

--- a/evidence.pptx
+++ b/evidence.pptx
@@ -5211,10 +5211,10 @@
       </p:sp>
       <p:pic>
         <p:nvPicPr>
-          <p:cNvPr id="5" name="Picture 4">
-            <a:extLst>
-              <a:ext uri="{FF2B5EF4-FFF2-40B4-BE49-F238E27FC236}">
-                <a16:creationId xmlns:a16="http://schemas.microsoft.com/office/drawing/2014/main" id="{74B76C74-CA74-D752-BBAD-244E56D80AC1}"/>
+          <p:cNvPr id="7" name="Picture 6">
+            <a:extLst>
+              <a:ext uri="{FF2B5EF4-FFF2-40B4-BE49-F238E27FC236}">
+                <a16:creationId xmlns:a16="http://schemas.microsoft.com/office/drawing/2014/main" id="{40A9D5B4-A4FF-480D-3779-54C07961CE15}"/>
               </a:ext>
             </a:extLst>
           </p:cNvPr>
@@ -5231,8 +5231,8 @@
         </p:blipFill>
         <p:spPr>
           <a:xfrm>
-            <a:off x="0" y="3814912"/>
-            <a:ext cx="12192000" cy="912120"/>
+            <a:off x="0" y="3753495"/>
+            <a:ext cx="12192000" cy="1071170"/>
           </a:xfrm>
           <a:prstGeom prst="rect">
             <a:avLst/>

--- a/evidence.pptx
+++ b/evidence.pptx
@@ -11,7 +11,8 @@
     <p:sldId id="260" r:id="rId5"/>
     <p:sldId id="261" r:id="rId6"/>
     <p:sldId id="262" r:id="rId7"/>
-    <p:sldId id="258" r:id="rId8"/>
+    <p:sldId id="263" r:id="rId8"/>
+    <p:sldId id="258" r:id="rId9"/>
   </p:sldIdLst>
   <p:sldSz cx="12192000" cy="6858000"/>
   <p:notesSz cx="6858000" cy="9144000"/>
@@ -5274,6 +5275,211 @@
           <p:cNvPr id="2" name="Title 1">
             <a:extLst>
               <a:ext uri="{FF2B5EF4-FFF2-40B4-BE49-F238E27FC236}">
+                <a16:creationId xmlns:a16="http://schemas.microsoft.com/office/drawing/2014/main" id="{F4A4AB63-F8E5-04BB-8FD8-C35283288B2E}"/>
+              </a:ext>
+            </a:extLst>
+          </p:cNvPr>
+          <p:cNvSpPr>
+            <a:spLocks noGrp="1"/>
+          </p:cNvSpPr>
+          <p:nvPr>
+            <p:ph type="title"/>
+          </p:nvPr>
+        </p:nvSpPr>
+        <p:spPr/>
+        <p:txBody>
+          <a:bodyPr/>
+          <a:lstStyle/>
+          <a:p>
+            <a:r>
+              <a:rPr lang="en-AU" sz="4400" b="0" dirty="0">
+                <a:hlinkClick r:id="rId2"/>
+              </a:rPr>
+              <a:t>T1070.001</a:t>
+            </a:r>
+            <a:r>
+              <a:rPr lang="en-AU" sz="4400" b="0" dirty="0"/>
+              <a:t> </a:t>
+            </a:r>
+            <a:r>
+              <a:rPr lang="en-AU" sz="4400" dirty="0"/>
+              <a:t>wevtutil.exe</a:t>
+            </a:r>
+            <a:endParaRPr lang="en-AU" dirty="0"/>
+          </a:p>
+        </p:txBody>
+      </p:sp>
+      <p:sp>
+        <p:nvSpPr>
+          <p:cNvPr id="3" name="Content Placeholder 2">
+            <a:extLst>
+              <a:ext uri="{FF2B5EF4-FFF2-40B4-BE49-F238E27FC236}">
+                <a16:creationId xmlns:a16="http://schemas.microsoft.com/office/drawing/2014/main" id="{755FC6F4-DB97-96DB-148F-F1DFBECB7C4C}"/>
+              </a:ext>
+            </a:extLst>
+          </p:cNvPr>
+          <p:cNvSpPr>
+            <a:spLocks noGrp="1"/>
+          </p:cNvSpPr>
+          <p:nvPr>
+            <p:ph idx="1"/>
+          </p:nvPr>
+        </p:nvSpPr>
+        <p:spPr/>
+        <p:txBody>
+          <a:bodyPr>
+            <a:normAutofit fontScale="92500" lnSpcReduction="20000"/>
+          </a:bodyPr>
+          <a:lstStyle/>
+          <a:p>
+            <a:r>
+              <a:rPr lang="en-AU" sz="2800" dirty="0"/>
+              <a:t>for /F \”tokens=*\” %1 in (‘wevtutil.exe </a:t>
+            </a:r>
+            <a:r>
+              <a:rPr lang="en-AU" sz="2800" dirty="0" err="1"/>
+              <a:t>el</a:t>
+            </a:r>
+            <a:r>
+              <a:rPr lang="en-AU" sz="2800" dirty="0"/>
+              <a:t>’) DO wevtutil.exe cl \”%1\”</a:t>
+            </a:r>
+          </a:p>
+          <a:p>
+            <a:r>
+              <a:rPr lang="en-AU" dirty="0"/>
+              <a:t>This command doesn’t in the testing environment however in </a:t>
+            </a:r>
+            <a:r>
+              <a:rPr lang="en-AU" dirty="0" err="1"/>
+              <a:t>powershell</a:t>
+            </a:r>
+            <a:r>
+              <a:rPr lang="en-AU" dirty="0"/>
+              <a:t> you can achieve the same outcome using </a:t>
+            </a:r>
+            <a:r>
+              <a:rPr lang="en-AU" dirty="0" err="1"/>
+              <a:t>wevtutil</a:t>
+            </a:r>
+            <a:r>
+              <a:rPr lang="en-AU" dirty="0"/>
+              <a:t> witch this command.</a:t>
+            </a:r>
+          </a:p>
+          <a:p>
+            <a:r>
+              <a:rPr lang="en-AU" dirty="0" err="1"/>
+              <a:t>wevtutil</a:t>
+            </a:r>
+            <a:r>
+              <a:rPr lang="en-AU" dirty="0"/>
+              <a:t> </a:t>
+            </a:r>
+            <a:r>
+              <a:rPr lang="en-AU" dirty="0" err="1"/>
+              <a:t>el</a:t>
+            </a:r>
+            <a:r>
+              <a:rPr lang="en-AU" dirty="0"/>
+              <a:t> | Foreach-Object {</a:t>
+            </a:r>
+            <a:r>
+              <a:rPr lang="en-AU" dirty="0" err="1"/>
+              <a:t>wevtutil</a:t>
+            </a:r>
+            <a:r>
+              <a:rPr lang="en-AU" dirty="0"/>
+              <a:t> cl "$_"}</a:t>
+            </a:r>
+          </a:p>
+          <a:p>
+            <a:r>
+              <a:rPr lang="en-AU" dirty="0"/>
+              <a:t>Despite it clearing logs Sysmon will still catch it until it fully clears the logs allowing </a:t>
+            </a:r>
+            <a:r>
+              <a:rPr lang="en-AU" dirty="0" err="1"/>
+              <a:t>Wazuh</a:t>
+            </a:r>
+            <a:r>
+              <a:rPr lang="en-AU" dirty="0"/>
+              <a:t> to generate a alert.</a:t>
+            </a:r>
+          </a:p>
+          <a:p>
+            <a:r>
+              <a:rPr lang="en-AU" dirty="0"/>
+              <a:t>You can prevent the logs from being cleared either by group policy from the domain controller. This can be circumvented sometimes if the user or </a:t>
+            </a:r>
+            <a:r>
+              <a:rPr lang="en-AU" dirty="0" err="1"/>
+              <a:t>BlackCat</a:t>
+            </a:r>
+            <a:r>
+              <a:rPr lang="en-AU" dirty="0"/>
+              <a:t> can edit the registry they could undo the domain controller action then quickly remove logs before the group policy is updated again. </a:t>
+            </a:r>
+          </a:p>
+          <a:p>
+            <a:r>
+              <a:rPr lang="en-AU" dirty="0"/>
+              <a:t>A better solution would be some kind of remote logging server where logs are forwarded to. In this case the logs are forwarded to </a:t>
+            </a:r>
+            <a:r>
+              <a:rPr lang="en-AU" dirty="0" err="1"/>
+              <a:t>Wazuh</a:t>
+            </a:r>
+            <a:r>
+              <a:rPr lang="en-AU" dirty="0"/>
+              <a:t> </a:t>
+            </a:r>
+            <a:r>
+              <a:rPr lang="en-AU"/>
+              <a:t>and an </a:t>
+            </a:r>
+            <a:r>
+              <a:rPr lang="en-AU" dirty="0"/>
+              <a:t>event is triggered</a:t>
+            </a:r>
+          </a:p>
+        </p:txBody>
+      </p:sp>
+    </p:spTree>
+    <p:extLst>
+      <p:ext uri="{BB962C8B-B14F-4D97-AF65-F5344CB8AC3E}">
+        <p14:creationId xmlns:p14="http://schemas.microsoft.com/office/powerpoint/2010/main" val="2586304787"/>
+      </p:ext>
+    </p:extLst>
+  </p:cSld>
+  <p:clrMapOvr>
+    <a:masterClrMapping/>
+  </p:clrMapOvr>
+</p:sld>
+</file>
+
+<file path=ppt/slides/slide8.xml><?xml version="1.0" encoding="utf-8"?>
+<p:sld xmlns:a="http://schemas.openxmlformats.org/drawingml/2006/main" xmlns:r="http://schemas.openxmlformats.org/officeDocument/2006/relationships" xmlns:p="http://schemas.openxmlformats.org/presentationml/2006/main">
+  <p:cSld>
+    <p:spTree>
+      <p:nvGrpSpPr>
+        <p:cNvPr id="1" name=""/>
+        <p:cNvGrpSpPr/>
+        <p:nvPr/>
+      </p:nvGrpSpPr>
+      <p:grpSpPr>
+        <a:xfrm>
+          <a:off x="0" y="0"/>
+          <a:ext cx="0" cy="0"/>
+          <a:chOff x="0" y="0"/>
+          <a:chExt cx="0" cy="0"/>
+        </a:xfrm>
+      </p:grpSpPr>
+      <p:sp>
+        <p:nvSpPr>
+          <p:cNvPr id="2" name="Title 1">
+            <a:extLst>
+              <a:ext uri="{FF2B5EF4-FFF2-40B4-BE49-F238E27FC236}">
                 <a16:creationId xmlns:a16="http://schemas.microsoft.com/office/drawing/2014/main" id="{E8BA4E43-19C5-02C9-ED26-8AF7FED21CED}"/>
               </a:ext>
             </a:extLst>

--- a/evidence.pptx
+++ b/evidence.pptx
@@ -5432,15 +5432,7 @@
             </a:r>
             <a:r>
               <a:rPr lang="en-AU" dirty="0"/>
-              <a:t> </a:t>
-            </a:r>
-            <a:r>
-              <a:rPr lang="en-AU"/>
-              <a:t>and an </a:t>
-            </a:r>
-            <a:r>
-              <a:rPr lang="en-AU" dirty="0"/>
-              <a:t>event is triggered</a:t>
+              <a:t> and an event is triggered</a:t>
             </a:r>
           </a:p>
         </p:txBody>

--- a/evidence.pptx
+++ b/evidence.pptx
@@ -8,11 +8,12 @@
     <p:sldId id="256" r:id="rId2"/>
     <p:sldId id="257" r:id="rId3"/>
     <p:sldId id="259" r:id="rId4"/>
-    <p:sldId id="260" r:id="rId5"/>
+    <p:sldId id="262" r:id="rId5"/>
     <p:sldId id="261" r:id="rId6"/>
-    <p:sldId id="262" r:id="rId7"/>
-    <p:sldId id="263" r:id="rId8"/>
-    <p:sldId id="258" r:id="rId9"/>
+    <p:sldId id="263" r:id="rId7"/>
+    <p:sldId id="264" r:id="rId8"/>
+    <p:sldId id="260" r:id="rId9"/>
+    <p:sldId id="258" r:id="rId10"/>
   </p:sldIdLst>
   <p:sldSz cx="12192000" cy="6858000"/>
   <p:notesSz cx="6858000" cy="9144000"/>
@@ -4558,7 +4559,7 @@
           <p:cNvPr id="2" name="Title 1">
             <a:extLst>
               <a:ext uri="{FF2B5EF4-FFF2-40B4-BE49-F238E27FC236}">
-                <a16:creationId xmlns:a16="http://schemas.microsoft.com/office/drawing/2014/main" id="{90A4C70D-8AB6-3412-A9E3-594A7DAD279D}"/>
+                <a16:creationId xmlns:a16="http://schemas.microsoft.com/office/drawing/2014/main" id="{C79178F3-F4BA-D0D3-3A46-E78A7247D7C8}"/>
               </a:ext>
             </a:extLst>
           </p:cNvPr>
@@ -4575,23 +4576,97 @@
           <a:lstStyle/>
           <a:p>
             <a:r>
-              <a:rPr lang="en-AU" sz="4400" dirty="0">
+              <a:rPr lang="en-AU" sz="4400" b="0" dirty="0">
                 <a:hlinkClick r:id="rId2"/>
               </a:rPr>
-              <a:t>T1490</a:t>
-            </a:r>
-            <a:r>
-              <a:rPr lang="en-AU" sz="4400" dirty="0"/>
+              <a:t>T1033 </a:t>
+            </a:r>
+            <a:r>
+              <a:rPr lang="en-AU" sz="4400" b="0" dirty="0"/>
               <a:t> </a:t>
             </a:r>
             <a:r>
               <a:rPr lang="en-AU" dirty="0"/>
-              <a:t>Inhibit System Recovery </a:t>
-            </a:r>
-            <a:br>
-              <a:rPr lang="en-AU" dirty="0"/>
-            </a:br>
-            <a:endParaRPr lang="en-AU" dirty="0"/>
+              <a:t>Net Use</a:t>
+            </a:r>
+          </a:p>
+        </p:txBody>
+      </p:sp>
+      <p:sp>
+        <p:nvSpPr>
+          <p:cNvPr id="3" name="Content Placeholder 2">
+            <a:extLst>
+              <a:ext uri="{FF2B5EF4-FFF2-40B4-BE49-F238E27FC236}">
+                <a16:creationId xmlns:a16="http://schemas.microsoft.com/office/drawing/2014/main" id="{028EF4B6-CB90-54BF-23B5-0ED9C0E7D91E}"/>
+              </a:ext>
+            </a:extLst>
+          </p:cNvPr>
+          <p:cNvSpPr>
+            <a:spLocks noGrp="1"/>
+          </p:cNvSpPr>
+          <p:nvPr>
+            <p:ph idx="1"/>
+          </p:nvPr>
+        </p:nvSpPr>
+        <p:spPr/>
+        <p:txBody>
+          <a:bodyPr>
+            <a:normAutofit/>
+          </a:bodyPr>
+          <a:lstStyle/>
+          <a:p>
+            <a:r>
+              <a:rPr lang="en-GB" sz="1600" dirty="0"/>
+              <a:t>net use \\[computer name]  /user:[domain]\[user] [password] /</a:t>
+            </a:r>
+            <a:r>
+              <a:rPr lang="en-GB" sz="1600" dirty="0" err="1"/>
+              <a:t>persistent:no</a:t>
+            </a:r>
+            <a:r>
+              <a:rPr lang="en-GB" sz="1600" dirty="0"/>
+              <a:t> </a:t>
+            </a:r>
+          </a:p>
+          <a:p>
+            <a:r>
+              <a:rPr lang="en-AU" sz="1600" dirty="0" err="1"/>
+              <a:t>BlackCat</a:t>
+            </a:r>
+            <a:r>
+              <a:rPr lang="en-AU" sz="1600" dirty="0"/>
+              <a:t> uses the net use command to connect to remote drives, this command is slightly more likely to be used by legitimate process or users so there may be some false positives. To reduce false positives the </a:t>
+            </a:r>
+            <a:r>
+              <a:rPr lang="en-AU" sz="1600" dirty="0" err="1"/>
+              <a:t>wazuh</a:t>
+            </a:r>
+            <a:r>
+              <a:rPr lang="en-AU" sz="1600" dirty="0"/>
+              <a:t> rule will look for net use and /</a:t>
+            </a:r>
+            <a:r>
+              <a:rPr lang="en-AU" sz="1600" dirty="0" err="1"/>
+              <a:t>persistent:no</a:t>
+            </a:r>
+            <a:r>
+              <a:rPr lang="en-AU" sz="1600" dirty="0"/>
+              <a:t> it is unlikely for a user adding a network drive to specifically turn persistence off. If that’s the case its still worth raising an alert.</a:t>
+            </a:r>
+          </a:p>
+          <a:p>
+            <a:r>
+              <a:rPr lang="en-AU" sz="1600" dirty="0"/>
+              <a:t>In order to reduce the possibility of command being formatted in a way that prevents detection our </a:t>
+            </a:r>
+            <a:r>
+              <a:rPr lang="en-AU" sz="1600" dirty="0" err="1"/>
+              <a:t>wazuh</a:t>
+            </a:r>
+            <a:r>
+              <a:rPr lang="en-AU" sz="1600" dirty="0"/>
+              <a:t> rule will look for a command that has “net use”, “persistent” and “no” in the command. </a:t>
+            </a:r>
           </a:p>
         </p:txBody>
       </p:sp>
@@ -4600,7 +4675,7 @@
           <p:cNvPr id="7" name="Picture 6">
             <a:extLst>
               <a:ext uri="{FF2B5EF4-FFF2-40B4-BE49-F238E27FC236}">
-                <a16:creationId xmlns:a16="http://schemas.microsoft.com/office/drawing/2014/main" id="{C5CAD526-2F0C-9002-D56D-89F78705607C}"/>
+                <a16:creationId xmlns:a16="http://schemas.microsoft.com/office/drawing/2014/main" id="{40A9D5B4-A4FF-480D-3779-54C07961CE15}"/>
               </a:ext>
             </a:extLst>
           </p:cNvPr>
@@ -4617,204 +4692,8 @@
         </p:blipFill>
         <p:spPr>
           <a:xfrm>
-            <a:off x="0" y="1690688"/>
-            <a:ext cx="2876498" cy="2885991"/>
-          </a:xfrm>
-          <a:prstGeom prst="rect">
-            <a:avLst/>
-          </a:prstGeom>
-        </p:spPr>
-      </p:pic>
-      <p:sp>
-        <p:nvSpPr>
-          <p:cNvPr id="8" name="TextBox 7">
-            <a:extLst>
-              <a:ext uri="{FF2B5EF4-FFF2-40B4-BE49-F238E27FC236}">
-                <a16:creationId xmlns:a16="http://schemas.microsoft.com/office/drawing/2014/main" id="{4EB107DB-0E5E-BC67-894E-ECA2C1DA86E0}"/>
-              </a:ext>
-            </a:extLst>
-          </p:cNvPr>
-          <p:cNvSpPr txBox="1"/>
-          <p:nvPr/>
-        </p:nvSpPr>
-        <p:spPr>
-          <a:xfrm>
-            <a:off x="0" y="1044357"/>
-            <a:ext cx="3902330" cy="646331"/>
-          </a:xfrm>
-          <a:prstGeom prst="rect">
-            <a:avLst/>
-          </a:prstGeom>
-          <a:noFill/>
-        </p:spPr>
-        <p:txBody>
-          <a:bodyPr wrap="square" rtlCol="0">
-            <a:spAutoFit/>
-          </a:bodyPr>
-          <a:lstStyle/>
-          <a:p>
-            <a:r>
-              <a:rPr lang="en-AU" dirty="0"/>
-              <a:t>Had to enable shadow copies first for the attack to be successful</a:t>
-            </a:r>
-          </a:p>
-        </p:txBody>
-      </p:sp>
-      <p:sp>
-        <p:nvSpPr>
-          <p:cNvPr id="10" name="TextBox 9">
-            <a:extLst>
-              <a:ext uri="{FF2B5EF4-FFF2-40B4-BE49-F238E27FC236}">
-                <a16:creationId xmlns:a16="http://schemas.microsoft.com/office/drawing/2014/main" id="{5265D93B-6C0D-C8AF-DE91-12FFFF79CDCC}"/>
-              </a:ext>
-            </a:extLst>
-          </p:cNvPr>
-          <p:cNvSpPr txBox="1"/>
-          <p:nvPr/>
-        </p:nvSpPr>
-        <p:spPr>
-          <a:xfrm>
-            <a:off x="5097102" y="1216041"/>
-            <a:ext cx="4309449" cy="3693319"/>
-          </a:xfrm>
-          <a:prstGeom prst="rect">
-            <a:avLst/>
-          </a:prstGeom>
-          <a:noFill/>
-        </p:spPr>
-        <p:txBody>
-          <a:bodyPr wrap="square">
-            <a:spAutoFit/>
-          </a:bodyPr>
-          <a:lstStyle/>
-          <a:p>
-            <a:r>
-              <a:rPr lang="en-AU" sz="1800" b="0" dirty="0"/>
-              <a:t>vssadmin.exe delete shadows /all /quiet</a:t>
-            </a:r>
-            <a:br>
-              <a:rPr lang="en-AU" sz="1800" b="0" dirty="0"/>
-            </a:br>
-            <a:r>
-              <a:rPr lang="en-AU" sz="1800" b="0" dirty="0"/>
-              <a:t>wmic.exe </a:t>
-            </a:r>
-            <a:r>
-              <a:rPr lang="en-AU" sz="1800" b="0" dirty="0" err="1"/>
-              <a:t>Shadowcopy</a:t>
-            </a:r>
-            <a:r>
-              <a:rPr lang="en-AU" sz="1800" b="0" dirty="0"/>
-              <a:t> Delete</a:t>
-            </a:r>
-          </a:p>
-          <a:p>
-            <a:r>
-              <a:rPr lang="en-AU" sz="1800" b="0" dirty="0" err="1"/>
-              <a:t>bcdedit</a:t>
-            </a:r>
-            <a:r>
-              <a:rPr lang="en-AU" sz="1800" b="0" dirty="0"/>
-              <a:t> /set {default} </a:t>
-            </a:r>
-            <a:r>
-              <a:rPr lang="en-AU" sz="1800" b="0" dirty="0" err="1"/>
-              <a:t>recoveryenabled</a:t>
-            </a:r>
-            <a:r>
-              <a:rPr lang="en-AU" sz="1800" b="0" dirty="0"/>
-              <a:t> No</a:t>
-            </a:r>
-            <a:br>
-              <a:rPr lang="en-AU" sz="1800" b="0" dirty="0"/>
-            </a:br>
-            <a:endParaRPr lang="en-AU" sz="1800" b="0" dirty="0"/>
-          </a:p>
-          <a:p>
-            <a:r>
-              <a:rPr lang="en-AU" dirty="0"/>
-              <a:t>Each command will trigger a event in </a:t>
-            </a:r>
-            <a:r>
-              <a:rPr lang="en-AU" dirty="0" err="1"/>
-              <a:t>wazuh</a:t>
-            </a:r>
-            <a:r>
-              <a:rPr lang="en-AU" dirty="0"/>
-              <a:t> under these conditions</a:t>
-            </a:r>
-          </a:p>
-          <a:p>
-            <a:r>
-              <a:rPr lang="en-AU" dirty="0"/>
-              <a:t>1. if vssadmin.exe and delete are called in the same command.</a:t>
-            </a:r>
-          </a:p>
-          <a:p>
-            <a:r>
-              <a:rPr lang="en-AU" dirty="0"/>
-              <a:t>2. If wmic.exe, </a:t>
-            </a:r>
-            <a:r>
-              <a:rPr lang="en-AU" dirty="0" err="1"/>
-              <a:t>shadowcopy</a:t>
-            </a:r>
-            <a:r>
-              <a:rPr lang="en-AU" dirty="0"/>
-              <a:t> and delete are called in the same command.</a:t>
-            </a:r>
-          </a:p>
-          <a:p>
-            <a:r>
-              <a:rPr lang="en-AU" dirty="0"/>
-              <a:t>3. If </a:t>
-            </a:r>
-            <a:r>
-              <a:rPr lang="en-AU" dirty="0" err="1"/>
-              <a:t>bcdedit</a:t>
-            </a:r>
-            <a:r>
-              <a:rPr lang="en-AU" dirty="0"/>
-              <a:t>, </a:t>
-            </a:r>
-            <a:r>
-              <a:rPr lang="en-AU" dirty="0" err="1"/>
-              <a:t>recoveryenabled</a:t>
-            </a:r>
-            <a:r>
-              <a:rPr lang="en-AU" dirty="0"/>
-              <a:t> and no are called in same command.</a:t>
-            </a:r>
-          </a:p>
-          <a:p>
-            <a:endParaRPr lang="en-AU" dirty="0"/>
-          </a:p>
-        </p:txBody>
-      </p:sp>
-      <p:pic>
-        <p:nvPicPr>
-          <p:cNvPr id="14" name="Picture 13">
-            <a:extLst>
-              <a:ext uri="{FF2B5EF4-FFF2-40B4-BE49-F238E27FC236}">
-                <a16:creationId xmlns:a16="http://schemas.microsoft.com/office/drawing/2014/main" id="{1DE5E57F-91BB-EE7E-2517-AC16D6BD261C}"/>
-              </a:ext>
-            </a:extLst>
-          </p:cNvPr>
-          <p:cNvPicPr>
-            <a:picLocks noChangeAspect="1"/>
-          </p:cNvPicPr>
-          <p:nvPr/>
-        </p:nvPicPr>
-        <p:blipFill>
-          <a:blip r:embed="rId4"/>
-          <a:stretch>
-            <a:fillRect/>
-          </a:stretch>
-        </p:blipFill>
-        <p:spPr>
-          <a:xfrm>
-            <a:off x="625544" y="5015620"/>
-            <a:ext cx="11566456" cy="1842380"/>
+            <a:off x="0" y="3753495"/>
+            <a:ext cx="12192000" cy="1071170"/>
           </a:xfrm>
           <a:prstGeom prst="rect">
             <a:avLst/>
@@ -4824,7 +4703,7 @@
     </p:spTree>
     <p:extLst>
       <p:ext uri="{BB962C8B-B14F-4D97-AF65-F5344CB8AC3E}">
-        <p14:creationId xmlns:p14="http://schemas.microsoft.com/office/powerpoint/2010/main" val="3794003486"/>
+        <p14:creationId xmlns:p14="http://schemas.microsoft.com/office/powerpoint/2010/main" val="2786465426"/>
       </p:ext>
     </p:extLst>
   </p:cSld>
@@ -5099,7 +4978,7 @@
           <p:cNvPr id="2" name="Title 1">
             <a:extLst>
               <a:ext uri="{FF2B5EF4-FFF2-40B4-BE49-F238E27FC236}">
-                <a16:creationId xmlns:a16="http://schemas.microsoft.com/office/drawing/2014/main" id="{C79178F3-F4BA-D0D3-3A46-E78A7247D7C8}"/>
+                <a16:creationId xmlns:a16="http://schemas.microsoft.com/office/drawing/2014/main" id="{F4A4AB63-F8E5-04BB-8FD8-C35283288B2E}"/>
               </a:ext>
             </a:extLst>
           </p:cNvPr>
@@ -5119,131 +4998,152 @@
               <a:rPr lang="en-AU" sz="4400" b="0" dirty="0">
                 <a:hlinkClick r:id="rId2"/>
               </a:rPr>
-              <a:t>T1033 </a:t>
+              <a:t>T1070.001</a:t>
             </a:r>
             <a:r>
               <a:rPr lang="en-AU" sz="4400" b="0" dirty="0"/>
               <a:t> </a:t>
             </a:r>
             <a:r>
+              <a:rPr lang="en-AU" sz="4400" dirty="0"/>
+              <a:t>wevtutil.exe</a:t>
+            </a:r>
+            <a:endParaRPr lang="en-AU" dirty="0"/>
+          </a:p>
+        </p:txBody>
+      </p:sp>
+      <p:sp>
+        <p:nvSpPr>
+          <p:cNvPr id="3" name="Content Placeholder 2">
+            <a:extLst>
+              <a:ext uri="{FF2B5EF4-FFF2-40B4-BE49-F238E27FC236}">
+                <a16:creationId xmlns:a16="http://schemas.microsoft.com/office/drawing/2014/main" id="{755FC6F4-DB97-96DB-148F-F1DFBECB7C4C}"/>
+              </a:ext>
+            </a:extLst>
+          </p:cNvPr>
+          <p:cNvSpPr>
+            <a:spLocks noGrp="1"/>
+          </p:cNvSpPr>
+          <p:nvPr>
+            <p:ph idx="1"/>
+          </p:nvPr>
+        </p:nvSpPr>
+        <p:spPr/>
+        <p:txBody>
+          <a:bodyPr>
+            <a:normAutofit fontScale="85000" lnSpcReduction="20000"/>
+          </a:bodyPr>
+          <a:lstStyle/>
+          <a:p>
+            <a:r>
+              <a:rPr lang="en-AU" sz="2800" dirty="0"/>
+              <a:t>for /F \”tokens=*\” %1 in (‘wevtutil.exe </a:t>
+            </a:r>
+            <a:r>
+              <a:rPr lang="en-AU" sz="2800" dirty="0" err="1"/>
+              <a:t>el</a:t>
+            </a:r>
+            <a:r>
+              <a:rPr lang="en-AU" sz="2800" dirty="0"/>
+              <a:t>’) DO wevtutil.exe cl \”%1\”</a:t>
+            </a:r>
+          </a:p>
+          <a:p>
+            <a:r>
               <a:rPr lang="en-AU" dirty="0"/>
-              <a:t>Net Use</a:t>
-            </a:r>
-          </a:p>
-        </p:txBody>
-      </p:sp>
-      <p:sp>
-        <p:nvSpPr>
-          <p:cNvPr id="3" name="Content Placeholder 2">
-            <a:extLst>
-              <a:ext uri="{FF2B5EF4-FFF2-40B4-BE49-F238E27FC236}">
-                <a16:creationId xmlns:a16="http://schemas.microsoft.com/office/drawing/2014/main" id="{028EF4B6-CB90-54BF-23B5-0ED9C0E7D91E}"/>
-              </a:ext>
-            </a:extLst>
-          </p:cNvPr>
-          <p:cNvSpPr>
-            <a:spLocks noGrp="1"/>
-          </p:cNvSpPr>
-          <p:nvPr>
-            <p:ph idx="1"/>
-          </p:nvPr>
-        </p:nvSpPr>
-        <p:spPr/>
-        <p:txBody>
-          <a:bodyPr>
-            <a:normAutofit/>
-          </a:bodyPr>
-          <a:lstStyle/>
-          <a:p>
-            <a:r>
-              <a:rPr lang="en-GB" sz="1600" dirty="0"/>
-              <a:t>net use \\[computer name]  /user:[domain]\[user] [password] /</a:t>
-            </a:r>
-            <a:r>
-              <a:rPr lang="en-GB" sz="1600" dirty="0" err="1"/>
-              <a:t>persistent:no</a:t>
-            </a:r>
-            <a:r>
-              <a:rPr lang="en-GB" sz="1600" dirty="0"/>
+              <a:t>This command doesn’t work in the testing environment however in </a:t>
+            </a:r>
+            <a:r>
+              <a:rPr lang="en-AU" dirty="0" err="1"/>
+              <a:t>powershell</a:t>
+            </a:r>
+            <a:r>
+              <a:rPr lang="en-AU" dirty="0"/>
+              <a:t> you can achieve the same outcome using </a:t>
+            </a:r>
+            <a:r>
+              <a:rPr lang="en-AU" dirty="0" err="1"/>
+              <a:t>wevtutil</a:t>
+            </a:r>
+            <a:r>
+              <a:rPr lang="en-AU" dirty="0"/>
+              <a:t> with this command.</a:t>
+            </a:r>
+          </a:p>
+          <a:p>
+            <a:r>
+              <a:rPr lang="en-AU" b="1" dirty="0" err="1"/>
+              <a:t>wevtutil</a:t>
+            </a:r>
+            <a:r>
+              <a:rPr lang="en-AU" b="1" dirty="0"/>
               <a:t> </a:t>
             </a:r>
-          </a:p>
-          <a:p>
-            <a:r>
-              <a:rPr lang="en-AU" sz="1600" dirty="0" err="1"/>
+            <a:r>
+              <a:rPr lang="en-AU" b="1" dirty="0" err="1"/>
+              <a:t>el</a:t>
+            </a:r>
+            <a:r>
+              <a:rPr lang="en-AU" b="1" dirty="0"/>
+              <a:t> | Foreach-Object {</a:t>
+            </a:r>
+            <a:r>
+              <a:rPr lang="en-AU" b="1" dirty="0" err="1"/>
+              <a:t>wevtutil</a:t>
+            </a:r>
+            <a:r>
+              <a:rPr lang="en-AU" b="1" dirty="0"/>
+              <a:t> cl "$_"}</a:t>
+            </a:r>
+          </a:p>
+          <a:p>
+            <a:r>
+              <a:rPr lang="en-AU" dirty="0"/>
+              <a:t>Despite it clearing logs Sysmon will still catch it until it fully clears the logs allowing </a:t>
+            </a:r>
+            <a:r>
+              <a:rPr lang="en-AU" dirty="0" err="1"/>
+              <a:t>Wazuh</a:t>
+            </a:r>
+            <a:r>
+              <a:rPr lang="en-AU" dirty="0"/>
+              <a:t> to generate a alert.</a:t>
+            </a:r>
+          </a:p>
+          <a:p>
+            <a:r>
+              <a:rPr lang="en-AU" dirty="0"/>
+              <a:t>You can prevent the logs from being cleared either by group policy from the domain controller. This can be circumvented sometimes if the user or </a:t>
+            </a:r>
+            <a:r>
+              <a:rPr lang="en-AU" dirty="0" err="1"/>
               <a:t>BlackCat</a:t>
             </a:r>
             <a:r>
-              <a:rPr lang="en-AU" sz="1600" dirty="0"/>
-              <a:t> uses the net use command to connect to remote drives, this command is slightly more likely to be used by legitimate process or users so there may be some false positives. To reduce false positives the </a:t>
-            </a:r>
-            <a:r>
-              <a:rPr lang="en-AU" sz="1600" dirty="0" err="1"/>
-              <a:t>wazuh</a:t>
-            </a:r>
-            <a:r>
-              <a:rPr lang="en-AU" sz="1600" dirty="0"/>
-              <a:t> rule will look for net use and /</a:t>
-            </a:r>
-            <a:r>
-              <a:rPr lang="en-AU" sz="1600" dirty="0" err="1"/>
-              <a:t>persistent:no</a:t>
-            </a:r>
-            <a:r>
-              <a:rPr lang="en-AU" sz="1600" dirty="0"/>
-              <a:t> it is unlikely for a user adding a network drive to specifically turn persistence off. If that’s the case its still worth raising an alert.</a:t>
-            </a:r>
-          </a:p>
-          <a:p>
-            <a:r>
-              <a:rPr lang="en-AU" sz="1600" dirty="0"/>
-              <a:t>In order to reduce the possibility of command being formatted in a way that prevents detection our </a:t>
-            </a:r>
-            <a:r>
-              <a:rPr lang="en-AU" sz="1600" dirty="0" err="1"/>
-              <a:t>wazuh</a:t>
-            </a:r>
-            <a:r>
-              <a:rPr lang="en-AU" sz="1600" dirty="0"/>
-              <a:t> rule will look for a command that has “net use”, “persistent” and “no” in the command. </a:t>
-            </a:r>
-          </a:p>
-        </p:txBody>
-      </p:sp>
-      <p:pic>
-        <p:nvPicPr>
-          <p:cNvPr id="7" name="Picture 6">
-            <a:extLst>
-              <a:ext uri="{FF2B5EF4-FFF2-40B4-BE49-F238E27FC236}">
-                <a16:creationId xmlns:a16="http://schemas.microsoft.com/office/drawing/2014/main" id="{40A9D5B4-A4FF-480D-3779-54C07961CE15}"/>
-              </a:ext>
-            </a:extLst>
-          </p:cNvPr>
-          <p:cNvPicPr>
-            <a:picLocks noChangeAspect="1"/>
-          </p:cNvPicPr>
-          <p:nvPr/>
-        </p:nvPicPr>
-        <p:blipFill>
-          <a:blip r:embed="rId3"/>
-          <a:stretch>
-            <a:fillRect/>
-          </a:stretch>
-        </p:blipFill>
-        <p:spPr>
-          <a:xfrm>
-            <a:off x="0" y="3753495"/>
-            <a:ext cx="12192000" cy="1071170"/>
-          </a:xfrm>
-          <a:prstGeom prst="rect">
-            <a:avLst/>
-          </a:prstGeom>
-        </p:spPr>
-      </p:pic>
+              <a:rPr lang="en-AU" dirty="0"/>
+              <a:t> can edit the registry they could undo the domain controller action then quickly remove logs before the group policy is updated again. </a:t>
+            </a:r>
+          </a:p>
+          <a:p>
+            <a:r>
+              <a:rPr lang="en-AU" dirty="0"/>
+              <a:t>A better solution would be some kind of remote logging server where logs are forwarded to. In this case the logs are forwarded to </a:t>
+            </a:r>
+            <a:r>
+              <a:rPr lang="en-AU" dirty="0" err="1"/>
+              <a:t>Wazuh</a:t>
+            </a:r>
+            <a:r>
+              <a:rPr lang="en-AU" dirty="0"/>
+              <a:t> and an event is triggered.</a:t>
+            </a:r>
+          </a:p>
+        </p:txBody>
+      </p:sp>
     </p:spTree>
     <p:extLst>
       <p:ext uri="{BB962C8B-B14F-4D97-AF65-F5344CB8AC3E}">
-        <p14:creationId xmlns:p14="http://schemas.microsoft.com/office/powerpoint/2010/main" val="2786465426"/>
+        <p14:creationId xmlns:p14="http://schemas.microsoft.com/office/powerpoint/2010/main" val="2586304787"/>
       </p:ext>
     </p:extLst>
   </p:cSld>
@@ -5275,7 +5175,7 @@
           <p:cNvPr id="2" name="Title 1">
             <a:extLst>
               <a:ext uri="{FF2B5EF4-FFF2-40B4-BE49-F238E27FC236}">
-                <a16:creationId xmlns:a16="http://schemas.microsoft.com/office/drawing/2014/main" id="{F4A4AB63-F8E5-04BB-8FD8-C35283288B2E}"/>
+                <a16:creationId xmlns:a16="http://schemas.microsoft.com/office/drawing/2014/main" id="{6C6834EE-F25F-8261-B599-A4C507A9F72E}"/>
               </a:ext>
             </a:extLst>
           </p:cNvPr>
@@ -5309,130 +5209,67 @@
           </a:p>
         </p:txBody>
       </p:sp>
-      <p:sp>
-        <p:nvSpPr>
-          <p:cNvPr id="3" name="Content Placeholder 2">
-            <a:extLst>
-              <a:ext uri="{FF2B5EF4-FFF2-40B4-BE49-F238E27FC236}">
-                <a16:creationId xmlns:a16="http://schemas.microsoft.com/office/drawing/2014/main" id="{755FC6F4-DB97-96DB-148F-F1DFBECB7C4C}"/>
-              </a:ext>
-            </a:extLst>
-          </p:cNvPr>
-          <p:cNvSpPr>
-            <a:spLocks noGrp="1"/>
-          </p:cNvSpPr>
-          <p:nvPr>
-            <p:ph idx="1"/>
-          </p:nvPr>
-        </p:nvSpPr>
-        <p:spPr/>
-        <p:txBody>
-          <a:bodyPr>
-            <a:normAutofit fontScale="92500" lnSpcReduction="20000"/>
+      <p:pic>
+        <p:nvPicPr>
+          <p:cNvPr id="5" name="Picture 4">
+            <a:extLst>
+              <a:ext uri="{FF2B5EF4-FFF2-40B4-BE49-F238E27FC236}">
+                <a16:creationId xmlns:a16="http://schemas.microsoft.com/office/drawing/2014/main" id="{0697E70F-04F5-357E-38F2-ED5A4560DE0F}"/>
+              </a:ext>
+            </a:extLst>
+          </p:cNvPr>
+          <p:cNvPicPr>
+            <a:picLocks noChangeAspect="1"/>
+          </p:cNvPicPr>
+          <p:nvPr/>
+        </p:nvPicPr>
+        <p:blipFill>
+          <a:blip r:embed="rId3"/>
+          <a:stretch>
+            <a:fillRect/>
+          </a:stretch>
+        </p:blipFill>
+        <p:spPr>
+          <a:xfrm>
+            <a:off x="0" y="2627280"/>
+            <a:ext cx="12192000" cy="1603439"/>
+          </a:xfrm>
+          <a:prstGeom prst="rect">
+            <a:avLst/>
+          </a:prstGeom>
+        </p:spPr>
+      </p:pic>
+      <p:sp>
+        <p:nvSpPr>
+          <p:cNvPr id="6" name="TextBox 5">
+            <a:extLst>
+              <a:ext uri="{FF2B5EF4-FFF2-40B4-BE49-F238E27FC236}">
+                <a16:creationId xmlns:a16="http://schemas.microsoft.com/office/drawing/2014/main" id="{5AEB4758-FBFD-43D8-6546-62CC8614BE88}"/>
+              </a:ext>
+            </a:extLst>
+          </p:cNvPr>
+          <p:cNvSpPr txBox="1"/>
+          <p:nvPr/>
+        </p:nvSpPr>
+        <p:spPr>
+          <a:xfrm>
+            <a:off x="63374" y="4327556"/>
+            <a:ext cx="12013949" cy="369332"/>
+          </a:xfrm>
+          <a:prstGeom prst="rect">
+            <a:avLst/>
+          </a:prstGeom>
+          <a:noFill/>
+        </p:spPr>
+        <p:txBody>
+          <a:bodyPr wrap="square" rtlCol="0">
+            <a:spAutoFit/>
           </a:bodyPr>
           <a:lstStyle/>
           <a:p>
             <a:r>
-              <a:rPr lang="en-AU" sz="2800" dirty="0"/>
-              <a:t>for /F \”tokens=*\” %1 in (‘wevtutil.exe </a:t>
-            </a:r>
-            <a:r>
-              <a:rPr lang="en-AU" sz="2800" dirty="0" err="1"/>
-              <a:t>el</a:t>
-            </a:r>
-            <a:r>
-              <a:rPr lang="en-AU" sz="2800" dirty="0"/>
-              <a:t>’) DO wevtutil.exe cl \”%1\”</a:t>
-            </a:r>
-          </a:p>
-          <a:p>
-            <a:r>
               <a:rPr lang="en-AU" dirty="0"/>
-              <a:t>This command doesn’t in the testing environment however in </a:t>
-            </a:r>
-            <a:r>
-              <a:rPr lang="en-AU" dirty="0" err="1"/>
-              <a:t>powershell</a:t>
-            </a:r>
-            <a:r>
-              <a:rPr lang="en-AU" dirty="0"/>
-              <a:t> you can achieve the same outcome using </a:t>
-            </a:r>
-            <a:r>
-              <a:rPr lang="en-AU" dirty="0" err="1"/>
-              <a:t>wevtutil</a:t>
-            </a:r>
-            <a:r>
-              <a:rPr lang="en-AU" dirty="0"/>
-              <a:t> witch this command.</a:t>
-            </a:r>
-          </a:p>
-          <a:p>
-            <a:r>
-              <a:rPr lang="en-AU" dirty="0" err="1"/>
-              <a:t>wevtutil</a:t>
-            </a:r>
-            <a:r>
-              <a:rPr lang="en-AU" dirty="0"/>
-              <a:t> </a:t>
-            </a:r>
-            <a:r>
-              <a:rPr lang="en-AU" dirty="0" err="1"/>
-              <a:t>el</a:t>
-            </a:r>
-            <a:r>
-              <a:rPr lang="en-AU" dirty="0"/>
-              <a:t> | Foreach-Object {</a:t>
-            </a:r>
-            <a:r>
-              <a:rPr lang="en-AU" dirty="0" err="1"/>
-              <a:t>wevtutil</a:t>
-            </a:r>
-            <a:r>
-              <a:rPr lang="en-AU" dirty="0"/>
-              <a:t> cl "$_"}</a:t>
-            </a:r>
-          </a:p>
-          <a:p>
-            <a:r>
-              <a:rPr lang="en-AU" dirty="0"/>
-              <a:t>Despite it clearing logs Sysmon will still catch it until it fully clears the logs allowing </a:t>
-            </a:r>
-            <a:r>
-              <a:rPr lang="en-AU" dirty="0" err="1"/>
-              <a:t>Wazuh</a:t>
-            </a:r>
-            <a:r>
-              <a:rPr lang="en-AU" dirty="0"/>
-              <a:t> to generate a alert.</a:t>
-            </a:r>
-          </a:p>
-          <a:p>
-            <a:r>
-              <a:rPr lang="en-AU" dirty="0"/>
-              <a:t>You can prevent the logs from being cleared either by group policy from the domain controller. This can be circumvented sometimes if the user or </a:t>
-            </a:r>
-            <a:r>
-              <a:rPr lang="en-AU" dirty="0" err="1"/>
-              <a:t>BlackCat</a:t>
-            </a:r>
-            <a:r>
-              <a:rPr lang="en-AU" dirty="0"/>
-              <a:t> can edit the registry they could undo the domain controller action then quickly remove logs before the group policy is updated again. </a:t>
-            </a:r>
-          </a:p>
-          <a:p>
-            <a:r>
-              <a:rPr lang="en-AU" dirty="0"/>
-              <a:t>A better solution would be some kind of remote logging server where logs are forwarded to. In this case the logs are forwarded to </a:t>
-            </a:r>
-            <a:r>
-              <a:rPr lang="en-AU" dirty="0" err="1"/>
-              <a:t>Wazuh</a:t>
-            </a:r>
-            <a:r>
-              <a:rPr lang="en-AU" dirty="0"/>
-              <a:t> and an event is triggered</a:t>
+              <a:t>Manual log clearing through event viewer does not trigger these alerts.</a:t>
             </a:r>
           </a:p>
         </p:txBody>
@@ -5440,7 +5277,7 @@
     </p:spTree>
     <p:extLst>
       <p:ext uri="{BB962C8B-B14F-4D97-AF65-F5344CB8AC3E}">
-        <p14:creationId xmlns:p14="http://schemas.microsoft.com/office/powerpoint/2010/main" val="2586304787"/>
+        <p14:creationId xmlns:p14="http://schemas.microsoft.com/office/powerpoint/2010/main" val="3467876871"/>
       </p:ext>
     </p:extLst>
   </p:cSld>
@@ -5451,6 +5288,304 @@
 </file>
 
 <file path=ppt/slides/slide8.xml><?xml version="1.0" encoding="utf-8"?>
+<p:sld xmlns:a="http://schemas.openxmlformats.org/drawingml/2006/main" xmlns:r="http://schemas.openxmlformats.org/officeDocument/2006/relationships" xmlns:p="http://schemas.openxmlformats.org/presentationml/2006/main">
+  <p:cSld>
+    <p:spTree>
+      <p:nvGrpSpPr>
+        <p:cNvPr id="1" name=""/>
+        <p:cNvGrpSpPr/>
+        <p:nvPr/>
+      </p:nvGrpSpPr>
+      <p:grpSpPr>
+        <a:xfrm>
+          <a:off x="0" y="0"/>
+          <a:ext cx="0" cy="0"/>
+          <a:chOff x="0" y="0"/>
+          <a:chExt cx="0" cy="0"/>
+        </a:xfrm>
+      </p:grpSpPr>
+      <p:sp>
+        <p:nvSpPr>
+          <p:cNvPr id="2" name="Title 1">
+            <a:extLst>
+              <a:ext uri="{FF2B5EF4-FFF2-40B4-BE49-F238E27FC236}">
+                <a16:creationId xmlns:a16="http://schemas.microsoft.com/office/drawing/2014/main" id="{90A4C70D-8AB6-3412-A9E3-594A7DAD279D}"/>
+              </a:ext>
+            </a:extLst>
+          </p:cNvPr>
+          <p:cNvSpPr>
+            <a:spLocks noGrp="1"/>
+          </p:cNvSpPr>
+          <p:nvPr>
+            <p:ph type="title"/>
+          </p:nvPr>
+        </p:nvSpPr>
+        <p:spPr/>
+        <p:txBody>
+          <a:bodyPr/>
+          <a:lstStyle/>
+          <a:p>
+            <a:r>
+              <a:rPr lang="en-AU" sz="4400" dirty="0">
+                <a:hlinkClick r:id="rId2"/>
+              </a:rPr>
+              <a:t>T1490</a:t>
+            </a:r>
+            <a:r>
+              <a:rPr lang="en-AU" sz="4400" dirty="0"/>
+              <a:t> </a:t>
+            </a:r>
+            <a:r>
+              <a:rPr lang="en-AU" dirty="0"/>
+              <a:t>Inhibit System Recovery </a:t>
+            </a:r>
+            <a:br>
+              <a:rPr lang="en-AU" dirty="0"/>
+            </a:br>
+            <a:endParaRPr lang="en-AU" dirty="0"/>
+          </a:p>
+        </p:txBody>
+      </p:sp>
+      <p:pic>
+        <p:nvPicPr>
+          <p:cNvPr id="7" name="Picture 6">
+            <a:extLst>
+              <a:ext uri="{FF2B5EF4-FFF2-40B4-BE49-F238E27FC236}">
+                <a16:creationId xmlns:a16="http://schemas.microsoft.com/office/drawing/2014/main" id="{C5CAD526-2F0C-9002-D56D-89F78705607C}"/>
+              </a:ext>
+            </a:extLst>
+          </p:cNvPr>
+          <p:cNvPicPr>
+            <a:picLocks noChangeAspect="1"/>
+          </p:cNvPicPr>
+          <p:nvPr/>
+        </p:nvPicPr>
+        <p:blipFill>
+          <a:blip r:embed="rId3"/>
+          <a:stretch>
+            <a:fillRect/>
+          </a:stretch>
+        </p:blipFill>
+        <p:spPr>
+          <a:xfrm>
+            <a:off x="0" y="1690688"/>
+            <a:ext cx="2876498" cy="2885991"/>
+          </a:xfrm>
+          <a:prstGeom prst="rect">
+            <a:avLst/>
+          </a:prstGeom>
+        </p:spPr>
+      </p:pic>
+      <p:sp>
+        <p:nvSpPr>
+          <p:cNvPr id="8" name="TextBox 7">
+            <a:extLst>
+              <a:ext uri="{FF2B5EF4-FFF2-40B4-BE49-F238E27FC236}">
+                <a16:creationId xmlns:a16="http://schemas.microsoft.com/office/drawing/2014/main" id="{4EB107DB-0E5E-BC67-894E-ECA2C1DA86E0}"/>
+              </a:ext>
+            </a:extLst>
+          </p:cNvPr>
+          <p:cNvSpPr txBox="1"/>
+          <p:nvPr/>
+        </p:nvSpPr>
+        <p:spPr>
+          <a:xfrm>
+            <a:off x="0" y="1044357"/>
+            <a:ext cx="3902330" cy="646331"/>
+          </a:xfrm>
+          <a:prstGeom prst="rect">
+            <a:avLst/>
+          </a:prstGeom>
+          <a:noFill/>
+        </p:spPr>
+        <p:txBody>
+          <a:bodyPr wrap="square" rtlCol="0">
+            <a:spAutoFit/>
+          </a:bodyPr>
+          <a:lstStyle/>
+          <a:p>
+            <a:r>
+              <a:rPr lang="en-AU" dirty="0"/>
+              <a:t>Had to enable shadow copies first for the attack to be successful</a:t>
+            </a:r>
+          </a:p>
+        </p:txBody>
+      </p:sp>
+      <p:sp>
+        <p:nvSpPr>
+          <p:cNvPr id="10" name="TextBox 9">
+            <a:extLst>
+              <a:ext uri="{FF2B5EF4-FFF2-40B4-BE49-F238E27FC236}">
+                <a16:creationId xmlns:a16="http://schemas.microsoft.com/office/drawing/2014/main" id="{5265D93B-6C0D-C8AF-DE91-12FFFF79CDCC}"/>
+              </a:ext>
+            </a:extLst>
+          </p:cNvPr>
+          <p:cNvSpPr txBox="1"/>
+          <p:nvPr/>
+        </p:nvSpPr>
+        <p:spPr>
+          <a:xfrm>
+            <a:off x="5097102" y="1216041"/>
+            <a:ext cx="4309449" cy="3693319"/>
+          </a:xfrm>
+          <a:prstGeom prst="rect">
+            <a:avLst/>
+          </a:prstGeom>
+          <a:noFill/>
+        </p:spPr>
+        <p:txBody>
+          <a:bodyPr wrap="square">
+            <a:spAutoFit/>
+          </a:bodyPr>
+          <a:lstStyle/>
+          <a:p>
+            <a:r>
+              <a:rPr lang="en-AU" sz="1800" b="0" dirty="0"/>
+              <a:t>vssadmin.exe delete shadows /all /quiet</a:t>
+            </a:r>
+            <a:br>
+              <a:rPr lang="en-AU" sz="1800" b="0" dirty="0"/>
+            </a:br>
+            <a:r>
+              <a:rPr lang="en-AU" sz="1800" b="0" dirty="0"/>
+              <a:t>wmic.exe </a:t>
+            </a:r>
+            <a:r>
+              <a:rPr lang="en-AU" sz="1800" b="0" dirty="0" err="1"/>
+              <a:t>Shadowcopy</a:t>
+            </a:r>
+            <a:r>
+              <a:rPr lang="en-AU" sz="1800" b="0" dirty="0"/>
+              <a:t> Delete</a:t>
+            </a:r>
+          </a:p>
+          <a:p>
+            <a:r>
+              <a:rPr lang="en-AU" sz="1800" b="0" dirty="0" err="1"/>
+              <a:t>bcdedit</a:t>
+            </a:r>
+            <a:r>
+              <a:rPr lang="en-AU" sz="1800" b="0" dirty="0"/>
+              <a:t> /set {default} </a:t>
+            </a:r>
+            <a:r>
+              <a:rPr lang="en-AU" sz="1800" b="0" dirty="0" err="1"/>
+              <a:t>recoveryenabled</a:t>
+            </a:r>
+            <a:r>
+              <a:rPr lang="en-AU" sz="1800" b="0" dirty="0"/>
+              <a:t> No</a:t>
+            </a:r>
+            <a:br>
+              <a:rPr lang="en-AU" sz="1800" b="0" dirty="0"/>
+            </a:br>
+            <a:endParaRPr lang="en-AU" sz="1800" b="0" dirty="0"/>
+          </a:p>
+          <a:p>
+            <a:r>
+              <a:rPr lang="en-AU" dirty="0"/>
+              <a:t>Each command will trigger a event in </a:t>
+            </a:r>
+            <a:r>
+              <a:rPr lang="en-AU" dirty="0" err="1"/>
+              <a:t>wazuh</a:t>
+            </a:r>
+            <a:r>
+              <a:rPr lang="en-AU" dirty="0"/>
+              <a:t> under these conditions</a:t>
+            </a:r>
+          </a:p>
+          <a:p>
+            <a:r>
+              <a:rPr lang="en-AU" dirty="0"/>
+              <a:t>1. if vssadmin.exe and delete are called in the same command.</a:t>
+            </a:r>
+          </a:p>
+          <a:p>
+            <a:r>
+              <a:rPr lang="en-AU" dirty="0"/>
+              <a:t>2. If wmic.exe, </a:t>
+            </a:r>
+            <a:r>
+              <a:rPr lang="en-AU" dirty="0" err="1"/>
+              <a:t>shadowcopy</a:t>
+            </a:r>
+            <a:r>
+              <a:rPr lang="en-AU" dirty="0"/>
+              <a:t> and delete are called in the same command.</a:t>
+            </a:r>
+          </a:p>
+          <a:p>
+            <a:r>
+              <a:rPr lang="en-AU" dirty="0"/>
+              <a:t>3. If </a:t>
+            </a:r>
+            <a:r>
+              <a:rPr lang="en-AU" dirty="0" err="1"/>
+              <a:t>bcdedit</a:t>
+            </a:r>
+            <a:r>
+              <a:rPr lang="en-AU" dirty="0"/>
+              <a:t>, </a:t>
+            </a:r>
+            <a:r>
+              <a:rPr lang="en-AU" dirty="0" err="1"/>
+              <a:t>recoveryenabled</a:t>
+            </a:r>
+            <a:r>
+              <a:rPr lang="en-AU" dirty="0"/>
+              <a:t> and no are called in same command.</a:t>
+            </a:r>
+          </a:p>
+          <a:p>
+            <a:endParaRPr lang="en-AU" dirty="0"/>
+          </a:p>
+        </p:txBody>
+      </p:sp>
+      <p:pic>
+        <p:nvPicPr>
+          <p:cNvPr id="14" name="Picture 13">
+            <a:extLst>
+              <a:ext uri="{FF2B5EF4-FFF2-40B4-BE49-F238E27FC236}">
+                <a16:creationId xmlns:a16="http://schemas.microsoft.com/office/drawing/2014/main" id="{1DE5E57F-91BB-EE7E-2517-AC16D6BD261C}"/>
+              </a:ext>
+            </a:extLst>
+          </p:cNvPr>
+          <p:cNvPicPr>
+            <a:picLocks noChangeAspect="1"/>
+          </p:cNvPicPr>
+          <p:nvPr/>
+        </p:nvPicPr>
+        <p:blipFill>
+          <a:blip r:embed="rId4"/>
+          <a:stretch>
+            <a:fillRect/>
+          </a:stretch>
+        </p:blipFill>
+        <p:spPr>
+          <a:xfrm>
+            <a:off x="625544" y="5015620"/>
+            <a:ext cx="11566456" cy="1842380"/>
+          </a:xfrm>
+          <a:prstGeom prst="rect">
+            <a:avLst/>
+          </a:prstGeom>
+        </p:spPr>
+      </p:pic>
+    </p:spTree>
+    <p:extLst>
+      <p:ext uri="{BB962C8B-B14F-4D97-AF65-F5344CB8AC3E}">
+        <p14:creationId xmlns:p14="http://schemas.microsoft.com/office/powerpoint/2010/main" val="3794003486"/>
+      </p:ext>
+    </p:extLst>
+  </p:cSld>
+  <p:clrMapOvr>
+    <a:masterClrMapping/>
+  </p:clrMapOvr>
+</p:sld>
+</file>
+
+<file path=ppt/slides/slide9.xml><?xml version="1.0" encoding="utf-8"?>
 <p:sld xmlns:a="http://schemas.openxmlformats.org/drawingml/2006/main" xmlns:r="http://schemas.openxmlformats.org/officeDocument/2006/relationships" xmlns:p="http://schemas.openxmlformats.org/presentationml/2006/main">
   <p:cSld>
     <p:spTree>

--- a/evidence.pptx
+++ b/evidence.pptx
@@ -13,7 +13,8 @@
     <p:sldId id="263" r:id="rId7"/>
     <p:sldId id="264" r:id="rId8"/>
     <p:sldId id="260" r:id="rId9"/>
-    <p:sldId id="258" r:id="rId10"/>
+    <p:sldId id="265" r:id="rId10"/>
+    <p:sldId id="258" r:id="rId11"/>
   </p:sldIdLst>
   <p:sldSz cx="12192000" cy="6858000"/>
   <p:notesSz cx="6858000" cy="9144000"/>
@@ -3431,6 +3432,396 @@
 </p:sld>
 </file>
 
+<file path=ppt/slides/slide10.xml><?xml version="1.0" encoding="utf-8"?>
+<p:sld xmlns:a="http://schemas.openxmlformats.org/drawingml/2006/main" xmlns:r="http://schemas.openxmlformats.org/officeDocument/2006/relationships" xmlns:p="http://schemas.openxmlformats.org/presentationml/2006/main">
+  <p:cSld>
+    <p:spTree>
+      <p:nvGrpSpPr>
+        <p:cNvPr id="1" name=""/>
+        <p:cNvGrpSpPr/>
+        <p:nvPr/>
+      </p:nvGrpSpPr>
+      <p:grpSpPr>
+        <a:xfrm>
+          <a:off x="0" y="0"/>
+          <a:ext cx="0" cy="0"/>
+          <a:chOff x="0" y="0"/>
+          <a:chExt cx="0" cy="0"/>
+        </a:xfrm>
+      </p:grpSpPr>
+      <p:sp>
+        <p:nvSpPr>
+          <p:cNvPr id="2" name="Title 1">
+            <a:extLst>
+              <a:ext uri="{FF2B5EF4-FFF2-40B4-BE49-F238E27FC236}">
+                <a16:creationId xmlns:a16="http://schemas.microsoft.com/office/drawing/2014/main" id="{E8BA4E43-19C5-02C9-ED26-8AF7FED21CED}"/>
+              </a:ext>
+            </a:extLst>
+          </p:cNvPr>
+          <p:cNvSpPr>
+            <a:spLocks noGrp="1"/>
+          </p:cNvSpPr>
+          <p:nvPr>
+            <p:ph type="title"/>
+          </p:nvPr>
+        </p:nvSpPr>
+        <p:spPr/>
+        <p:txBody>
+          <a:bodyPr/>
+          <a:lstStyle/>
+          <a:p>
+            <a:r>
+              <a:rPr lang="en-AU" dirty="0"/>
+              <a:t>References</a:t>
+            </a:r>
+          </a:p>
+        </p:txBody>
+      </p:sp>
+      <p:sp>
+        <p:nvSpPr>
+          <p:cNvPr id="3" name="Content Placeholder 2">
+            <a:extLst>
+              <a:ext uri="{FF2B5EF4-FFF2-40B4-BE49-F238E27FC236}">
+                <a16:creationId xmlns:a16="http://schemas.microsoft.com/office/drawing/2014/main" id="{B6A28169-F058-5AD3-E0C5-F60F9303105A}"/>
+              </a:ext>
+            </a:extLst>
+          </p:cNvPr>
+          <p:cNvSpPr>
+            <a:spLocks noGrp="1"/>
+          </p:cNvSpPr>
+          <p:nvPr>
+            <p:ph idx="1"/>
+          </p:nvPr>
+        </p:nvSpPr>
+        <p:spPr/>
+        <p:txBody>
+          <a:bodyPr>
+            <a:normAutofit/>
+          </a:bodyPr>
+          <a:lstStyle/>
+          <a:p>
+            <a:r>
+              <a:rPr lang="en-AU" sz="1200" dirty="0">
+                <a:effectLst/>
+              </a:rPr>
+              <a:t>ALPHV/</a:t>
+            </a:r>
+            <a:r>
+              <a:rPr lang="en-AU" sz="1200" dirty="0" err="1">
+                <a:effectLst/>
+              </a:rPr>
+              <a:t>BlackCat</a:t>
+            </a:r>
+            <a:r>
+              <a:rPr lang="en-AU" sz="1200" dirty="0">
+                <a:effectLst/>
+              </a:rPr>
+              <a:t> Ransomware, A.D.D.I. (2023) </a:t>
+            </a:r>
+            <a:r>
+              <a:rPr lang="en-AU" sz="1200" i="1" dirty="0">
+                <a:effectLst/>
+              </a:rPr>
+              <a:t>A deep dive into ALPHV/</a:t>
+            </a:r>
+            <a:r>
+              <a:rPr lang="en-AU" sz="1200" i="1" dirty="0" err="1">
+                <a:effectLst/>
+              </a:rPr>
+              <a:t>BlackCat</a:t>
+            </a:r>
+            <a:r>
+              <a:rPr lang="en-AU" sz="1200" i="1" dirty="0">
+                <a:effectLst/>
+              </a:rPr>
+              <a:t> ransomware</a:t>
+            </a:r>
+            <a:r>
+              <a:rPr lang="en-AU" sz="1200" dirty="0">
+                <a:effectLst/>
+              </a:rPr>
+              <a:t>, </a:t>
+            </a:r>
+            <a:r>
+              <a:rPr lang="en-AU" sz="1200" i="1" dirty="0" err="1">
+                <a:effectLst/>
+              </a:rPr>
+              <a:t>SecurityScorecard</a:t>
+            </a:r>
+            <a:r>
+              <a:rPr lang="en-AU" sz="1200" dirty="0">
+                <a:effectLst/>
+              </a:rPr>
+              <a:t>. Available at: https://securityscorecard.com/research/deep-dive-into-alphv-blackcat-ransomware/ (Accessed: 22 September 2023). </a:t>
+            </a:r>
+          </a:p>
+          <a:p>
+            <a:r>
+              <a:rPr lang="en-AU" sz="1200" dirty="0" err="1">
+                <a:effectLst/>
+              </a:rPr>
+              <a:t>Bouchrika</a:t>
+            </a:r>
+            <a:r>
+              <a:rPr lang="en-AU" sz="1200" dirty="0">
+                <a:effectLst/>
+              </a:rPr>
+              <a:t>, I. (2023) </a:t>
+            </a:r>
+            <a:r>
+              <a:rPr lang="en-AU" sz="1200" i="1" dirty="0" err="1">
+                <a:effectLst/>
+              </a:rPr>
+              <a:t>BlackCat</a:t>
+            </a:r>
+            <a:r>
+              <a:rPr lang="en-AU" sz="1200" i="1" dirty="0">
+                <a:effectLst/>
+              </a:rPr>
+              <a:t> ransomware (ALPHV)</a:t>
+            </a:r>
+            <a:r>
+              <a:rPr lang="en-AU" sz="1200" dirty="0">
+                <a:effectLst/>
+              </a:rPr>
+              <a:t>, </a:t>
+            </a:r>
+            <a:r>
+              <a:rPr lang="en-AU" sz="1200" i="1" dirty="0">
+                <a:effectLst/>
+              </a:rPr>
+              <a:t>Varonis</a:t>
+            </a:r>
+            <a:r>
+              <a:rPr lang="en-AU" sz="1200" dirty="0">
+                <a:effectLst/>
+              </a:rPr>
+              <a:t>. Available at: https://www.varonis.com/blog/blackcat-ransomware (Accessed: 22 September 2023). </a:t>
+            </a:r>
+          </a:p>
+          <a:p>
+            <a:r>
+              <a:rPr lang="en-AU" sz="1200" dirty="0">
+                <a:effectLst/>
+              </a:rPr>
+              <a:t>Clark, A., Sivakumaran, P. and </a:t>
+            </a:r>
+            <a:r>
+              <a:rPr lang="en-AU" sz="1200" dirty="0" err="1">
+                <a:effectLst/>
+              </a:rPr>
+              <a:t>Gotlib</a:t>
+            </a:r>
+            <a:r>
+              <a:rPr lang="en-AU" sz="1200" dirty="0">
+                <a:effectLst/>
+              </a:rPr>
+              <a:t>, Y. (2019) </a:t>
+            </a:r>
+            <a:r>
+              <a:rPr lang="en-AU" sz="1200" i="1" dirty="0">
+                <a:effectLst/>
+              </a:rPr>
+              <a:t>Inhibit system recovery</a:t>
+            </a:r>
+            <a:r>
+              <a:rPr lang="en-AU" sz="1200" dirty="0">
+                <a:effectLst/>
+              </a:rPr>
+              <a:t>, </a:t>
+            </a:r>
+            <a:r>
+              <a:rPr lang="en-AU" sz="1200" i="1" dirty="0">
+                <a:effectLst/>
+              </a:rPr>
+              <a:t>Inhibit System Recovery, Technique T1490 - Enterprise | MITRE ATT&amp;CK®</a:t>
+            </a:r>
+            <a:r>
+              <a:rPr lang="en-AU" sz="1200" dirty="0">
+                <a:effectLst/>
+              </a:rPr>
+              <a:t>. Available at: https://attack.mitre.org/techniques/T1490/ (Accessed: 22 September 2023). </a:t>
+            </a:r>
+          </a:p>
+          <a:p>
+            <a:r>
+              <a:rPr lang="en-AU" sz="1200" dirty="0">
+                <a:effectLst/>
+              </a:rPr>
+              <a:t>Intelligence, M.T. (2022) </a:t>
+            </a:r>
+            <a:r>
+              <a:rPr lang="en-AU" sz="1200" i="1" dirty="0">
+                <a:effectLst/>
+              </a:rPr>
+              <a:t>The many lives of </a:t>
+            </a:r>
+            <a:r>
+              <a:rPr lang="en-AU" sz="1200" i="1" dirty="0" err="1">
+                <a:effectLst/>
+              </a:rPr>
+              <a:t>BlackCat</a:t>
+            </a:r>
+            <a:r>
+              <a:rPr lang="en-AU" sz="1200" i="1" dirty="0">
+                <a:effectLst/>
+              </a:rPr>
+              <a:t> ransomware</a:t>
+            </a:r>
+            <a:r>
+              <a:rPr lang="en-AU" sz="1200" dirty="0">
+                <a:effectLst/>
+              </a:rPr>
+              <a:t>, </a:t>
+            </a:r>
+            <a:r>
+              <a:rPr lang="en-AU" sz="1200" i="1" dirty="0">
+                <a:effectLst/>
+              </a:rPr>
+              <a:t>Microsoft Security Blog</a:t>
+            </a:r>
+            <a:r>
+              <a:rPr lang="en-AU" sz="1200" dirty="0">
+                <a:effectLst/>
+              </a:rPr>
+              <a:t>. Available at: https://www.microsoft.com/en-us/security/blog/2022/06/13/the-many-lives-of-blackcat-ransomware/ (Accessed: 22 September 2023). </a:t>
+            </a:r>
+          </a:p>
+          <a:p>
+            <a:r>
+              <a:rPr lang="en-AU" sz="1200" dirty="0" err="1">
+                <a:effectLst/>
+              </a:rPr>
+              <a:t>Nagahama</a:t>
+            </a:r>
+            <a:r>
+              <a:rPr lang="en-AU" sz="1200" dirty="0">
+                <a:effectLst/>
+              </a:rPr>
+              <a:t>, H. </a:t>
+            </a:r>
+            <a:r>
+              <a:rPr lang="en-AU" sz="1200" i="1" dirty="0">
+                <a:effectLst/>
+              </a:rPr>
+              <a:t>et al.</a:t>
+            </a:r>
+            <a:r>
+              <a:rPr lang="en-AU" sz="1200" dirty="0">
+                <a:effectLst/>
+              </a:rPr>
+              <a:t> (2023) </a:t>
+            </a:r>
+            <a:r>
+              <a:rPr lang="en-AU" sz="1200" i="1" dirty="0">
+                <a:effectLst/>
+              </a:rPr>
+              <a:t>Blackcat</a:t>
+            </a:r>
+            <a:r>
+              <a:rPr lang="en-AU" sz="1200" dirty="0">
+                <a:effectLst/>
+              </a:rPr>
+              <a:t>, </a:t>
+            </a:r>
+            <a:r>
+              <a:rPr lang="en-AU" sz="1200" i="1" dirty="0" err="1">
+                <a:effectLst/>
+              </a:rPr>
+              <a:t>BlackCat</a:t>
+            </a:r>
+            <a:r>
+              <a:rPr lang="en-AU" sz="1200" i="1" dirty="0">
+                <a:effectLst/>
+              </a:rPr>
+              <a:t>, Software S1068 | MITRE ATT&amp;CK®</a:t>
+            </a:r>
+            <a:r>
+              <a:rPr lang="en-AU" sz="1200" dirty="0">
+                <a:effectLst/>
+              </a:rPr>
+              <a:t>. Available at: https://attack.mitre.org/software/S1068/ (Accessed: 22 September 2023). </a:t>
+            </a:r>
+          </a:p>
+          <a:p>
+            <a:r>
+              <a:rPr lang="en-AU" sz="1200" dirty="0">
+                <a:effectLst/>
+              </a:rPr>
+              <a:t>T1033, A.R. (2023) </a:t>
+            </a:r>
+            <a:r>
+              <a:rPr lang="en-AU" sz="1200" i="1" dirty="0">
+                <a:effectLst/>
+              </a:rPr>
+              <a:t>T1033</a:t>
+            </a:r>
+            <a:r>
+              <a:rPr lang="en-AU" sz="1200" dirty="0">
+                <a:effectLst/>
+              </a:rPr>
+              <a:t>, </a:t>
+            </a:r>
+            <a:r>
+              <a:rPr lang="en-AU" sz="1200" i="1" dirty="0">
+                <a:effectLst/>
+              </a:rPr>
+              <a:t>Explore Atomic Red Team</a:t>
+            </a:r>
+            <a:r>
+              <a:rPr lang="en-AU" sz="1200" dirty="0">
+                <a:effectLst/>
+              </a:rPr>
+              <a:t>. Available at: https://atomicredteam.io/discovery/T1033/ (Accessed: 22 September 2023). </a:t>
+            </a:r>
+          </a:p>
+          <a:p>
+            <a:r>
+              <a:rPr lang="en-AU" sz="1200" dirty="0">
+                <a:effectLst/>
+              </a:rPr>
+              <a:t>T1083, A. (2023) </a:t>
+            </a:r>
+            <a:r>
+              <a:rPr lang="en-AU" sz="1200" i="1" dirty="0">
+                <a:effectLst/>
+              </a:rPr>
+              <a:t>T1083</a:t>
+            </a:r>
+            <a:r>
+              <a:rPr lang="en-AU" sz="1200" dirty="0">
+                <a:effectLst/>
+              </a:rPr>
+              <a:t>, </a:t>
+            </a:r>
+            <a:r>
+              <a:rPr lang="en-AU" sz="1200" i="1" dirty="0">
+                <a:effectLst/>
+              </a:rPr>
+              <a:t>Explore Atomic Red Team</a:t>
+            </a:r>
+            <a:r>
+              <a:rPr lang="en-AU" sz="1200" dirty="0">
+                <a:effectLst/>
+              </a:rPr>
+              <a:t>. Available at: https://atomicredteam.io/discovery/T1083/ (Accessed: 22 September 2023). </a:t>
+            </a:r>
+          </a:p>
+        </p:txBody>
+      </p:sp>
+    </p:spTree>
+    <p:extLst>
+      <p:ext uri="{BB962C8B-B14F-4D97-AF65-F5344CB8AC3E}">
+        <p14:creationId xmlns:p14="http://schemas.microsoft.com/office/powerpoint/2010/main" val="3066845276"/>
+      </p:ext>
+    </p:extLst>
+  </p:cSld>
+  <p:clrMapOvr>
+    <a:masterClrMapping/>
+  </p:clrMapOvr>
+</p:sld>
+</file>
+
 <file path=ppt/slides/slide2.xml><?xml version="1.0" encoding="utf-8"?>
 <p:sld xmlns:a="http://schemas.openxmlformats.org/drawingml/2006/main" xmlns:r="http://schemas.openxmlformats.org/officeDocument/2006/relationships" xmlns:p="http://schemas.openxmlformats.org/presentationml/2006/main">
   <p:cSld>
@@ -5607,7 +5998,7 @@
           <p:cNvPr id="2" name="Title 1">
             <a:extLst>
               <a:ext uri="{FF2B5EF4-FFF2-40B4-BE49-F238E27FC236}">
-                <a16:creationId xmlns:a16="http://schemas.microsoft.com/office/drawing/2014/main" id="{E8BA4E43-19C5-02C9-ED26-8AF7FED21CED}"/>
+                <a16:creationId xmlns:a16="http://schemas.microsoft.com/office/drawing/2014/main" id="{1734740B-106F-2C9B-D680-A11926D801F9}"/>
               </a:ext>
             </a:extLst>
           </p:cNvPr>
@@ -5618,354 +6009,87 @@
             <p:ph type="title"/>
           </p:nvPr>
         </p:nvSpPr>
-        <p:spPr/>
+        <p:spPr>
+          <a:xfrm>
+            <a:off x="213049" y="-120067"/>
+            <a:ext cx="10515600" cy="1325563"/>
+          </a:xfrm>
+        </p:spPr>
         <p:txBody>
           <a:bodyPr/>
           <a:lstStyle/>
           <a:p>
             <a:r>
               <a:rPr lang="en-AU" dirty="0"/>
-              <a:t>References</a:t>
-            </a:r>
-          </a:p>
-        </p:txBody>
-      </p:sp>
-      <p:sp>
-        <p:nvSpPr>
-          <p:cNvPr id="3" name="Content Placeholder 2">
-            <a:extLst>
-              <a:ext uri="{FF2B5EF4-FFF2-40B4-BE49-F238E27FC236}">
-                <a16:creationId xmlns:a16="http://schemas.microsoft.com/office/drawing/2014/main" id="{B6A28169-F058-5AD3-E0C5-F60F9303105A}"/>
-              </a:ext>
-            </a:extLst>
-          </p:cNvPr>
-          <p:cNvSpPr>
-            <a:spLocks noGrp="1"/>
-          </p:cNvSpPr>
-          <p:nvPr>
-            <p:ph idx="1"/>
-          </p:nvPr>
-        </p:nvSpPr>
-        <p:spPr/>
-        <p:txBody>
-          <a:bodyPr>
-            <a:normAutofit/>
-          </a:bodyPr>
-          <a:lstStyle/>
-          <a:p>
-            <a:r>
-              <a:rPr lang="en-AU" sz="1200" dirty="0">
-                <a:effectLst/>
-              </a:rPr>
-              <a:t>ALPHV/</a:t>
-            </a:r>
-            <a:r>
-              <a:rPr lang="en-AU" sz="1200" dirty="0" err="1">
-                <a:effectLst/>
-              </a:rPr>
-              <a:t>BlackCat</a:t>
-            </a:r>
-            <a:r>
-              <a:rPr lang="en-AU" sz="1200" dirty="0">
-                <a:effectLst/>
-              </a:rPr>
-              <a:t> Ransomware, A.D.D.I. (2023) </a:t>
-            </a:r>
-            <a:r>
-              <a:rPr lang="en-AU" sz="1200" i="1" dirty="0">
-                <a:effectLst/>
-              </a:rPr>
-              <a:t>A deep dive into ALPHV/</a:t>
-            </a:r>
-            <a:r>
-              <a:rPr lang="en-AU" sz="1200" i="1" dirty="0" err="1">
-                <a:effectLst/>
-              </a:rPr>
-              <a:t>BlackCat</a:t>
-            </a:r>
-            <a:r>
-              <a:rPr lang="en-AU" sz="1200" i="1" dirty="0">
-                <a:effectLst/>
-              </a:rPr>
-              <a:t> ransomware</a:t>
-            </a:r>
-            <a:r>
-              <a:rPr lang="en-AU" sz="1200" dirty="0">
-                <a:effectLst/>
-              </a:rPr>
-              <a:t>, </a:t>
-            </a:r>
-            <a:r>
-              <a:rPr lang="en-AU" sz="1200" i="1" dirty="0" err="1">
-                <a:effectLst/>
-              </a:rPr>
-              <a:t>SecurityScorecard</a:t>
-            </a:r>
-            <a:r>
-              <a:rPr lang="en-AU" sz="1200" dirty="0">
-                <a:effectLst/>
-              </a:rPr>
-              <a:t>. Available at: https://securityscorecard.com/research/deep-dive-into-alphv-blackcat-ransomware/ (Accessed: 22 September 2023). </a:t>
-            </a:r>
-          </a:p>
-          <a:p>
-            <a:r>
-              <a:rPr lang="en-AU" sz="1200" dirty="0" err="1">
-                <a:effectLst/>
-              </a:rPr>
-              <a:t>Bouchrika</a:t>
-            </a:r>
-            <a:r>
-              <a:rPr lang="en-AU" sz="1200" dirty="0">
-                <a:effectLst/>
-              </a:rPr>
-              <a:t>, I. (2023) </a:t>
-            </a:r>
-            <a:r>
-              <a:rPr lang="en-AU" sz="1200" i="1" dirty="0" err="1">
-                <a:effectLst/>
-              </a:rPr>
-              <a:t>BlackCat</a:t>
-            </a:r>
-            <a:r>
-              <a:rPr lang="en-AU" sz="1200" i="1" dirty="0">
-                <a:effectLst/>
-              </a:rPr>
-              <a:t> ransomware (ALPHV)</a:t>
-            </a:r>
-            <a:r>
-              <a:rPr lang="en-AU" sz="1200" dirty="0">
-                <a:effectLst/>
-              </a:rPr>
-              <a:t>, </a:t>
-            </a:r>
-            <a:r>
-              <a:rPr lang="en-AU" sz="1200" i="1" dirty="0">
-                <a:effectLst/>
-              </a:rPr>
-              <a:t>Varonis</a:t>
-            </a:r>
-            <a:r>
-              <a:rPr lang="en-AU" sz="1200" dirty="0">
-                <a:effectLst/>
-              </a:rPr>
-              <a:t>. Available at: https://www.varonis.com/blog/blackcat-ransomware (Accessed: 22 September 2023). </a:t>
-            </a:r>
-          </a:p>
-          <a:p>
-            <a:r>
-              <a:rPr lang="en-AU" sz="1200" dirty="0">
-                <a:effectLst/>
-              </a:rPr>
-              <a:t>Clark, A., Sivakumaran, P. and </a:t>
-            </a:r>
-            <a:r>
-              <a:rPr lang="en-AU" sz="1200" dirty="0" err="1">
-                <a:effectLst/>
-              </a:rPr>
-              <a:t>Gotlib</a:t>
-            </a:r>
-            <a:r>
-              <a:rPr lang="en-AU" sz="1200" dirty="0">
-                <a:effectLst/>
-              </a:rPr>
-              <a:t>, Y. (2019) </a:t>
-            </a:r>
-            <a:r>
-              <a:rPr lang="en-AU" sz="1200" i="1" dirty="0">
-                <a:effectLst/>
-              </a:rPr>
-              <a:t>Inhibit system recovery</a:t>
-            </a:r>
-            <a:r>
-              <a:rPr lang="en-AU" sz="1200" dirty="0">
-                <a:effectLst/>
-              </a:rPr>
-              <a:t>, </a:t>
-            </a:r>
-            <a:r>
-              <a:rPr lang="en-AU" sz="1200" i="1" dirty="0">
-                <a:effectLst/>
-              </a:rPr>
-              <a:t>Inhibit System Recovery, Technique T1490 - Enterprise | MITRE ATT&amp;CK®</a:t>
-            </a:r>
-            <a:r>
-              <a:rPr lang="en-AU" sz="1200" dirty="0">
-                <a:effectLst/>
-              </a:rPr>
-              <a:t>. Available at: https://attack.mitre.org/techniques/T1490/ (Accessed: 22 September 2023). </a:t>
-            </a:r>
-          </a:p>
-          <a:p>
-            <a:r>
-              <a:rPr lang="en-AU" sz="1200" dirty="0">
-                <a:effectLst/>
-              </a:rPr>
-              <a:t>Intelligence, M.T. (2022) </a:t>
-            </a:r>
-            <a:r>
-              <a:rPr lang="en-AU" sz="1200" i="1" dirty="0">
-                <a:effectLst/>
-              </a:rPr>
-              <a:t>The many lives of </a:t>
-            </a:r>
-            <a:r>
-              <a:rPr lang="en-AU" sz="1200" i="1" dirty="0" err="1">
-                <a:effectLst/>
-              </a:rPr>
-              <a:t>BlackCat</a:t>
-            </a:r>
-            <a:r>
-              <a:rPr lang="en-AU" sz="1200" i="1" dirty="0">
-                <a:effectLst/>
-              </a:rPr>
-              <a:t> ransomware</a:t>
-            </a:r>
-            <a:r>
-              <a:rPr lang="en-AU" sz="1200" dirty="0">
-                <a:effectLst/>
-              </a:rPr>
-              <a:t>, </a:t>
-            </a:r>
-            <a:r>
-              <a:rPr lang="en-AU" sz="1200" i="1" dirty="0">
-                <a:effectLst/>
-              </a:rPr>
-              <a:t>Microsoft Security Blog</a:t>
-            </a:r>
-            <a:r>
-              <a:rPr lang="en-AU" sz="1200" dirty="0">
-                <a:effectLst/>
-              </a:rPr>
-              <a:t>. Available at: https://www.microsoft.com/en-us/security/blog/2022/06/13/the-many-lives-of-blackcat-ransomware/ (Accessed: 22 September 2023). </a:t>
-            </a:r>
-          </a:p>
-          <a:p>
-            <a:r>
-              <a:rPr lang="en-AU" sz="1200" dirty="0" err="1">
-                <a:effectLst/>
-              </a:rPr>
-              <a:t>Nagahama</a:t>
-            </a:r>
-            <a:r>
-              <a:rPr lang="en-AU" sz="1200" dirty="0">
-                <a:effectLst/>
-              </a:rPr>
-              <a:t>, H. </a:t>
-            </a:r>
-            <a:r>
-              <a:rPr lang="en-AU" sz="1200" i="1" dirty="0">
-                <a:effectLst/>
-              </a:rPr>
-              <a:t>et al.</a:t>
-            </a:r>
-            <a:r>
-              <a:rPr lang="en-AU" sz="1200" dirty="0">
-                <a:effectLst/>
-              </a:rPr>
-              <a:t> (2023) </a:t>
-            </a:r>
-            <a:r>
-              <a:rPr lang="en-AU" sz="1200" i="1" dirty="0">
-                <a:effectLst/>
-              </a:rPr>
-              <a:t>Blackcat</a:t>
-            </a:r>
-            <a:r>
-              <a:rPr lang="en-AU" sz="1200" dirty="0">
-                <a:effectLst/>
-              </a:rPr>
-              <a:t>, </a:t>
-            </a:r>
-            <a:r>
-              <a:rPr lang="en-AU" sz="1200" i="1" dirty="0" err="1">
-                <a:effectLst/>
-              </a:rPr>
-              <a:t>BlackCat</a:t>
-            </a:r>
-            <a:r>
-              <a:rPr lang="en-AU" sz="1200" i="1" dirty="0">
-                <a:effectLst/>
-              </a:rPr>
-              <a:t>, Software S1068 | MITRE ATT&amp;CK®</a:t>
-            </a:r>
-            <a:r>
-              <a:rPr lang="en-AU" sz="1200" dirty="0">
-                <a:effectLst/>
-              </a:rPr>
-              <a:t>. Available at: https://attack.mitre.org/software/S1068/ (Accessed: 22 September 2023). </a:t>
-            </a:r>
-          </a:p>
-          <a:p>
-            <a:r>
-              <a:rPr lang="en-AU" sz="1200" dirty="0">
-                <a:effectLst/>
-              </a:rPr>
-              <a:t>T1033, A.R. (2023) </a:t>
-            </a:r>
-            <a:r>
-              <a:rPr lang="en-AU" sz="1200" i="1" dirty="0">
-                <a:effectLst/>
-              </a:rPr>
-              <a:t>T1033</a:t>
-            </a:r>
-            <a:r>
-              <a:rPr lang="en-AU" sz="1200" dirty="0">
-                <a:effectLst/>
-              </a:rPr>
-              <a:t>, </a:t>
-            </a:r>
-            <a:r>
-              <a:rPr lang="en-AU" sz="1200" i="1" dirty="0">
-                <a:effectLst/>
-              </a:rPr>
-              <a:t>Explore Atomic Red Team</a:t>
-            </a:r>
-            <a:r>
-              <a:rPr lang="en-AU" sz="1200" dirty="0">
-                <a:effectLst/>
-              </a:rPr>
-              <a:t>. Available at: https://atomicredteam.io/discovery/T1033/ (Accessed: 22 September 2023). </a:t>
-            </a:r>
-          </a:p>
-          <a:p>
-            <a:r>
-              <a:rPr lang="en-AU" sz="1200" dirty="0">
-                <a:effectLst/>
-              </a:rPr>
-              <a:t>T1083, A. (2023) </a:t>
-            </a:r>
-            <a:r>
-              <a:rPr lang="en-AU" sz="1200" i="1" dirty="0">
-                <a:effectLst/>
-              </a:rPr>
-              <a:t>T1083</a:t>
-            </a:r>
-            <a:r>
-              <a:rPr lang="en-AU" sz="1200" dirty="0">
-                <a:effectLst/>
-              </a:rPr>
-              <a:t>, </a:t>
-            </a:r>
-            <a:r>
-              <a:rPr lang="en-AU" sz="1200" i="1" dirty="0">
-                <a:effectLst/>
-              </a:rPr>
-              <a:t>Explore Atomic Red Team</a:t>
-            </a:r>
-            <a:r>
-              <a:rPr lang="en-AU" sz="1200" dirty="0">
-                <a:effectLst/>
-              </a:rPr>
-              <a:t>. Available at: https://atomicredteam.io/discovery/T1083/ (Accessed: 22 September 2023). </a:t>
-            </a:r>
-          </a:p>
-        </p:txBody>
-      </p:sp>
+              <a:t>Testing attack script</a:t>
+            </a:r>
+          </a:p>
+        </p:txBody>
+      </p:sp>
+      <p:pic>
+        <p:nvPicPr>
+          <p:cNvPr id="5" name="Picture 4">
+            <a:extLst>
+              <a:ext uri="{FF2B5EF4-FFF2-40B4-BE49-F238E27FC236}">
+                <a16:creationId xmlns:a16="http://schemas.microsoft.com/office/drawing/2014/main" id="{B0031B03-2D17-9ABF-8927-1E2211522140}"/>
+              </a:ext>
+            </a:extLst>
+          </p:cNvPr>
+          <p:cNvPicPr>
+            <a:picLocks noChangeAspect="1"/>
+          </p:cNvPicPr>
+          <p:nvPr/>
+        </p:nvPicPr>
+        <p:blipFill>
+          <a:blip r:embed="rId2"/>
+          <a:stretch>
+            <a:fillRect/>
+          </a:stretch>
+        </p:blipFill>
+        <p:spPr>
+          <a:xfrm>
+            <a:off x="0" y="4482123"/>
+            <a:ext cx="12192000" cy="2375877"/>
+          </a:xfrm>
+          <a:prstGeom prst="rect">
+            <a:avLst/>
+          </a:prstGeom>
+        </p:spPr>
+      </p:pic>
+      <p:pic>
+        <p:nvPicPr>
+          <p:cNvPr id="7" name="Picture 6">
+            <a:extLst>
+              <a:ext uri="{FF2B5EF4-FFF2-40B4-BE49-F238E27FC236}">
+                <a16:creationId xmlns:a16="http://schemas.microsoft.com/office/drawing/2014/main" id="{F57ABF64-3B6D-E6F5-D0BF-365174084BBF}"/>
+              </a:ext>
+            </a:extLst>
+          </p:cNvPr>
+          <p:cNvPicPr>
+            <a:picLocks noChangeAspect="1"/>
+          </p:cNvPicPr>
+          <p:nvPr/>
+        </p:nvPicPr>
+        <p:blipFill>
+          <a:blip r:embed="rId3"/>
+          <a:stretch>
+            <a:fillRect/>
+          </a:stretch>
+        </p:blipFill>
+        <p:spPr>
+          <a:xfrm>
+            <a:off x="5048250" y="233973"/>
+            <a:ext cx="7143750" cy="4248150"/>
+          </a:xfrm>
+          <a:prstGeom prst="rect">
+            <a:avLst/>
+          </a:prstGeom>
+        </p:spPr>
+      </p:pic>
     </p:spTree>
     <p:extLst>
       <p:ext uri="{BB962C8B-B14F-4D97-AF65-F5344CB8AC3E}">
-        <p14:creationId xmlns:p14="http://schemas.microsoft.com/office/powerpoint/2010/main" val="3066845276"/>
+        <p14:creationId xmlns:p14="http://schemas.microsoft.com/office/powerpoint/2010/main" val="3030645413"/>
       </p:ext>
     </p:extLst>
   </p:cSld>

--- a/evidence.pptx
+++ b/evidence.pptx
@@ -3378,7 +3378,7 @@
           <a:lstStyle/>
           <a:p>
             <a:r>
-              <a:rPr lang="en-GB" dirty="0"/>
+              <a:rPr lang="en-GB"/>
               <a:t>Caleb Davidson</a:t>
             </a:r>
             <a:endParaRPr lang="en-AU" dirty="0"/>
